--- a/PRESENTATION.pptx
+++ b/PRESENTATION.pptx
@@ -5,7 +5,7 @@
     <p:sldMasterId id="2147483648" r:id="rId1"/>
   </p:sldMasterIdLst>
   <p:notesMasterIdLst>
-    <p:notesMasterId r:id="rId13"/>
+    <p:notesMasterId r:id="rId17"/>
   </p:notesMasterIdLst>
   <p:sldIdLst>
     <p:sldId id="268" r:id="rId2"/>
@@ -16,9 +16,13 @@
     <p:sldId id="2147473507" r:id="rId7"/>
     <p:sldId id="2147473501" r:id="rId8"/>
     <p:sldId id="2147473505" r:id="rId9"/>
-    <p:sldId id="2147473504" r:id="rId10"/>
-    <p:sldId id="2147473510" r:id="rId11"/>
-    <p:sldId id="2147473511" r:id="rId12"/>
+    <p:sldId id="2147473514" r:id="rId10"/>
+    <p:sldId id="2147473515" r:id="rId11"/>
+    <p:sldId id="2147473516" r:id="rId12"/>
+    <p:sldId id="2147473504" r:id="rId13"/>
+    <p:sldId id="2147473510" r:id="rId14"/>
+    <p:sldId id="2147473511" r:id="rId15"/>
+    <p:sldId id="2147473517" r:id="rId16"/>
   </p:sldIdLst>
   <p:sldSz cx="12192000" cy="6858000"/>
   <p:notesSz cx="6858000" cy="9144000"/>
@@ -207,7 +211,7 @@
           <a:p>
             <a:fld id="{173AEA31-EA38-4E23-A3C4-6E1FC9258D37}" type="datetimeFigureOut">
               <a:rPr lang="en-US" smtClean="0"/>
-              <a:t>12/22/2023</a:t>
+              <a:t>1/5/2024</a:t>
             </a:fld>
             <a:endParaRPr lang="en-US"/>
           </a:p>
@@ -580,7 +584,7 @@
           <p:cNvPr id="2" name="Title 1">
             <a:extLst>
               <a:ext uri="{FF2B5EF4-FFF2-40B4-BE49-F238E27FC236}">
-                <a16:creationId xmlns="" xmlns:a16="http://schemas.microsoft.com/office/drawing/2014/main" id="{A7F1ADE2-3337-12F3-C3E8-9235EF85B384}"/>
+                <a16:creationId xmlns:a16="http://schemas.microsoft.com/office/drawing/2014/main" xmlns="" id="{A7F1ADE2-3337-12F3-C3E8-9235EF85B384}"/>
               </a:ext>
             </a:extLst>
           </p:cNvPr>
@@ -617,7 +621,7 @@
           <p:cNvPr id="3" name="Subtitle 2">
             <a:extLst>
               <a:ext uri="{FF2B5EF4-FFF2-40B4-BE49-F238E27FC236}">
-                <a16:creationId xmlns="" xmlns:a16="http://schemas.microsoft.com/office/drawing/2014/main" id="{1B07531C-8827-5208-0078-28E6B7326392}"/>
+                <a16:creationId xmlns:a16="http://schemas.microsoft.com/office/drawing/2014/main" xmlns="" id="{1B07531C-8827-5208-0078-28E6B7326392}"/>
               </a:ext>
             </a:extLst>
           </p:cNvPr>
@@ -687,7 +691,7 @@
           <p:cNvPr id="4" name="Date Placeholder 3">
             <a:extLst>
               <a:ext uri="{FF2B5EF4-FFF2-40B4-BE49-F238E27FC236}">
-                <a16:creationId xmlns="" xmlns:a16="http://schemas.microsoft.com/office/drawing/2014/main" id="{D69E5691-6F87-CEDF-A65A-3F38AD776F01}"/>
+                <a16:creationId xmlns:a16="http://schemas.microsoft.com/office/drawing/2014/main" xmlns="" id="{D69E5691-6F87-CEDF-A65A-3F38AD776F01}"/>
               </a:ext>
             </a:extLst>
           </p:cNvPr>
@@ -705,7 +709,7 @@
           <a:p>
             <a:fld id="{2F19D892-7212-4D42-B533-72D0C6E72CAE}" type="datetimeFigureOut">
               <a:rPr lang="en-US" smtClean="0"/>
-              <a:t>12/22/2023</a:t>
+              <a:t>1/5/2024</a:t>
             </a:fld>
             <a:endParaRPr lang="en-US"/>
           </a:p>
@@ -716,7 +720,7 @@
           <p:cNvPr id="5" name="Footer Placeholder 4">
             <a:extLst>
               <a:ext uri="{FF2B5EF4-FFF2-40B4-BE49-F238E27FC236}">
-                <a16:creationId xmlns="" xmlns:a16="http://schemas.microsoft.com/office/drawing/2014/main" id="{BE1D6033-798F-D1FE-26C5-B0E0AFE119A1}"/>
+                <a16:creationId xmlns:a16="http://schemas.microsoft.com/office/drawing/2014/main" xmlns="" id="{BE1D6033-798F-D1FE-26C5-B0E0AFE119A1}"/>
               </a:ext>
             </a:extLst>
           </p:cNvPr>
@@ -741,7 +745,7 @@
           <p:cNvPr id="6" name="Slide Number Placeholder 5">
             <a:extLst>
               <a:ext uri="{FF2B5EF4-FFF2-40B4-BE49-F238E27FC236}">
-                <a16:creationId xmlns="" xmlns:a16="http://schemas.microsoft.com/office/drawing/2014/main" id="{B3194801-DB3E-EFB3-E409-28E448657868}"/>
+                <a16:creationId xmlns:a16="http://schemas.microsoft.com/office/drawing/2014/main" xmlns="" id="{B3194801-DB3E-EFB3-E409-28E448657868}"/>
               </a:ext>
             </a:extLst>
           </p:cNvPr>
@@ -800,7 +804,7 @@
           <p:cNvPr id="2" name="Title 1">
             <a:extLst>
               <a:ext uri="{FF2B5EF4-FFF2-40B4-BE49-F238E27FC236}">
-                <a16:creationId xmlns="" xmlns:a16="http://schemas.microsoft.com/office/drawing/2014/main" id="{4F99FF0E-1595-8B13-DB78-FA2830465B86}"/>
+                <a16:creationId xmlns:a16="http://schemas.microsoft.com/office/drawing/2014/main" xmlns="" id="{4F99FF0E-1595-8B13-DB78-FA2830465B86}"/>
               </a:ext>
             </a:extLst>
           </p:cNvPr>
@@ -828,7 +832,7 @@
           <p:cNvPr id="3" name="Vertical Text Placeholder 2">
             <a:extLst>
               <a:ext uri="{FF2B5EF4-FFF2-40B4-BE49-F238E27FC236}">
-                <a16:creationId xmlns="" xmlns:a16="http://schemas.microsoft.com/office/drawing/2014/main" id="{124141E2-0A0D-E60E-8A85-C7D535CD2650}"/>
+                <a16:creationId xmlns:a16="http://schemas.microsoft.com/office/drawing/2014/main" xmlns="" id="{124141E2-0A0D-E60E-8A85-C7D535CD2650}"/>
               </a:ext>
             </a:extLst>
           </p:cNvPr>
@@ -885,7 +889,7 @@
           <p:cNvPr id="4" name="Date Placeholder 3">
             <a:extLst>
               <a:ext uri="{FF2B5EF4-FFF2-40B4-BE49-F238E27FC236}">
-                <a16:creationId xmlns="" xmlns:a16="http://schemas.microsoft.com/office/drawing/2014/main" id="{11C2A5CF-BC57-52EF-484C-CE08E98A1C34}"/>
+                <a16:creationId xmlns:a16="http://schemas.microsoft.com/office/drawing/2014/main" xmlns="" id="{11C2A5CF-BC57-52EF-484C-CE08E98A1C34}"/>
               </a:ext>
             </a:extLst>
           </p:cNvPr>
@@ -903,7 +907,7 @@
           <a:p>
             <a:fld id="{2F19D892-7212-4D42-B533-72D0C6E72CAE}" type="datetimeFigureOut">
               <a:rPr lang="en-US" smtClean="0"/>
-              <a:t>12/22/2023</a:t>
+              <a:t>1/5/2024</a:t>
             </a:fld>
             <a:endParaRPr lang="en-US"/>
           </a:p>
@@ -914,7 +918,7 @@
           <p:cNvPr id="5" name="Footer Placeholder 4">
             <a:extLst>
               <a:ext uri="{FF2B5EF4-FFF2-40B4-BE49-F238E27FC236}">
-                <a16:creationId xmlns="" xmlns:a16="http://schemas.microsoft.com/office/drawing/2014/main" id="{D394B156-A3A5-E9FE-8433-DA503E01653B}"/>
+                <a16:creationId xmlns:a16="http://schemas.microsoft.com/office/drawing/2014/main" xmlns="" id="{D394B156-A3A5-E9FE-8433-DA503E01653B}"/>
               </a:ext>
             </a:extLst>
           </p:cNvPr>
@@ -939,7 +943,7 @@
           <p:cNvPr id="6" name="Slide Number Placeholder 5">
             <a:extLst>
               <a:ext uri="{FF2B5EF4-FFF2-40B4-BE49-F238E27FC236}">
-                <a16:creationId xmlns="" xmlns:a16="http://schemas.microsoft.com/office/drawing/2014/main" id="{6A464770-5A07-6EFF-8047-C2F35822A420}"/>
+                <a16:creationId xmlns:a16="http://schemas.microsoft.com/office/drawing/2014/main" xmlns="" id="{6A464770-5A07-6EFF-8047-C2F35822A420}"/>
               </a:ext>
             </a:extLst>
           </p:cNvPr>
@@ -998,7 +1002,7 @@
           <p:cNvPr id="2" name="Vertical Title 1">
             <a:extLst>
               <a:ext uri="{FF2B5EF4-FFF2-40B4-BE49-F238E27FC236}">
-                <a16:creationId xmlns="" xmlns:a16="http://schemas.microsoft.com/office/drawing/2014/main" id="{2F40E7BF-E850-0703-4FE6-4A4341414082}"/>
+                <a16:creationId xmlns:a16="http://schemas.microsoft.com/office/drawing/2014/main" xmlns="" id="{2F40E7BF-E850-0703-4FE6-4A4341414082}"/>
               </a:ext>
             </a:extLst>
           </p:cNvPr>
@@ -1031,7 +1035,7 @@
           <p:cNvPr id="3" name="Vertical Text Placeholder 2">
             <a:extLst>
               <a:ext uri="{FF2B5EF4-FFF2-40B4-BE49-F238E27FC236}">
-                <a16:creationId xmlns="" xmlns:a16="http://schemas.microsoft.com/office/drawing/2014/main" id="{ADE872EF-A13E-62B0-FB81-6E63B8CAAEA4}"/>
+                <a16:creationId xmlns:a16="http://schemas.microsoft.com/office/drawing/2014/main" xmlns="" id="{ADE872EF-A13E-62B0-FB81-6E63B8CAAEA4}"/>
               </a:ext>
             </a:extLst>
           </p:cNvPr>
@@ -1093,7 +1097,7 @@
           <p:cNvPr id="4" name="Date Placeholder 3">
             <a:extLst>
               <a:ext uri="{FF2B5EF4-FFF2-40B4-BE49-F238E27FC236}">
-                <a16:creationId xmlns="" xmlns:a16="http://schemas.microsoft.com/office/drawing/2014/main" id="{C2CA62A8-9EC0-22ED-80BF-CC80E5DA96AD}"/>
+                <a16:creationId xmlns:a16="http://schemas.microsoft.com/office/drawing/2014/main" xmlns="" id="{C2CA62A8-9EC0-22ED-80BF-CC80E5DA96AD}"/>
               </a:ext>
             </a:extLst>
           </p:cNvPr>
@@ -1111,7 +1115,7 @@
           <a:p>
             <a:fld id="{2F19D892-7212-4D42-B533-72D0C6E72CAE}" type="datetimeFigureOut">
               <a:rPr lang="en-US" smtClean="0"/>
-              <a:t>12/22/2023</a:t>
+              <a:t>1/5/2024</a:t>
             </a:fld>
             <a:endParaRPr lang="en-US"/>
           </a:p>
@@ -1122,7 +1126,7 @@
           <p:cNvPr id="5" name="Footer Placeholder 4">
             <a:extLst>
               <a:ext uri="{FF2B5EF4-FFF2-40B4-BE49-F238E27FC236}">
-                <a16:creationId xmlns="" xmlns:a16="http://schemas.microsoft.com/office/drawing/2014/main" id="{221AC254-F8C7-CDCB-0678-6A7CB713DEE9}"/>
+                <a16:creationId xmlns:a16="http://schemas.microsoft.com/office/drawing/2014/main" xmlns="" id="{221AC254-F8C7-CDCB-0678-6A7CB713DEE9}"/>
               </a:ext>
             </a:extLst>
           </p:cNvPr>
@@ -1147,7 +1151,7 @@
           <p:cNvPr id="6" name="Slide Number Placeholder 5">
             <a:extLst>
               <a:ext uri="{FF2B5EF4-FFF2-40B4-BE49-F238E27FC236}">
-                <a16:creationId xmlns="" xmlns:a16="http://schemas.microsoft.com/office/drawing/2014/main" id="{0830A582-4F2F-095D-B39A-F10C81744AB7}"/>
+                <a16:creationId xmlns:a16="http://schemas.microsoft.com/office/drawing/2014/main" xmlns="" id="{0830A582-4F2F-095D-B39A-F10C81744AB7}"/>
               </a:ext>
             </a:extLst>
           </p:cNvPr>
@@ -1206,7 +1210,7 @@
           <p:cNvPr id="2" name="Title 1">
             <a:extLst>
               <a:ext uri="{FF2B5EF4-FFF2-40B4-BE49-F238E27FC236}">
-                <a16:creationId xmlns="" xmlns:a16="http://schemas.microsoft.com/office/drawing/2014/main" id="{10433452-48AE-DBB6-9B78-541BE2BF60D7}"/>
+                <a16:creationId xmlns:a16="http://schemas.microsoft.com/office/drawing/2014/main" xmlns="" id="{10433452-48AE-DBB6-9B78-541BE2BF60D7}"/>
               </a:ext>
             </a:extLst>
           </p:cNvPr>
@@ -1234,7 +1238,7 @@
           <p:cNvPr id="3" name="Content Placeholder 2">
             <a:extLst>
               <a:ext uri="{FF2B5EF4-FFF2-40B4-BE49-F238E27FC236}">
-                <a16:creationId xmlns="" xmlns:a16="http://schemas.microsoft.com/office/drawing/2014/main" id="{B075EA70-5636-7BEC-891D-49C41C035DD4}"/>
+                <a16:creationId xmlns:a16="http://schemas.microsoft.com/office/drawing/2014/main" xmlns="" id="{B075EA70-5636-7BEC-891D-49C41C035DD4}"/>
               </a:ext>
             </a:extLst>
           </p:cNvPr>
@@ -1291,7 +1295,7 @@
           <p:cNvPr id="4" name="Date Placeholder 3">
             <a:extLst>
               <a:ext uri="{FF2B5EF4-FFF2-40B4-BE49-F238E27FC236}">
-                <a16:creationId xmlns="" xmlns:a16="http://schemas.microsoft.com/office/drawing/2014/main" id="{E66DFD8D-100A-BB0F-733F-C965B0CED98C}"/>
+                <a16:creationId xmlns:a16="http://schemas.microsoft.com/office/drawing/2014/main" xmlns="" id="{E66DFD8D-100A-BB0F-733F-C965B0CED98C}"/>
               </a:ext>
             </a:extLst>
           </p:cNvPr>
@@ -1309,7 +1313,7 @@
           <a:p>
             <a:fld id="{2F19D892-7212-4D42-B533-72D0C6E72CAE}" type="datetimeFigureOut">
               <a:rPr lang="en-US" smtClean="0"/>
-              <a:t>12/22/2023</a:t>
+              <a:t>1/5/2024</a:t>
             </a:fld>
             <a:endParaRPr lang="en-US"/>
           </a:p>
@@ -1320,7 +1324,7 @@
           <p:cNvPr id="5" name="Footer Placeholder 4">
             <a:extLst>
               <a:ext uri="{FF2B5EF4-FFF2-40B4-BE49-F238E27FC236}">
-                <a16:creationId xmlns="" xmlns:a16="http://schemas.microsoft.com/office/drawing/2014/main" id="{E65464DC-224C-254D-9499-CB543720BBBF}"/>
+                <a16:creationId xmlns:a16="http://schemas.microsoft.com/office/drawing/2014/main" xmlns="" id="{E65464DC-224C-254D-9499-CB543720BBBF}"/>
               </a:ext>
             </a:extLst>
           </p:cNvPr>
@@ -1345,7 +1349,7 @@
           <p:cNvPr id="6" name="Slide Number Placeholder 5">
             <a:extLst>
               <a:ext uri="{FF2B5EF4-FFF2-40B4-BE49-F238E27FC236}">
-                <a16:creationId xmlns="" xmlns:a16="http://schemas.microsoft.com/office/drawing/2014/main" id="{CE936652-EE42-555A-CC51-5FCEED3D0A17}"/>
+                <a16:creationId xmlns:a16="http://schemas.microsoft.com/office/drawing/2014/main" xmlns="" id="{CE936652-EE42-555A-CC51-5FCEED3D0A17}"/>
               </a:ext>
             </a:extLst>
           </p:cNvPr>
@@ -1404,7 +1408,7 @@
           <p:cNvPr id="2" name="Title 1">
             <a:extLst>
               <a:ext uri="{FF2B5EF4-FFF2-40B4-BE49-F238E27FC236}">
-                <a16:creationId xmlns="" xmlns:a16="http://schemas.microsoft.com/office/drawing/2014/main" id="{D0696C35-95DF-B44F-F4FA-5AC9191963F0}"/>
+                <a16:creationId xmlns:a16="http://schemas.microsoft.com/office/drawing/2014/main" xmlns="" id="{D0696C35-95DF-B44F-F4FA-5AC9191963F0}"/>
               </a:ext>
             </a:extLst>
           </p:cNvPr>
@@ -1441,7 +1445,7 @@
           <p:cNvPr id="3" name="Text Placeholder 2">
             <a:extLst>
               <a:ext uri="{FF2B5EF4-FFF2-40B4-BE49-F238E27FC236}">
-                <a16:creationId xmlns="" xmlns:a16="http://schemas.microsoft.com/office/drawing/2014/main" id="{FBCBD385-AA40-B555-4B13-77C4629CF9D2}"/>
+                <a16:creationId xmlns:a16="http://schemas.microsoft.com/office/drawing/2014/main" xmlns="" id="{FBCBD385-AA40-B555-4B13-77C4629CF9D2}"/>
               </a:ext>
             </a:extLst>
           </p:cNvPr>
@@ -1566,7 +1570,7 @@
           <p:cNvPr id="4" name="Date Placeholder 3">
             <a:extLst>
               <a:ext uri="{FF2B5EF4-FFF2-40B4-BE49-F238E27FC236}">
-                <a16:creationId xmlns="" xmlns:a16="http://schemas.microsoft.com/office/drawing/2014/main" id="{68D8960A-B257-A234-D5DC-45BF0025CA8B}"/>
+                <a16:creationId xmlns:a16="http://schemas.microsoft.com/office/drawing/2014/main" xmlns="" id="{68D8960A-B257-A234-D5DC-45BF0025CA8B}"/>
               </a:ext>
             </a:extLst>
           </p:cNvPr>
@@ -1584,7 +1588,7 @@
           <a:p>
             <a:fld id="{2F19D892-7212-4D42-B533-72D0C6E72CAE}" type="datetimeFigureOut">
               <a:rPr lang="en-US" smtClean="0"/>
-              <a:t>12/22/2023</a:t>
+              <a:t>1/5/2024</a:t>
             </a:fld>
             <a:endParaRPr lang="en-US"/>
           </a:p>
@@ -1595,7 +1599,7 @@
           <p:cNvPr id="5" name="Footer Placeholder 4">
             <a:extLst>
               <a:ext uri="{FF2B5EF4-FFF2-40B4-BE49-F238E27FC236}">
-                <a16:creationId xmlns="" xmlns:a16="http://schemas.microsoft.com/office/drawing/2014/main" id="{1480A208-943D-B94B-4EB9-E50419531AB1}"/>
+                <a16:creationId xmlns:a16="http://schemas.microsoft.com/office/drawing/2014/main" xmlns="" id="{1480A208-943D-B94B-4EB9-E50419531AB1}"/>
               </a:ext>
             </a:extLst>
           </p:cNvPr>
@@ -1620,7 +1624,7 @@
           <p:cNvPr id="6" name="Slide Number Placeholder 5">
             <a:extLst>
               <a:ext uri="{FF2B5EF4-FFF2-40B4-BE49-F238E27FC236}">
-                <a16:creationId xmlns="" xmlns:a16="http://schemas.microsoft.com/office/drawing/2014/main" id="{67AD0149-7765-ABE2-4D3C-9E793138BAFF}"/>
+                <a16:creationId xmlns:a16="http://schemas.microsoft.com/office/drawing/2014/main" xmlns="" id="{67AD0149-7765-ABE2-4D3C-9E793138BAFF}"/>
               </a:ext>
             </a:extLst>
           </p:cNvPr>
@@ -1679,7 +1683,7 @@
           <p:cNvPr id="2" name="Title 1">
             <a:extLst>
               <a:ext uri="{FF2B5EF4-FFF2-40B4-BE49-F238E27FC236}">
-                <a16:creationId xmlns="" xmlns:a16="http://schemas.microsoft.com/office/drawing/2014/main" id="{E38A124E-4045-A15E-BDD2-6EDE72F44400}"/>
+                <a16:creationId xmlns:a16="http://schemas.microsoft.com/office/drawing/2014/main" xmlns="" id="{E38A124E-4045-A15E-BDD2-6EDE72F44400}"/>
               </a:ext>
             </a:extLst>
           </p:cNvPr>
@@ -1707,7 +1711,7 @@
           <p:cNvPr id="3" name="Content Placeholder 2">
             <a:extLst>
               <a:ext uri="{FF2B5EF4-FFF2-40B4-BE49-F238E27FC236}">
-                <a16:creationId xmlns="" xmlns:a16="http://schemas.microsoft.com/office/drawing/2014/main" id="{740418E0-CF09-6141-EA4B-1785C58130C2}"/>
+                <a16:creationId xmlns:a16="http://schemas.microsoft.com/office/drawing/2014/main" xmlns="" id="{740418E0-CF09-6141-EA4B-1785C58130C2}"/>
               </a:ext>
             </a:extLst>
           </p:cNvPr>
@@ -1769,7 +1773,7 @@
           <p:cNvPr id="4" name="Content Placeholder 3">
             <a:extLst>
               <a:ext uri="{FF2B5EF4-FFF2-40B4-BE49-F238E27FC236}">
-                <a16:creationId xmlns="" xmlns:a16="http://schemas.microsoft.com/office/drawing/2014/main" id="{C18C437E-CC6B-BAE8-0843-E03AA3075E12}"/>
+                <a16:creationId xmlns:a16="http://schemas.microsoft.com/office/drawing/2014/main" xmlns="" id="{C18C437E-CC6B-BAE8-0843-E03AA3075E12}"/>
               </a:ext>
             </a:extLst>
           </p:cNvPr>
@@ -1831,7 +1835,7 @@
           <p:cNvPr id="5" name="Date Placeholder 4">
             <a:extLst>
               <a:ext uri="{FF2B5EF4-FFF2-40B4-BE49-F238E27FC236}">
-                <a16:creationId xmlns="" xmlns:a16="http://schemas.microsoft.com/office/drawing/2014/main" id="{CF1820FF-6307-7888-8F7D-AA82D62530D2}"/>
+                <a16:creationId xmlns:a16="http://schemas.microsoft.com/office/drawing/2014/main" xmlns="" id="{CF1820FF-6307-7888-8F7D-AA82D62530D2}"/>
               </a:ext>
             </a:extLst>
           </p:cNvPr>
@@ -1849,7 +1853,7 @@
           <a:p>
             <a:fld id="{2F19D892-7212-4D42-B533-72D0C6E72CAE}" type="datetimeFigureOut">
               <a:rPr lang="en-US" smtClean="0"/>
-              <a:t>12/22/2023</a:t>
+              <a:t>1/5/2024</a:t>
             </a:fld>
             <a:endParaRPr lang="en-US"/>
           </a:p>
@@ -1860,7 +1864,7 @@
           <p:cNvPr id="6" name="Footer Placeholder 5">
             <a:extLst>
               <a:ext uri="{FF2B5EF4-FFF2-40B4-BE49-F238E27FC236}">
-                <a16:creationId xmlns="" xmlns:a16="http://schemas.microsoft.com/office/drawing/2014/main" id="{4EA1930B-642B-61F7-B9FC-EF220C426C82}"/>
+                <a16:creationId xmlns:a16="http://schemas.microsoft.com/office/drawing/2014/main" xmlns="" id="{4EA1930B-642B-61F7-B9FC-EF220C426C82}"/>
               </a:ext>
             </a:extLst>
           </p:cNvPr>
@@ -1885,7 +1889,7 @@
           <p:cNvPr id="7" name="Slide Number Placeholder 6">
             <a:extLst>
               <a:ext uri="{FF2B5EF4-FFF2-40B4-BE49-F238E27FC236}">
-                <a16:creationId xmlns="" xmlns:a16="http://schemas.microsoft.com/office/drawing/2014/main" id="{FC6D5816-3B19-FD59-E7B7-853CD009C037}"/>
+                <a16:creationId xmlns:a16="http://schemas.microsoft.com/office/drawing/2014/main" xmlns="" id="{FC6D5816-3B19-FD59-E7B7-853CD009C037}"/>
               </a:ext>
             </a:extLst>
           </p:cNvPr>
@@ -1944,7 +1948,7 @@
           <p:cNvPr id="2" name="Title 1">
             <a:extLst>
               <a:ext uri="{FF2B5EF4-FFF2-40B4-BE49-F238E27FC236}">
-                <a16:creationId xmlns="" xmlns:a16="http://schemas.microsoft.com/office/drawing/2014/main" id="{FB89597A-530B-AFAB-A3E0-BD26F652244C}"/>
+                <a16:creationId xmlns:a16="http://schemas.microsoft.com/office/drawing/2014/main" xmlns="" id="{FB89597A-530B-AFAB-A3E0-BD26F652244C}"/>
               </a:ext>
             </a:extLst>
           </p:cNvPr>
@@ -1977,7 +1981,7 @@
           <p:cNvPr id="3" name="Text Placeholder 2">
             <a:extLst>
               <a:ext uri="{FF2B5EF4-FFF2-40B4-BE49-F238E27FC236}">
-                <a16:creationId xmlns="" xmlns:a16="http://schemas.microsoft.com/office/drawing/2014/main" id="{A590BFAE-BAB3-97BF-906E-872A9A2C67B2}"/>
+                <a16:creationId xmlns:a16="http://schemas.microsoft.com/office/drawing/2014/main" xmlns="" id="{A590BFAE-BAB3-97BF-906E-872A9A2C67B2}"/>
               </a:ext>
             </a:extLst>
           </p:cNvPr>
@@ -2048,7 +2052,7 @@
           <p:cNvPr id="4" name="Content Placeholder 3">
             <a:extLst>
               <a:ext uri="{FF2B5EF4-FFF2-40B4-BE49-F238E27FC236}">
-                <a16:creationId xmlns="" xmlns:a16="http://schemas.microsoft.com/office/drawing/2014/main" id="{CD4A8FC6-0066-1661-3823-904DEBF6F7B7}"/>
+                <a16:creationId xmlns:a16="http://schemas.microsoft.com/office/drawing/2014/main" xmlns="" id="{CD4A8FC6-0066-1661-3823-904DEBF6F7B7}"/>
               </a:ext>
             </a:extLst>
           </p:cNvPr>
@@ -2110,7 +2114,7 @@
           <p:cNvPr id="5" name="Text Placeholder 4">
             <a:extLst>
               <a:ext uri="{FF2B5EF4-FFF2-40B4-BE49-F238E27FC236}">
-                <a16:creationId xmlns="" xmlns:a16="http://schemas.microsoft.com/office/drawing/2014/main" id="{FFABFCB1-9317-E19A-EB1F-805873EDF03C}"/>
+                <a16:creationId xmlns:a16="http://schemas.microsoft.com/office/drawing/2014/main" xmlns="" id="{FFABFCB1-9317-E19A-EB1F-805873EDF03C}"/>
               </a:ext>
             </a:extLst>
           </p:cNvPr>
@@ -2181,7 +2185,7 @@
           <p:cNvPr id="6" name="Content Placeholder 5">
             <a:extLst>
               <a:ext uri="{FF2B5EF4-FFF2-40B4-BE49-F238E27FC236}">
-                <a16:creationId xmlns="" xmlns:a16="http://schemas.microsoft.com/office/drawing/2014/main" id="{0BB2385A-FAA2-6DD5-999A-0EF3DCCE14A9}"/>
+                <a16:creationId xmlns:a16="http://schemas.microsoft.com/office/drawing/2014/main" xmlns="" id="{0BB2385A-FAA2-6DD5-999A-0EF3DCCE14A9}"/>
               </a:ext>
             </a:extLst>
           </p:cNvPr>
@@ -2243,7 +2247,7 @@
           <p:cNvPr id="7" name="Date Placeholder 6">
             <a:extLst>
               <a:ext uri="{FF2B5EF4-FFF2-40B4-BE49-F238E27FC236}">
-                <a16:creationId xmlns="" xmlns:a16="http://schemas.microsoft.com/office/drawing/2014/main" id="{C6FD71FD-FF6C-8A28-314B-46624820F5AC}"/>
+                <a16:creationId xmlns:a16="http://schemas.microsoft.com/office/drawing/2014/main" xmlns="" id="{C6FD71FD-FF6C-8A28-314B-46624820F5AC}"/>
               </a:ext>
             </a:extLst>
           </p:cNvPr>
@@ -2261,7 +2265,7 @@
           <a:p>
             <a:fld id="{2F19D892-7212-4D42-B533-72D0C6E72CAE}" type="datetimeFigureOut">
               <a:rPr lang="en-US" smtClean="0"/>
-              <a:t>12/22/2023</a:t>
+              <a:t>1/5/2024</a:t>
             </a:fld>
             <a:endParaRPr lang="en-US"/>
           </a:p>
@@ -2272,7 +2276,7 @@
           <p:cNvPr id="8" name="Footer Placeholder 7">
             <a:extLst>
               <a:ext uri="{FF2B5EF4-FFF2-40B4-BE49-F238E27FC236}">
-                <a16:creationId xmlns="" xmlns:a16="http://schemas.microsoft.com/office/drawing/2014/main" id="{D4B15430-9A53-C5DC-2BCE-02D1DAB5147F}"/>
+                <a16:creationId xmlns:a16="http://schemas.microsoft.com/office/drawing/2014/main" xmlns="" id="{D4B15430-9A53-C5DC-2BCE-02D1DAB5147F}"/>
               </a:ext>
             </a:extLst>
           </p:cNvPr>
@@ -2297,7 +2301,7 @@
           <p:cNvPr id="9" name="Slide Number Placeholder 8">
             <a:extLst>
               <a:ext uri="{FF2B5EF4-FFF2-40B4-BE49-F238E27FC236}">
-                <a16:creationId xmlns="" xmlns:a16="http://schemas.microsoft.com/office/drawing/2014/main" id="{D68AF04D-E125-0068-7CA9-D63A2D95495B}"/>
+                <a16:creationId xmlns:a16="http://schemas.microsoft.com/office/drawing/2014/main" xmlns="" id="{D68AF04D-E125-0068-7CA9-D63A2D95495B}"/>
               </a:ext>
             </a:extLst>
           </p:cNvPr>
@@ -2356,7 +2360,7 @@
           <p:cNvPr id="2" name="Title 1">
             <a:extLst>
               <a:ext uri="{FF2B5EF4-FFF2-40B4-BE49-F238E27FC236}">
-                <a16:creationId xmlns="" xmlns:a16="http://schemas.microsoft.com/office/drawing/2014/main" id="{BC1BF9A7-51C1-319E-6444-59D0E7AC06CA}"/>
+                <a16:creationId xmlns:a16="http://schemas.microsoft.com/office/drawing/2014/main" xmlns="" id="{BC1BF9A7-51C1-319E-6444-59D0E7AC06CA}"/>
               </a:ext>
             </a:extLst>
           </p:cNvPr>
@@ -2384,7 +2388,7 @@
           <p:cNvPr id="3" name="Date Placeholder 2">
             <a:extLst>
               <a:ext uri="{FF2B5EF4-FFF2-40B4-BE49-F238E27FC236}">
-                <a16:creationId xmlns="" xmlns:a16="http://schemas.microsoft.com/office/drawing/2014/main" id="{74967681-3B16-426C-4204-1792E653D952}"/>
+                <a16:creationId xmlns:a16="http://schemas.microsoft.com/office/drawing/2014/main" xmlns="" id="{74967681-3B16-426C-4204-1792E653D952}"/>
               </a:ext>
             </a:extLst>
           </p:cNvPr>
@@ -2402,7 +2406,7 @@
           <a:p>
             <a:fld id="{2F19D892-7212-4D42-B533-72D0C6E72CAE}" type="datetimeFigureOut">
               <a:rPr lang="en-US" smtClean="0"/>
-              <a:t>12/22/2023</a:t>
+              <a:t>1/5/2024</a:t>
             </a:fld>
             <a:endParaRPr lang="en-US"/>
           </a:p>
@@ -2413,7 +2417,7 @@
           <p:cNvPr id="4" name="Footer Placeholder 3">
             <a:extLst>
               <a:ext uri="{FF2B5EF4-FFF2-40B4-BE49-F238E27FC236}">
-                <a16:creationId xmlns="" xmlns:a16="http://schemas.microsoft.com/office/drawing/2014/main" id="{533D3D74-7CD3-BB90-EDE0-378F77289F09}"/>
+                <a16:creationId xmlns:a16="http://schemas.microsoft.com/office/drawing/2014/main" xmlns="" id="{533D3D74-7CD3-BB90-EDE0-378F77289F09}"/>
               </a:ext>
             </a:extLst>
           </p:cNvPr>
@@ -2438,7 +2442,7 @@
           <p:cNvPr id="5" name="Slide Number Placeholder 4">
             <a:extLst>
               <a:ext uri="{FF2B5EF4-FFF2-40B4-BE49-F238E27FC236}">
-                <a16:creationId xmlns="" xmlns:a16="http://schemas.microsoft.com/office/drawing/2014/main" id="{F60475A7-E351-119E-2FB0-D168CDE7A7D6}"/>
+                <a16:creationId xmlns:a16="http://schemas.microsoft.com/office/drawing/2014/main" xmlns="" id="{F60475A7-E351-119E-2FB0-D168CDE7A7D6}"/>
               </a:ext>
             </a:extLst>
           </p:cNvPr>
@@ -2497,7 +2501,7 @@
           <p:cNvPr id="2" name="Date Placeholder 1">
             <a:extLst>
               <a:ext uri="{FF2B5EF4-FFF2-40B4-BE49-F238E27FC236}">
-                <a16:creationId xmlns="" xmlns:a16="http://schemas.microsoft.com/office/drawing/2014/main" id="{CE8FE577-D732-BDA3-73F9-449C8507FA8F}"/>
+                <a16:creationId xmlns:a16="http://schemas.microsoft.com/office/drawing/2014/main" xmlns="" id="{CE8FE577-D732-BDA3-73F9-449C8507FA8F}"/>
               </a:ext>
             </a:extLst>
           </p:cNvPr>
@@ -2515,7 +2519,7 @@
           <a:p>
             <a:fld id="{2F19D892-7212-4D42-B533-72D0C6E72CAE}" type="datetimeFigureOut">
               <a:rPr lang="en-US" smtClean="0"/>
-              <a:t>12/22/2023</a:t>
+              <a:t>1/5/2024</a:t>
             </a:fld>
             <a:endParaRPr lang="en-US"/>
           </a:p>
@@ -2526,7 +2530,7 @@
           <p:cNvPr id="3" name="Footer Placeholder 2">
             <a:extLst>
               <a:ext uri="{FF2B5EF4-FFF2-40B4-BE49-F238E27FC236}">
-                <a16:creationId xmlns="" xmlns:a16="http://schemas.microsoft.com/office/drawing/2014/main" id="{AF1FE94F-97D8-1E3D-3ABC-2E5BAAD7B184}"/>
+                <a16:creationId xmlns:a16="http://schemas.microsoft.com/office/drawing/2014/main" xmlns="" id="{AF1FE94F-97D8-1E3D-3ABC-2E5BAAD7B184}"/>
               </a:ext>
             </a:extLst>
           </p:cNvPr>
@@ -2551,7 +2555,7 @@
           <p:cNvPr id="4" name="Slide Number Placeholder 3">
             <a:extLst>
               <a:ext uri="{FF2B5EF4-FFF2-40B4-BE49-F238E27FC236}">
-                <a16:creationId xmlns="" xmlns:a16="http://schemas.microsoft.com/office/drawing/2014/main" id="{8C97AD6A-746F-9116-40EF-C9AF09421EEA}"/>
+                <a16:creationId xmlns:a16="http://schemas.microsoft.com/office/drawing/2014/main" xmlns="" id="{8C97AD6A-746F-9116-40EF-C9AF09421EEA}"/>
               </a:ext>
             </a:extLst>
           </p:cNvPr>
@@ -2610,7 +2614,7 @@
           <p:cNvPr id="2" name="Title 1">
             <a:extLst>
               <a:ext uri="{FF2B5EF4-FFF2-40B4-BE49-F238E27FC236}">
-                <a16:creationId xmlns="" xmlns:a16="http://schemas.microsoft.com/office/drawing/2014/main" id="{D2FD7080-5BB6-30E3-592C-7E865F0C339F}"/>
+                <a16:creationId xmlns:a16="http://schemas.microsoft.com/office/drawing/2014/main" xmlns="" id="{D2FD7080-5BB6-30E3-592C-7E865F0C339F}"/>
               </a:ext>
             </a:extLst>
           </p:cNvPr>
@@ -2647,7 +2651,7 @@
           <p:cNvPr id="3" name="Content Placeholder 2">
             <a:extLst>
               <a:ext uri="{FF2B5EF4-FFF2-40B4-BE49-F238E27FC236}">
-                <a16:creationId xmlns="" xmlns:a16="http://schemas.microsoft.com/office/drawing/2014/main" id="{BA8BC062-CC92-2ECE-B0CC-5225261C6126}"/>
+                <a16:creationId xmlns:a16="http://schemas.microsoft.com/office/drawing/2014/main" xmlns="" id="{BA8BC062-CC92-2ECE-B0CC-5225261C6126}"/>
               </a:ext>
             </a:extLst>
           </p:cNvPr>
@@ -2737,7 +2741,7 @@
           <p:cNvPr id="4" name="Text Placeholder 3">
             <a:extLst>
               <a:ext uri="{FF2B5EF4-FFF2-40B4-BE49-F238E27FC236}">
-                <a16:creationId xmlns="" xmlns:a16="http://schemas.microsoft.com/office/drawing/2014/main" id="{C3776A62-B4A1-B009-9A8D-0959AB9B3193}"/>
+                <a16:creationId xmlns:a16="http://schemas.microsoft.com/office/drawing/2014/main" xmlns="" id="{C3776A62-B4A1-B009-9A8D-0959AB9B3193}"/>
               </a:ext>
             </a:extLst>
           </p:cNvPr>
@@ -2808,7 +2812,7 @@
           <p:cNvPr id="5" name="Date Placeholder 4">
             <a:extLst>
               <a:ext uri="{FF2B5EF4-FFF2-40B4-BE49-F238E27FC236}">
-                <a16:creationId xmlns="" xmlns:a16="http://schemas.microsoft.com/office/drawing/2014/main" id="{3DF90451-265D-3F27-A70C-1A5207342C48}"/>
+                <a16:creationId xmlns:a16="http://schemas.microsoft.com/office/drawing/2014/main" xmlns="" id="{3DF90451-265D-3F27-A70C-1A5207342C48}"/>
               </a:ext>
             </a:extLst>
           </p:cNvPr>
@@ -2826,7 +2830,7 @@
           <a:p>
             <a:fld id="{2F19D892-7212-4D42-B533-72D0C6E72CAE}" type="datetimeFigureOut">
               <a:rPr lang="en-US" smtClean="0"/>
-              <a:t>12/22/2023</a:t>
+              <a:t>1/5/2024</a:t>
             </a:fld>
             <a:endParaRPr lang="en-US"/>
           </a:p>
@@ -2837,7 +2841,7 @@
           <p:cNvPr id="6" name="Footer Placeholder 5">
             <a:extLst>
               <a:ext uri="{FF2B5EF4-FFF2-40B4-BE49-F238E27FC236}">
-                <a16:creationId xmlns="" xmlns:a16="http://schemas.microsoft.com/office/drawing/2014/main" id="{2422B2AC-D2A0-1137-04B4-65CA7D8A6216}"/>
+                <a16:creationId xmlns:a16="http://schemas.microsoft.com/office/drawing/2014/main" xmlns="" id="{2422B2AC-D2A0-1137-04B4-65CA7D8A6216}"/>
               </a:ext>
             </a:extLst>
           </p:cNvPr>
@@ -2862,7 +2866,7 @@
           <p:cNvPr id="7" name="Slide Number Placeholder 6">
             <a:extLst>
               <a:ext uri="{FF2B5EF4-FFF2-40B4-BE49-F238E27FC236}">
-                <a16:creationId xmlns="" xmlns:a16="http://schemas.microsoft.com/office/drawing/2014/main" id="{790BD268-ADD0-EAEC-0FF8-C1EBDF087319}"/>
+                <a16:creationId xmlns:a16="http://schemas.microsoft.com/office/drawing/2014/main" xmlns="" id="{790BD268-ADD0-EAEC-0FF8-C1EBDF087319}"/>
               </a:ext>
             </a:extLst>
           </p:cNvPr>
@@ -2928,7 +2932,7 @@
           <p:cNvPr id="2" name="Title 1">
             <a:extLst>
               <a:ext uri="{FF2B5EF4-FFF2-40B4-BE49-F238E27FC236}">
-                <a16:creationId xmlns="" xmlns:a16="http://schemas.microsoft.com/office/drawing/2014/main" id="{DF9081C9-2FCE-ACA2-F37E-4847FA513D5C}"/>
+                <a16:creationId xmlns:a16="http://schemas.microsoft.com/office/drawing/2014/main" xmlns="" id="{DF9081C9-2FCE-ACA2-F37E-4847FA513D5C}"/>
               </a:ext>
             </a:extLst>
           </p:cNvPr>
@@ -2965,7 +2969,7 @@
           <p:cNvPr id="3" name="Picture Placeholder 2">
             <a:extLst>
               <a:ext uri="{FF2B5EF4-FFF2-40B4-BE49-F238E27FC236}">
-                <a16:creationId xmlns="" xmlns:a16="http://schemas.microsoft.com/office/drawing/2014/main" id="{B6199AC2-1E91-68CF-9E8C-B9B746CCA49B}"/>
+                <a16:creationId xmlns:a16="http://schemas.microsoft.com/office/drawing/2014/main" xmlns="" id="{B6199AC2-1E91-68CF-9E8C-B9B746CCA49B}"/>
               </a:ext>
             </a:extLst>
           </p:cNvPr>
@@ -3032,7 +3036,7 @@
           <p:cNvPr id="4" name="Text Placeholder 3">
             <a:extLst>
               <a:ext uri="{FF2B5EF4-FFF2-40B4-BE49-F238E27FC236}">
-                <a16:creationId xmlns="" xmlns:a16="http://schemas.microsoft.com/office/drawing/2014/main" id="{D3733C96-4B5D-C8F6-E61E-01AB7BC1A351}"/>
+                <a16:creationId xmlns:a16="http://schemas.microsoft.com/office/drawing/2014/main" xmlns="" id="{D3733C96-4B5D-C8F6-E61E-01AB7BC1A351}"/>
               </a:ext>
             </a:extLst>
           </p:cNvPr>
@@ -3103,7 +3107,7 @@
           <p:cNvPr id="5" name="Date Placeholder 4">
             <a:extLst>
               <a:ext uri="{FF2B5EF4-FFF2-40B4-BE49-F238E27FC236}">
-                <a16:creationId xmlns="" xmlns:a16="http://schemas.microsoft.com/office/drawing/2014/main" id="{51EBDDC5-7EE7-B787-A0B4-3EF45A21FA7A}"/>
+                <a16:creationId xmlns:a16="http://schemas.microsoft.com/office/drawing/2014/main" xmlns="" id="{51EBDDC5-7EE7-B787-A0B4-3EF45A21FA7A}"/>
               </a:ext>
             </a:extLst>
           </p:cNvPr>
@@ -3121,7 +3125,7 @@
           <a:p>
             <a:fld id="{2F19D892-7212-4D42-B533-72D0C6E72CAE}" type="datetimeFigureOut">
               <a:rPr lang="en-US" smtClean="0"/>
-              <a:t>12/22/2023</a:t>
+              <a:t>1/5/2024</a:t>
             </a:fld>
             <a:endParaRPr lang="en-US"/>
           </a:p>
@@ -3132,7 +3136,7 @@
           <p:cNvPr id="6" name="Footer Placeholder 5">
             <a:extLst>
               <a:ext uri="{FF2B5EF4-FFF2-40B4-BE49-F238E27FC236}">
-                <a16:creationId xmlns="" xmlns:a16="http://schemas.microsoft.com/office/drawing/2014/main" id="{E9936A05-8CBA-C43A-3D50-46FF34B834C1}"/>
+                <a16:creationId xmlns:a16="http://schemas.microsoft.com/office/drawing/2014/main" xmlns="" id="{E9936A05-8CBA-C43A-3D50-46FF34B834C1}"/>
               </a:ext>
             </a:extLst>
           </p:cNvPr>
@@ -3157,7 +3161,7 @@
           <p:cNvPr id="7" name="Slide Number Placeholder 6">
             <a:extLst>
               <a:ext uri="{FF2B5EF4-FFF2-40B4-BE49-F238E27FC236}">
-                <a16:creationId xmlns="" xmlns:a16="http://schemas.microsoft.com/office/drawing/2014/main" id="{65484FB1-0D3B-DFAC-6D5B-B545175DE90F}"/>
+                <a16:creationId xmlns:a16="http://schemas.microsoft.com/office/drawing/2014/main" xmlns="" id="{65484FB1-0D3B-DFAC-6D5B-B545175DE90F}"/>
               </a:ext>
             </a:extLst>
           </p:cNvPr>
@@ -3221,7 +3225,7 @@
           <p:cNvPr id="2" name="Title Placeholder 1">
             <a:extLst>
               <a:ext uri="{FF2B5EF4-FFF2-40B4-BE49-F238E27FC236}">
-                <a16:creationId xmlns="" xmlns:a16="http://schemas.microsoft.com/office/drawing/2014/main" id="{75BD1A2D-FF76-F792-10D9-89DE603C742E}"/>
+                <a16:creationId xmlns:a16="http://schemas.microsoft.com/office/drawing/2014/main" xmlns="" id="{75BD1A2D-FF76-F792-10D9-89DE603C742E}"/>
               </a:ext>
             </a:extLst>
           </p:cNvPr>
@@ -3259,7 +3263,7 @@
           <p:cNvPr id="3" name="Text Placeholder 2">
             <a:extLst>
               <a:ext uri="{FF2B5EF4-FFF2-40B4-BE49-F238E27FC236}">
-                <a16:creationId xmlns="" xmlns:a16="http://schemas.microsoft.com/office/drawing/2014/main" id="{99A1C798-590C-48DC-4414-A41EB83B8F14}"/>
+                <a16:creationId xmlns:a16="http://schemas.microsoft.com/office/drawing/2014/main" xmlns="" id="{99A1C798-590C-48DC-4414-A41EB83B8F14}"/>
               </a:ext>
             </a:extLst>
           </p:cNvPr>
@@ -3326,7 +3330,7 @@
           <p:cNvPr id="4" name="Date Placeholder 3">
             <a:extLst>
               <a:ext uri="{FF2B5EF4-FFF2-40B4-BE49-F238E27FC236}">
-                <a16:creationId xmlns="" xmlns:a16="http://schemas.microsoft.com/office/drawing/2014/main" id="{098F4734-0516-37AA-72DE-2BA6D9944050}"/>
+                <a16:creationId xmlns:a16="http://schemas.microsoft.com/office/drawing/2014/main" xmlns="" id="{098F4734-0516-37AA-72DE-2BA6D9944050}"/>
               </a:ext>
             </a:extLst>
           </p:cNvPr>
@@ -3362,7 +3366,7 @@
           <a:p>
             <a:fld id="{2F19D892-7212-4D42-B533-72D0C6E72CAE}" type="datetimeFigureOut">
               <a:rPr lang="en-US" smtClean="0"/>
-              <a:t>12/22/2023</a:t>
+              <a:t>1/5/2024</a:t>
             </a:fld>
             <a:endParaRPr lang="en-US" dirty="0"/>
           </a:p>
@@ -3373,7 +3377,7 @@
           <p:cNvPr id="5" name="Footer Placeholder 4">
             <a:extLst>
               <a:ext uri="{FF2B5EF4-FFF2-40B4-BE49-F238E27FC236}">
-                <a16:creationId xmlns="" xmlns:a16="http://schemas.microsoft.com/office/drawing/2014/main" id="{6C6A3A5E-B802-31B2-EC90-B23A2FDF1560}"/>
+                <a16:creationId xmlns:a16="http://schemas.microsoft.com/office/drawing/2014/main" xmlns="" id="{6C6A3A5E-B802-31B2-EC90-B23A2FDF1560}"/>
               </a:ext>
             </a:extLst>
           </p:cNvPr>
@@ -3416,7 +3420,7 @@
           <p:cNvPr id="6" name="Slide Number Placeholder 5">
             <a:extLst>
               <a:ext uri="{FF2B5EF4-FFF2-40B4-BE49-F238E27FC236}">
-                <a16:creationId xmlns="" xmlns:a16="http://schemas.microsoft.com/office/drawing/2014/main" id="{FE023707-215F-F655-4017-1727A10A5B97}"/>
+                <a16:creationId xmlns:a16="http://schemas.microsoft.com/office/drawing/2014/main" xmlns="" id="{FE023707-215F-F655-4017-1727A10A5B97}"/>
               </a:ext>
             </a:extLst>
           </p:cNvPr>
@@ -3463,7 +3467,7 @@
           <p:cNvPr id="8" name="TextBox 7">
             <a:extLst>
               <a:ext uri="{FF2B5EF4-FFF2-40B4-BE49-F238E27FC236}">
-                <a16:creationId xmlns="" xmlns:a16="http://schemas.microsoft.com/office/drawing/2014/main" id="{956CCF53-DD3B-99C7-1565-603AD9633D35}"/>
+                <a16:creationId xmlns:a16="http://schemas.microsoft.com/office/drawing/2014/main" xmlns="" id="{956CCF53-DD3B-99C7-1565-603AD9633D35}"/>
               </a:ext>
             </a:extLst>
           </p:cNvPr>
@@ -3471,7 +3475,7 @@
           <p:nvPr userDrawn="1">
             <p:extLst>
               <p:ext uri="{1162E1C5-73C7-4A58-AE30-91384D911F3F}">
-                <p184:classification xmlns="" xmlns:p184="http://schemas.microsoft.com/office/powerpoint/2018/4/main" val="ftr"/>
+                <p184:classification xmlns:p184="http://schemas.microsoft.com/office/powerpoint/2018/4/main" xmlns="" val="ftr"/>
               </p:ext>
             </p:extLst>
           </p:nvPr>
@@ -3858,7 +3862,7 @@
           <p:cNvPr id="2" name="Picture 1">
             <a:extLst>
               <a:ext uri="{FF2B5EF4-FFF2-40B4-BE49-F238E27FC236}">
-                <a16:creationId xmlns="" xmlns:a16="http://schemas.microsoft.com/office/drawing/2014/main" id="{99258BE0-EC5C-0BA0-A1EA-E1E5B37FB40C}"/>
+                <a16:creationId xmlns:a16="http://schemas.microsoft.com/office/drawing/2014/main" xmlns="" id="{99258BE0-EC5C-0BA0-A1EA-E1E5B37FB40C}"/>
               </a:ext>
             </a:extLst>
           </p:cNvPr>
@@ -3901,7 +3905,7 @@
           <p:cNvPr id="3" name="TextBox 2">
             <a:extLst>
               <a:ext uri="{FF2B5EF4-FFF2-40B4-BE49-F238E27FC236}">
-                <a16:creationId xmlns="" xmlns:a16="http://schemas.microsoft.com/office/drawing/2014/main" id="{B05B9A01-99CA-774C-4346-D012360A9E80}"/>
+                <a16:creationId xmlns:a16="http://schemas.microsoft.com/office/drawing/2014/main" xmlns="" id="{B05B9A01-99CA-774C-4346-D012360A9E80}"/>
               </a:ext>
             </a:extLst>
           </p:cNvPr>
@@ -4346,38 +4350,67 @@
           <a:p>
             <a:pPr algn="ctr"/>
             <a:r>
-              <a:rPr lang="en-US" b="1" dirty="0">
+              <a:rPr lang="en-US" b="1" dirty="0" smtClean="0">
                 <a:solidFill>
                   <a:schemeClr val="bg1"/>
                 </a:solidFill>
                 <a:latin typeface="Tw Cen MT" panose="020B0602020104020603" pitchFamily="34" charset="0"/>
               </a:rPr>
-              <a:t>Recommendations and Future work</a:t>
-            </a:r>
-          </a:p>
-        </p:txBody>
-      </p:sp>
-      <p:sp>
-        <p:nvSpPr>
-          <p:cNvPr id="7" name="TextBox 6">
-            <a:extLst>
-              <a:ext uri="{FF2B5EF4-FFF2-40B4-BE49-F238E27FC236}">
-                <a16:creationId xmlns:a16="http://schemas.microsoft.com/office/drawing/2014/main" xmlns="" id="{7954481F-D7D6-CBBB-7709-19392282C331}"/>
-              </a:ext>
-            </a:extLst>
-          </p:cNvPr>
-          <p:cNvSpPr txBox="1"/>
+              <a:t>Findings</a:t>
+            </a:r>
+            <a:endParaRPr lang="en-US" b="1" dirty="0">
+              <a:solidFill>
+                <a:schemeClr val="bg1"/>
+              </a:solidFill>
+              <a:latin typeface="Tw Cen MT" panose="020B0602020104020603" pitchFamily="34" charset="0"/>
+            </a:endParaRPr>
+          </a:p>
+        </p:txBody>
+      </p:sp>
+      <p:pic>
+        <p:nvPicPr>
+          <p:cNvPr id="3" name="Picture 2"/>
+          <p:cNvPicPr>
+            <a:picLocks noChangeAspect="1"/>
+          </p:cNvPicPr>
           <p:nvPr/>
-        </p:nvSpPr>
+        </p:nvPicPr>
+        <p:blipFill>
+          <a:blip r:embed="rId2">
+            <a:extLst>
+              <a:ext uri="{28A0092B-C50C-407E-A947-70E740481C1C}">
+                <a14:useLocalDpi xmlns:a14="http://schemas.microsoft.com/office/drawing/2010/main" val="0"/>
+              </a:ext>
+            </a:extLst>
+          </a:blip>
+          <a:stretch>
+            <a:fillRect/>
+          </a:stretch>
+        </p:blipFill>
         <p:spPr>
           <a:xfrm>
-            <a:off x="137078" y="783688"/>
-            <a:ext cx="12348482" cy="6001643"/>
+            <a:off x="38886" y="863754"/>
+            <a:ext cx="9093240" cy="4931404"/>
           </a:xfrm>
           <a:prstGeom prst="rect">
             <a:avLst/>
           </a:prstGeom>
-          <a:noFill/>
+        </p:spPr>
+      </p:pic>
+      <p:sp>
+        <p:nvSpPr>
+          <p:cNvPr id="6" name="Rectangle 5"/>
+          <p:cNvSpPr/>
+          <p:nvPr/>
+        </p:nvSpPr>
+        <p:spPr>
+          <a:xfrm>
+            <a:off x="9037122" y="1028933"/>
+            <a:ext cx="3154878" cy="1384995"/>
+          </a:xfrm>
+          <a:prstGeom prst="rect">
+            <a:avLst/>
+          </a:prstGeom>
         </p:spPr>
         <p:txBody>
           <a:bodyPr wrap="square">
@@ -4385,26 +4418,45 @@
           </a:bodyPr>
           <a:lstStyle/>
           <a:p>
-            <a:r>
-              <a:rPr lang="en-US" sz="1600" b="1" dirty="0">
-                <a:solidFill>
-                  <a:srgbClr val="00B050"/>
-                </a:solidFill>
-                <a:latin typeface="Tw Cen MT" panose="020B0602020104020603" pitchFamily="34" charset="0"/>
-              </a:rPr>
-              <a:t>1. Public health trends: {For Public and Research}</a:t>
-            </a:r>
-          </a:p>
-          <a:p>
             <a:pPr marL="285750" indent="-285750">
               <a:buFont typeface="Arial" panose="020B0604020202020204" pitchFamily="34" charset="0"/>
               <a:buChar char="•"/>
             </a:pPr>
             <a:r>
-              <a:rPr lang="en-US" sz="1600" dirty="0">
-                <a:latin typeface="Tw Cen MT" panose="020B0602020104020603" pitchFamily="34" charset="0"/>
-              </a:rPr>
-              <a:t>Disease prevalence: Identifying the most common heat related reasons for admission can inform public health initiatives for prevention and treatment.</a:t>
+              <a:rPr lang="en-US" sz="1400" b="1" dirty="0">
+                <a:solidFill>
+                  <a:srgbClr val="00B050"/>
+                </a:solidFill>
+                <a:latin typeface="Tw Cen MT" panose="020B0602020104020603" pitchFamily="34" charset="0"/>
+              </a:rPr>
+              <a:t>Heart failure, AKI, ACS, and SHOCK </a:t>
+            </a:r>
+            <a:r>
+              <a:rPr lang="en-US" sz="1400" b="1" dirty="0" smtClean="0">
+                <a:solidFill>
+                  <a:srgbClr val="00B050"/>
+                </a:solidFill>
+                <a:latin typeface="Tw Cen MT" panose="020B0602020104020603" pitchFamily="34" charset="0"/>
+              </a:rPr>
+              <a:t>were the risk factors with the </a:t>
+            </a:r>
+            <a:r>
+              <a:rPr lang="en-US" sz="1400" b="1" dirty="0">
+                <a:solidFill>
+                  <a:srgbClr val="00B050"/>
+                </a:solidFill>
+                <a:latin typeface="Tw Cen MT" panose="020B0602020104020603" pitchFamily="34" charset="0"/>
+              </a:rPr>
+              <a:t>highest number of </a:t>
+            </a:r>
+            <a:r>
+              <a:rPr lang="en-US" sz="1400" b="1" dirty="0" smtClean="0">
+                <a:solidFill>
+                  <a:srgbClr val="00B050"/>
+                </a:solidFill>
+                <a:latin typeface="Tw Cen MT" panose="020B0602020104020603" pitchFamily="34" charset="0"/>
+              </a:rPr>
+              <a:t>deaths.</a:t>
             </a:r>
           </a:p>
           <a:p>
@@ -4413,196 +4465,86 @@
               <a:buChar char="•"/>
             </a:pPr>
             <a:r>
-              <a:rPr lang="en-US" sz="1600" dirty="0">
-                <a:latin typeface="Tw Cen MT" panose="020B0602020104020603" pitchFamily="34" charset="0"/>
-              </a:rPr>
-              <a:t>Outbreak detection: Surveillance of admissions data can help detect potential outbreaks early and trigger rapid response measures.</a:t>
-            </a:r>
-          </a:p>
-          <a:p>
-            <a:pPr marL="285750" indent="-285750">
-              <a:buFont typeface="Arial" panose="020B0604020202020204" pitchFamily="34" charset="0"/>
-              <a:buChar char="•"/>
-            </a:pPr>
-            <a:r>
-              <a:rPr lang="en-US" sz="1600" dirty="0">
-                <a:latin typeface="Tw Cen MT" panose="020B0602020104020603" pitchFamily="34" charset="0"/>
-              </a:rPr>
-              <a:t>Seasonal patterns: Identifying seasonal trends in admissions can improve resource allocation and planning for anticipated fluctuations in demand.</a:t>
-            </a:r>
-          </a:p>
-          <a:p>
-            <a:r>
-              <a:rPr lang="en-US" sz="1600" b="1" dirty="0">
+              <a:rPr lang="en-US" sz="1400" b="1" dirty="0" smtClean="0">
                 <a:solidFill>
                   <a:srgbClr val="00B050"/>
                 </a:solidFill>
                 <a:latin typeface="Tw Cen MT" panose="020B0602020104020603" pitchFamily="34" charset="0"/>
               </a:rPr>
-              <a:t>2. Healthcare resource utilization: {Hospital Management}</a:t>
-            </a:r>
-          </a:p>
-          <a:p>
-            <a:pPr marL="285750" indent="-285750">
-              <a:buFont typeface="Arial" panose="020B0604020202020204" pitchFamily="34" charset="0"/>
-              <a:buChar char="•"/>
-            </a:pPr>
-            <a:r>
-              <a:rPr lang="en-US" sz="1600" dirty="0">
-                <a:latin typeface="Tw Cen MT" panose="020B0602020104020603" pitchFamily="34" charset="0"/>
-              </a:rPr>
-              <a:t>Bed occupancy and capacity: Admissions data can track bed utilization and identify potential shortages or inefficiencies in resource allocation.</a:t>
-            </a:r>
-          </a:p>
-          <a:p>
-            <a:pPr marL="285750" indent="-285750">
-              <a:buFont typeface="Arial" panose="020B0604020202020204" pitchFamily="34" charset="0"/>
-              <a:buChar char="•"/>
-            </a:pPr>
-            <a:r>
-              <a:rPr lang="en-US" sz="1600" dirty="0">
-                <a:latin typeface="Tw Cen MT" panose="020B0602020104020603" pitchFamily="34" charset="0"/>
-              </a:rPr>
-              <a:t>Length of stay: Analyzing average length of stay for different conditions can improve discharge planning and optimize resource utilization.</a:t>
-            </a:r>
-          </a:p>
-          <a:p>
-            <a:pPr marL="285750" indent="-285750">
-              <a:buFont typeface="Arial" panose="020B0604020202020204" pitchFamily="34" charset="0"/>
-              <a:buChar char="•"/>
-            </a:pPr>
-            <a:r>
-              <a:rPr lang="en-US" sz="1600" dirty="0">
-                <a:latin typeface="Tw Cen MT" panose="020B0602020104020603" pitchFamily="34" charset="0"/>
-              </a:rPr>
-              <a:t>Readmission rates: Identifying factors associated with readmissions can help improve patient care and reduce unnecessary readmissions, lowering costs.</a:t>
-            </a:r>
-          </a:p>
-          <a:p>
-            <a:r>
-              <a:rPr lang="en-US" sz="1600" b="1" dirty="0">
-                <a:solidFill>
-                  <a:srgbClr val="00B050"/>
-                </a:solidFill>
-                <a:latin typeface="Tw Cen MT" panose="020B0602020104020603" pitchFamily="34" charset="0"/>
-              </a:rPr>
-              <a:t>3. Quality of care: {Improvements in Quality} Check for trends in expiries (deaths)</a:t>
-            </a:r>
-          </a:p>
-          <a:p>
-            <a:pPr marL="285750" indent="-285750">
-              <a:buFont typeface="Arial" panose="020B0604020202020204" pitchFamily="34" charset="0"/>
-              <a:buChar char="•"/>
-            </a:pPr>
-            <a:r>
-              <a:rPr lang="en-US" sz="1600" dirty="0">
-                <a:latin typeface="Tw Cen MT" panose="020B0602020104020603" pitchFamily="34" charset="0"/>
-              </a:rPr>
-              <a:t>Outcome analysis: Linking admissions data with treatment outcomes and mortality rates can identify improvement </a:t>
-            </a:r>
-            <a:r>
-              <a:rPr lang="en-US" sz="1600" dirty="0" err="1">
-                <a:latin typeface="Tw Cen MT" panose="020B0602020104020603" pitchFamily="34" charset="0"/>
-              </a:rPr>
-              <a:t>aeas</a:t>
-            </a:r>
-            <a:r>
-              <a:rPr lang="en-US" sz="1600" dirty="0">
-                <a:latin typeface="Tw Cen MT" panose="020B0602020104020603" pitchFamily="34" charset="0"/>
-              </a:rPr>
-              <a:t> in healthcare quality and patient safety.</a:t>
-            </a:r>
-          </a:p>
-          <a:p>
-            <a:pPr marL="285750" indent="-285750">
-              <a:buFont typeface="Arial" panose="020B0604020202020204" pitchFamily="34" charset="0"/>
-              <a:buChar char="•"/>
-            </a:pPr>
-            <a:r>
-              <a:rPr lang="en-US" sz="1600" dirty="0">
-                <a:latin typeface="Tw Cen MT" panose="020B0602020104020603" pitchFamily="34" charset="0"/>
-              </a:rPr>
-              <a:t>Patient satisfaction: Surveys integrated with admissions data can provide valuable insights into patient experiences and areas for improvement in patient satisfaction.</a:t>
-            </a:r>
-          </a:p>
-          <a:p>
-            <a:r>
-              <a:rPr lang="en-US" sz="1600" b="1" dirty="0">
-                <a:solidFill>
-                  <a:srgbClr val="00B050"/>
-                </a:solidFill>
-                <a:latin typeface="Tw Cen MT" panose="020B0602020104020603" pitchFamily="34" charset="0"/>
-              </a:rPr>
-              <a:t>4. Demographic trends:</a:t>
-            </a:r>
-          </a:p>
-          <a:p>
-            <a:pPr marL="285750" indent="-285750">
-              <a:buFont typeface="Arial" panose="020B0604020202020204" pitchFamily="34" charset="0"/>
-              <a:buChar char="•"/>
-            </a:pPr>
-            <a:r>
-              <a:rPr lang="en-US" sz="1600" dirty="0">
-                <a:latin typeface="Tw Cen MT" panose="020B0602020104020603" pitchFamily="34" charset="0"/>
-              </a:rPr>
-              <a:t>Socioeconomic disparities: Admissions data can highlight inequities in access to healthcare and identify vulnerable populations at increased risk of certain conditions.</a:t>
-            </a:r>
-          </a:p>
-          <a:p>
-            <a:pPr marL="285750" indent="-285750">
-              <a:buFont typeface="Arial" panose="020B0604020202020204" pitchFamily="34" charset="0"/>
-              <a:buChar char="•"/>
-            </a:pPr>
-            <a:r>
-              <a:rPr lang="en-US" sz="1600" dirty="0">
-                <a:latin typeface="Tw Cen MT" panose="020B0602020104020603" pitchFamily="34" charset="0"/>
-              </a:rPr>
-              <a:t>Ageing population: Analyzing admissions data for older adults can inform policies and healthcare services tailored to their specific needs.</a:t>
-            </a:r>
-          </a:p>
-          <a:p>
-            <a:pPr marL="285750" indent="-285750">
-              <a:buFont typeface="Arial" panose="020B0604020202020204" pitchFamily="34" charset="0"/>
-              <a:buChar char="•"/>
-            </a:pPr>
-            <a:r>
-              <a:rPr lang="en-US" sz="1600" dirty="0">
-                <a:latin typeface="Tw Cen MT" panose="020B0602020104020603" pitchFamily="34" charset="0"/>
-              </a:rPr>
-              <a:t>Geographic variations: Identifying regional disparities in admission rates can guide resource allocation and public health interventions in underserved areas.</a:t>
-            </a:r>
-          </a:p>
-          <a:p>
-            <a:r>
-              <a:rPr lang="en-US" sz="1600" b="1" dirty="0">
-                <a:solidFill>
-                  <a:srgbClr val="00B050"/>
-                </a:solidFill>
-                <a:latin typeface="Tw Cen MT" panose="020B0602020104020603" pitchFamily="34" charset="0"/>
-              </a:rPr>
-              <a:t>5. Cost analysis:</a:t>
-            </a:r>
-          </a:p>
-          <a:p>
-            <a:r>
-              <a:rPr lang="en-US" sz="1600" dirty="0">
-                <a:latin typeface="Tw Cen MT" panose="020B0602020104020603" pitchFamily="34" charset="0"/>
-              </a:rPr>
-              <a:t>Cost drivers: Linking admissions data with billing information can identify the most expensive conditions and treatments, informing cost-reduction strategies.</a:t>
-            </a:r>
+              <a:t>More men by an average of 50% than women with the risk factors above died  </a:t>
+            </a:r>
+            <a:endParaRPr lang="en-US" sz="1400" b="1" dirty="0">
+              <a:solidFill>
+                <a:srgbClr val="00B050"/>
+              </a:solidFill>
+              <a:latin typeface="Tw Cen MT" panose="020B0602020104020603" pitchFamily="34" charset="0"/>
+            </a:endParaRPr>
+          </a:p>
+        </p:txBody>
+      </p:sp>
+      <p:sp>
+        <p:nvSpPr>
+          <p:cNvPr id="10" name="Rectangle 9"/>
+          <p:cNvSpPr/>
+          <p:nvPr/>
+        </p:nvSpPr>
+        <p:spPr>
+          <a:xfrm>
+            <a:off x="9923813" y="6264233"/>
+            <a:ext cx="2268187" cy="593767"/>
+          </a:xfrm>
+          <a:prstGeom prst="rect">
+            <a:avLst/>
+          </a:prstGeom>
+          <a:solidFill>
+            <a:schemeClr val="bg1"/>
+          </a:solidFill>
+          <a:ln>
+            <a:noFill/>
+          </a:ln>
+        </p:spPr>
+        <p:style>
+          <a:lnRef idx="2">
+            <a:schemeClr val="accent1">
+              <a:shade val="50000"/>
+            </a:schemeClr>
+          </a:lnRef>
+          <a:fillRef idx="1">
+            <a:schemeClr val="accent1"/>
+          </a:fillRef>
+          <a:effectRef idx="0">
+            <a:schemeClr val="accent1"/>
+          </a:effectRef>
+          <a:fontRef idx="minor">
+            <a:schemeClr val="lt1"/>
+          </a:fontRef>
+        </p:style>
+        <p:txBody>
+          <a:bodyPr rtlCol="0" anchor="ctr"/>
+          <a:lstStyle/>
+          <a:p>
+            <a:pPr algn="ctr"/>
+            <a:endParaRPr lang="en-US"/>
           </a:p>
         </p:txBody>
       </p:sp>
     </p:spTree>
     <p:extLst>
       <p:ext uri="{BB962C8B-B14F-4D97-AF65-F5344CB8AC3E}">
-        <p14:creationId xmlns:p14="http://schemas.microsoft.com/office/powerpoint/2010/main" val="2536308670"/>
+        <p14:creationId xmlns:p14="http://schemas.microsoft.com/office/powerpoint/2010/main" val="296905"/>
       </p:ext>
     </p:extLst>
   </p:cSld>
   <p:clrMapOvr>
     <a:masterClrMapping/>
   </p:clrMapOvr>
+  <p:timing>
+    <p:tnLst>
+      <p:par>
+        <p:cTn id="1" dur="indefinite" restart="never" nodeType="tmRoot"/>
+      </p:par>
+    </p:tnLst>
+  </p:timing>
 </p:sld>
 </file>
 
@@ -4628,7 +4570,7 @@
           <p:cNvPr id="28" name="Rectangle: Top Corners Rounded 27">
             <a:extLst>
               <a:ext uri="{FF2B5EF4-FFF2-40B4-BE49-F238E27FC236}">
-                <a16:creationId xmlns="" xmlns:a16="http://schemas.microsoft.com/office/drawing/2014/main" id="{1CE2ED4F-4BB8-71A1-53D8-A231DAD03F47}"/>
+                <a16:creationId xmlns:a16="http://schemas.microsoft.com/office/drawing/2014/main" xmlns="" id="{1CE2ED4F-4BB8-71A1-53D8-A231DAD03F47}"/>
               </a:ext>
             </a:extLst>
           </p:cNvPr>
@@ -4690,7 +4632,7 @@
           <p:cNvPr id="29" name="Rectangle: Top Corners Rounded 28">
             <a:extLst>
               <a:ext uri="{FF2B5EF4-FFF2-40B4-BE49-F238E27FC236}">
-                <a16:creationId xmlns="" xmlns:a16="http://schemas.microsoft.com/office/drawing/2014/main" id="{4DE34873-AEF6-7BE4-7709-258D0B911A0A}"/>
+                <a16:creationId xmlns:a16="http://schemas.microsoft.com/office/drawing/2014/main" xmlns="" id="{4DE34873-AEF6-7BE4-7709-258D0B911A0A}"/>
               </a:ext>
             </a:extLst>
           </p:cNvPr>
@@ -4769,7 +4711,7 @@
           <p:cNvPr id="30" name="Rectangle: Top Corners Rounded 29">
             <a:extLst>
               <a:ext uri="{FF2B5EF4-FFF2-40B4-BE49-F238E27FC236}">
-                <a16:creationId xmlns="" xmlns:a16="http://schemas.microsoft.com/office/drawing/2014/main" id="{EABD930E-EC4D-FC87-DE51-1755E8A451FF}"/>
+                <a16:creationId xmlns:a16="http://schemas.microsoft.com/office/drawing/2014/main" xmlns="" id="{EABD930E-EC4D-FC87-DE51-1755E8A451FF}"/>
               </a:ext>
             </a:extLst>
           </p:cNvPr>
@@ -4831,7 +4773,7 @@
           <p:cNvPr id="31" name="Rectangle: Top Corners Rounded 30">
             <a:extLst>
               <a:ext uri="{FF2B5EF4-FFF2-40B4-BE49-F238E27FC236}">
-                <a16:creationId xmlns="" xmlns:a16="http://schemas.microsoft.com/office/drawing/2014/main" id="{251E5167-E325-521D-7B14-EDE8C2470DB4}"/>
+                <a16:creationId xmlns:a16="http://schemas.microsoft.com/office/drawing/2014/main" xmlns="" id="{251E5167-E325-521D-7B14-EDE8C2470DB4}"/>
               </a:ext>
             </a:extLst>
           </p:cNvPr>
@@ -4893,7 +4835,7 @@
           <p:cNvPr id="33" name="Straight Connector 32">
             <a:extLst>
               <a:ext uri="{FF2B5EF4-FFF2-40B4-BE49-F238E27FC236}">
-                <a16:creationId xmlns="" xmlns:a16="http://schemas.microsoft.com/office/drawing/2014/main" id="{C892D952-6FFB-3691-344D-2591A3ACD780}"/>
+                <a16:creationId xmlns:a16="http://schemas.microsoft.com/office/drawing/2014/main" xmlns="" id="{C892D952-6FFB-3691-344D-2591A3ACD780}"/>
               </a:ext>
             </a:extLst>
           </p:cNvPr>
@@ -4934,7 +4876,7 @@
           <p:cNvPr id="34" name="Rectangle: Top Corners Rounded 33">
             <a:extLst>
               <a:ext uri="{FF2B5EF4-FFF2-40B4-BE49-F238E27FC236}">
-                <a16:creationId xmlns="" xmlns:a16="http://schemas.microsoft.com/office/drawing/2014/main" id="{F0F32C19-08B7-4E12-DAA0-93B362DC1729}"/>
+                <a16:creationId xmlns:a16="http://schemas.microsoft.com/office/drawing/2014/main" xmlns="" id="{F0F32C19-08B7-4E12-DAA0-93B362DC1729}"/>
               </a:ext>
             </a:extLst>
           </p:cNvPr>
@@ -4984,7 +4926,7 @@
                 </a:solidFill>
                 <a:latin typeface="Tw Cen MT" panose="020B0602020104020603" pitchFamily="34" charset="0"/>
               </a:rPr>
-              <a:t>Appendix</a:t>
+              <a:t>Findings</a:t>
             </a:r>
             <a:endParaRPr lang="en-US" b="1" dirty="0">
               <a:solidFill>
@@ -4997,26 +4939,17 @@
       </p:sp>
       <p:pic>
         <p:nvPicPr>
-          <p:cNvPr id="5" name="Graphic 4" descr="Artificial Intelligence with solid fill">
-            <a:extLst>
-              <a:ext uri="{FF2B5EF4-FFF2-40B4-BE49-F238E27FC236}">
-                <a16:creationId xmlns="" xmlns:a16="http://schemas.microsoft.com/office/drawing/2014/main" id="{65AF0F14-1C88-EC4F-FC93-6558A40FEB2C}"/>
-              </a:ext>
-            </a:extLst>
-          </p:cNvPr>
+          <p:cNvPr id="5" name="Picture 4"/>
           <p:cNvPicPr>
             <a:picLocks noChangeAspect="1"/>
           </p:cNvPicPr>
           <p:nvPr/>
         </p:nvPicPr>
         <p:blipFill>
-          <a:blip r:embed="rId2" cstate="print">
+          <a:blip r:embed="rId2">
             <a:extLst>
               <a:ext uri="{28A0092B-C50C-407E-A947-70E740481C1C}">
                 <a14:useLocalDpi xmlns:a14="http://schemas.microsoft.com/office/drawing/2010/main" val="0"/>
-              </a:ext>
-              <a:ext uri="{96DAC541-7B7A-43D3-8B79-37D633B846F1}">
-                <asvg:svgBlip xmlns="" xmlns:asvg="http://schemas.microsoft.com/office/drawing/2016/SVG/main" r:embed="rId3"/>
               </a:ext>
             </a:extLst>
           </a:blip>
@@ -5026,8 +4959,8 @@
         </p:blipFill>
         <p:spPr>
           <a:xfrm>
-            <a:off x="-100075" y="4946180"/>
-            <a:ext cx="914400" cy="914400"/>
+            <a:off x="1579418" y="708285"/>
+            <a:ext cx="9956472" cy="5477267"/>
           </a:xfrm>
           <a:prstGeom prst="rect">
             <a:avLst/>
@@ -5036,25 +4969,18 @@
       </p:pic>
       <p:sp>
         <p:nvSpPr>
-          <p:cNvPr id="12" name="TextBox 11">
-            <a:extLst>
-              <a:ext uri="{FF2B5EF4-FFF2-40B4-BE49-F238E27FC236}">
-                <a16:creationId xmlns="" xmlns:a16="http://schemas.microsoft.com/office/drawing/2014/main" id="{58203AB3-C5AF-4A89-16B3-075ED80FB692}"/>
-              </a:ext>
-            </a:extLst>
-          </p:cNvPr>
-          <p:cNvSpPr txBox="1"/>
+          <p:cNvPr id="2" name="Rectangle 1"/>
+          <p:cNvSpPr/>
           <p:nvPr/>
         </p:nvSpPr>
         <p:spPr>
           <a:xfrm>
-            <a:off x="1051832" y="5237677"/>
-            <a:ext cx="10763250" cy="1323439"/>
+            <a:off x="95003" y="6185552"/>
+            <a:ext cx="10474036" cy="584775"/>
           </a:xfrm>
           <a:prstGeom prst="rect">
             <a:avLst/>
           </a:prstGeom>
-          <a:noFill/>
         </p:spPr>
         <p:txBody>
           <a:bodyPr wrap="square">
@@ -5064,44 +4990,30 @@
           <a:p>
             <a:pPr marL="285750" indent="-285750">
               <a:buFont typeface="Wingdings" panose="05000000000000000000" pitchFamily="2" charset="2"/>
-              <a:buChar char="Ø"/>
+              <a:buChar char="v"/>
             </a:pPr>
             <a:r>
-              <a:rPr lang="en-US" sz="1600" dirty="0">
-                <a:latin typeface="Tw Cen MT" panose="020B0602020104020603" pitchFamily="34" charset="0"/>
-              </a:rPr>
-              <a:t>Machine learning models can be used to predict in-hospital mortality, heart failure, and duration of stay using data available at the time of admission to a cardiac care unit. </a:t>
-            </a:r>
-          </a:p>
-          <a:p>
-            <a:endParaRPr lang="en-US" sz="1600" dirty="0">
-              <a:latin typeface="Tw Cen MT" panose="020B0602020104020603" pitchFamily="34" charset="0"/>
-            </a:endParaRPr>
-          </a:p>
-          <a:p>
-            <a:pPr marL="285750" indent="-285750">
-              <a:buFont typeface="Wingdings" panose="05000000000000000000" pitchFamily="2" charset="2"/>
-              <a:buChar char="Ø"/>
-            </a:pPr>
-            <a:r>
-              <a:rPr lang="en-US" sz="1600" dirty="0">
-                <a:latin typeface="Tw Cen MT" panose="020B0602020104020603" pitchFamily="34" charset="0"/>
-              </a:rPr>
-              <a:t>Further, the algorithm can be enhanced to predict outcomes using all available parameters, including demographic and clinical parameters</a:t>
-            </a:r>
-          </a:p>
-        </p:txBody>
-      </p:sp>
-      <p:sp>
-        <p:nvSpPr>
-          <p:cNvPr id="2" name="Rectangle 1"/>
+              <a:rPr lang="en-US" sz="1600" b="1" dirty="0">
+                <a:solidFill>
+                  <a:srgbClr val="00B050"/>
+                </a:solidFill>
+                <a:latin typeface="Tw Cen MT" panose="020B0602020104020603" pitchFamily="34" charset="0"/>
+              </a:rPr>
+              <a:t>CAD mostly affected people aged 61-80, HTN with heart failure mostly affected those aged 81 and above, and ACS mostly affected individuals aged 41-60.</a:t>
+            </a:r>
+          </a:p>
+        </p:txBody>
+      </p:sp>
+      <p:sp>
+        <p:nvSpPr>
+          <p:cNvPr id="10" name="Rectangle 9"/>
           <p:cNvSpPr/>
           <p:nvPr/>
         </p:nvSpPr>
         <p:spPr>
           <a:xfrm>
-            <a:off x="9923813" y="6264233"/>
-            <a:ext cx="2268187" cy="593767"/>
+            <a:off x="9923813" y="6483927"/>
+            <a:ext cx="2268187" cy="374073"/>
           </a:xfrm>
           <a:prstGeom prst="rect">
             <a:avLst/>
@@ -5138,12 +5050,421 @@
           </a:p>
         </p:txBody>
       </p:sp>
-      <p:sp>
-        <p:nvSpPr>
-          <p:cNvPr id="11" name="TextBox 10">
-            <a:extLst>
-              <a:ext uri="{FF2B5EF4-FFF2-40B4-BE49-F238E27FC236}">
-                <a16:creationId xmlns="" xmlns:a16="http://schemas.microsoft.com/office/drawing/2014/main" id="{B7CC5665-E415-3CEF-827C-B818DCC1D288}"/>
+    </p:spTree>
+    <p:extLst>
+      <p:ext uri="{BB962C8B-B14F-4D97-AF65-F5344CB8AC3E}">
+        <p14:creationId xmlns:p14="http://schemas.microsoft.com/office/powerpoint/2010/main" val="3414030795"/>
+      </p:ext>
+    </p:extLst>
+  </p:cSld>
+  <p:clrMapOvr>
+    <a:masterClrMapping/>
+  </p:clrMapOvr>
+  <p:timing>
+    <p:tnLst>
+      <p:par>
+        <p:cTn id="1" dur="indefinite" restart="never" nodeType="tmRoot"/>
+      </p:par>
+    </p:tnLst>
+  </p:timing>
+</p:sld>
+</file>
+
+<file path=ppt/slides/slide12.xml><?xml version="1.0" encoding="utf-8"?>
+<p:sld xmlns:a="http://schemas.openxmlformats.org/drawingml/2006/main" xmlns:r="http://schemas.openxmlformats.org/officeDocument/2006/relationships" xmlns:p="http://schemas.openxmlformats.org/presentationml/2006/main">
+  <p:cSld>
+    <p:spTree>
+      <p:nvGrpSpPr>
+        <p:cNvPr id="1" name=""/>
+        <p:cNvGrpSpPr/>
+        <p:nvPr/>
+      </p:nvGrpSpPr>
+      <p:grpSpPr>
+        <a:xfrm>
+          <a:off x="0" y="0"/>
+          <a:ext cx="0" cy="0"/>
+          <a:chOff x="0" y="0"/>
+          <a:chExt cx="0" cy="0"/>
+        </a:xfrm>
+      </p:grpSpPr>
+      <p:sp>
+        <p:nvSpPr>
+          <p:cNvPr id="28" name="Rectangle: Top Corners Rounded 27">
+            <a:extLst>
+              <a:ext uri="{FF2B5EF4-FFF2-40B4-BE49-F238E27FC236}">
+                <a16:creationId xmlns:a16="http://schemas.microsoft.com/office/drawing/2014/main" xmlns="" id="{1CE2ED4F-4BB8-71A1-53D8-A231DAD03F47}"/>
+              </a:ext>
+            </a:extLst>
+          </p:cNvPr>
+          <p:cNvSpPr/>
+          <p:nvPr/>
+        </p:nvSpPr>
+        <p:spPr>
+          <a:xfrm>
+            <a:off x="2456345" y="222617"/>
+            <a:ext cx="2563408" cy="455627"/>
+          </a:xfrm>
+          <a:prstGeom prst="round2SameRect">
+            <a:avLst/>
+          </a:prstGeom>
+          <a:solidFill>
+            <a:schemeClr val="bg1">
+              <a:lumMod val="85000"/>
+            </a:schemeClr>
+          </a:solidFill>
+          <a:ln>
+            <a:noFill/>
+          </a:ln>
+        </p:spPr>
+        <p:style>
+          <a:lnRef idx="2">
+            <a:schemeClr val="accent1">
+              <a:shade val="50000"/>
+            </a:schemeClr>
+          </a:lnRef>
+          <a:fillRef idx="1">
+            <a:schemeClr val="accent1"/>
+          </a:fillRef>
+          <a:effectRef idx="0">
+            <a:schemeClr val="accent1"/>
+          </a:effectRef>
+          <a:fontRef idx="minor">
+            <a:schemeClr val="lt1"/>
+          </a:fontRef>
+        </p:style>
+        <p:txBody>
+          <a:bodyPr rtlCol="0" anchor="ctr"/>
+          <a:lstStyle/>
+          <a:p>
+            <a:pPr algn="ctr"/>
+            <a:r>
+              <a:rPr lang="en-US" dirty="0">
+                <a:solidFill>
+                  <a:schemeClr val="tx1"/>
+                </a:solidFill>
+                <a:latin typeface="Tw Cen MT" panose="020B0602020104020603" pitchFamily="34" charset="0"/>
+              </a:rPr>
+              <a:t>Problem Statement</a:t>
+            </a:r>
+          </a:p>
+        </p:txBody>
+      </p:sp>
+      <p:sp>
+        <p:nvSpPr>
+          <p:cNvPr id="29" name="Rectangle: Top Corners Rounded 28">
+            <a:extLst>
+              <a:ext uri="{FF2B5EF4-FFF2-40B4-BE49-F238E27FC236}">
+                <a16:creationId xmlns:a16="http://schemas.microsoft.com/office/drawing/2014/main" xmlns="" id="{4DE34873-AEF6-7BE4-7709-258D0B911A0A}"/>
+              </a:ext>
+            </a:extLst>
+          </p:cNvPr>
+          <p:cNvSpPr/>
+          <p:nvPr/>
+        </p:nvSpPr>
+        <p:spPr>
+          <a:xfrm>
+            <a:off x="5052411" y="218475"/>
+            <a:ext cx="1724025" cy="455627"/>
+          </a:xfrm>
+          <a:prstGeom prst="round2SameRect">
+            <a:avLst/>
+          </a:prstGeom>
+          <a:solidFill>
+            <a:schemeClr val="bg1">
+              <a:lumMod val="85000"/>
+            </a:schemeClr>
+          </a:solidFill>
+          <a:ln>
+            <a:noFill/>
+          </a:ln>
+        </p:spPr>
+        <p:style>
+          <a:lnRef idx="2">
+            <a:schemeClr val="accent1">
+              <a:shade val="50000"/>
+            </a:schemeClr>
+          </a:lnRef>
+          <a:fillRef idx="1">
+            <a:schemeClr val="accent1"/>
+          </a:fillRef>
+          <a:effectRef idx="0">
+            <a:schemeClr val="accent1"/>
+          </a:effectRef>
+          <a:fontRef idx="minor">
+            <a:schemeClr val="lt1"/>
+          </a:fontRef>
+        </p:style>
+        <p:txBody>
+          <a:bodyPr rtlCol="0" anchor="ctr"/>
+          <a:lstStyle/>
+          <a:p>
+            <a:pPr marL="0" marR="0" lvl="0" indent="0" defTabSz="914400" eaLnBrk="1" fontAlgn="auto" latinLnBrk="0" hangingPunct="1">
+              <a:lnSpc>
+                <a:spcPct val="100000"/>
+              </a:lnSpc>
+              <a:spcBef>
+                <a:spcPts val="0"/>
+              </a:spcBef>
+              <a:spcAft>
+                <a:spcPts val="600"/>
+              </a:spcAft>
+              <a:buClrTx/>
+              <a:buSzTx/>
+              <a:buFontTx/>
+              <a:buNone/>
+              <a:tabLst/>
+              <a:defRPr/>
+            </a:pPr>
+            <a:r>
+              <a:rPr lang="en-US" sz="1800" dirty="0">
+                <a:solidFill>
+                  <a:schemeClr val="tx1"/>
+                </a:solidFill>
+                <a:latin typeface="Tw Cen MT" panose="020B0602020104020603" pitchFamily="34" charset="0"/>
+                <a:cs typeface="Futura Medium" pitchFamily="34" charset="0"/>
+              </a:rPr>
+              <a:t>Business Value</a:t>
+            </a:r>
+          </a:p>
+        </p:txBody>
+      </p:sp>
+      <p:sp>
+        <p:nvSpPr>
+          <p:cNvPr id="30" name="Rectangle: Top Corners Rounded 29">
+            <a:extLst>
+              <a:ext uri="{FF2B5EF4-FFF2-40B4-BE49-F238E27FC236}">
+                <a16:creationId xmlns:a16="http://schemas.microsoft.com/office/drawing/2014/main" xmlns="" id="{EABD930E-EC4D-FC87-DE51-1755E8A451FF}"/>
+              </a:ext>
+            </a:extLst>
+          </p:cNvPr>
+          <p:cNvSpPr/>
+          <p:nvPr/>
+        </p:nvSpPr>
+        <p:spPr>
+          <a:xfrm>
+            <a:off x="6839049" y="218474"/>
+            <a:ext cx="1476276" cy="455627"/>
+          </a:xfrm>
+          <a:prstGeom prst="round2SameRect">
+            <a:avLst/>
+          </a:prstGeom>
+          <a:solidFill>
+            <a:schemeClr val="bg1">
+              <a:lumMod val="85000"/>
+            </a:schemeClr>
+          </a:solidFill>
+          <a:ln>
+            <a:noFill/>
+          </a:ln>
+        </p:spPr>
+        <p:style>
+          <a:lnRef idx="2">
+            <a:schemeClr val="accent1">
+              <a:shade val="50000"/>
+            </a:schemeClr>
+          </a:lnRef>
+          <a:fillRef idx="1">
+            <a:schemeClr val="accent1"/>
+          </a:fillRef>
+          <a:effectRef idx="0">
+            <a:schemeClr val="accent1"/>
+          </a:effectRef>
+          <a:fontRef idx="minor">
+            <a:schemeClr val="lt1"/>
+          </a:fontRef>
+        </p:style>
+        <p:txBody>
+          <a:bodyPr rtlCol="0" anchor="ctr"/>
+          <a:lstStyle/>
+          <a:p>
+            <a:pPr algn="ctr"/>
+            <a:r>
+              <a:rPr lang="en-US" dirty="0">
+                <a:solidFill>
+                  <a:schemeClr val="tx1"/>
+                </a:solidFill>
+                <a:latin typeface="Tw Cen MT" panose="020B0602020104020603" pitchFamily="34" charset="0"/>
+              </a:rPr>
+              <a:t>Methodology</a:t>
+            </a:r>
+          </a:p>
+        </p:txBody>
+      </p:sp>
+      <p:sp>
+        <p:nvSpPr>
+          <p:cNvPr id="31" name="Rectangle: Top Corners Rounded 30">
+            <a:extLst>
+              <a:ext uri="{FF2B5EF4-FFF2-40B4-BE49-F238E27FC236}">
+                <a16:creationId xmlns:a16="http://schemas.microsoft.com/office/drawing/2014/main" xmlns="" id="{251E5167-E325-521D-7B14-EDE8C2470DB4}"/>
+              </a:ext>
+            </a:extLst>
+          </p:cNvPr>
+          <p:cNvSpPr/>
+          <p:nvPr/>
+        </p:nvSpPr>
+        <p:spPr>
+          <a:xfrm>
+            <a:off x="0" y="218473"/>
+            <a:ext cx="2423687" cy="459772"/>
+          </a:xfrm>
+          <a:prstGeom prst="round2SameRect">
+            <a:avLst/>
+          </a:prstGeom>
+          <a:solidFill>
+            <a:schemeClr val="bg1">
+              <a:lumMod val="85000"/>
+            </a:schemeClr>
+          </a:solidFill>
+          <a:ln>
+            <a:noFill/>
+          </a:ln>
+        </p:spPr>
+        <p:style>
+          <a:lnRef idx="2">
+            <a:schemeClr val="accent1">
+              <a:shade val="50000"/>
+            </a:schemeClr>
+          </a:lnRef>
+          <a:fillRef idx="1">
+            <a:schemeClr val="accent1"/>
+          </a:fillRef>
+          <a:effectRef idx="0">
+            <a:schemeClr val="accent1"/>
+          </a:effectRef>
+          <a:fontRef idx="minor">
+            <a:schemeClr val="lt1"/>
+          </a:fontRef>
+        </p:style>
+        <p:txBody>
+          <a:bodyPr rtlCol="0" anchor="ctr"/>
+          <a:lstStyle/>
+          <a:p>
+            <a:pPr algn="ctr"/>
+            <a:r>
+              <a:rPr lang="en-US" dirty="0">
+                <a:solidFill>
+                  <a:schemeClr val="tx1"/>
+                </a:solidFill>
+                <a:latin typeface="Tw Cen MT" panose="020B0602020104020603" pitchFamily="34" charset="0"/>
+              </a:rPr>
+              <a:t>Agenda</a:t>
+            </a:r>
+          </a:p>
+        </p:txBody>
+      </p:sp>
+      <p:cxnSp>
+        <p:nvCxnSpPr>
+          <p:cNvPr id="33" name="Straight Connector 32">
+            <a:extLst>
+              <a:ext uri="{FF2B5EF4-FFF2-40B4-BE49-F238E27FC236}">
+                <a16:creationId xmlns:a16="http://schemas.microsoft.com/office/drawing/2014/main" xmlns="" id="{C892D952-6FFB-3691-344D-2591A3ACD780}"/>
+              </a:ext>
+            </a:extLst>
+          </p:cNvPr>
+          <p:cNvCxnSpPr/>
+          <p:nvPr/>
+        </p:nvCxnSpPr>
+        <p:spPr>
+          <a:xfrm>
+            <a:off x="0" y="674100"/>
+            <a:ext cx="12192000" cy="0"/>
+          </a:xfrm>
+          <a:prstGeom prst="line">
+            <a:avLst/>
+          </a:prstGeom>
+          <a:ln>
+            <a:solidFill>
+              <a:srgbClr val="00B050"/>
+            </a:solidFill>
+          </a:ln>
+        </p:spPr>
+        <p:style>
+          <a:lnRef idx="1">
+            <a:schemeClr val="accent1"/>
+          </a:lnRef>
+          <a:fillRef idx="0">
+            <a:schemeClr val="accent1"/>
+          </a:fillRef>
+          <a:effectRef idx="0">
+            <a:schemeClr val="accent1"/>
+          </a:effectRef>
+          <a:fontRef idx="minor">
+            <a:schemeClr val="tx1"/>
+          </a:fontRef>
+        </p:style>
+      </p:cxnSp>
+      <p:sp>
+        <p:nvSpPr>
+          <p:cNvPr id="34" name="Rectangle: Top Corners Rounded 33">
+            <a:extLst>
+              <a:ext uri="{FF2B5EF4-FFF2-40B4-BE49-F238E27FC236}">
+                <a16:creationId xmlns:a16="http://schemas.microsoft.com/office/drawing/2014/main" xmlns="" id="{F0F32C19-08B7-4E12-DAA0-93B362DC1729}"/>
+              </a:ext>
+            </a:extLst>
+          </p:cNvPr>
+          <p:cNvSpPr/>
+          <p:nvPr/>
+        </p:nvSpPr>
+        <p:spPr>
+          <a:xfrm>
+            <a:off x="8377939" y="-1"/>
+            <a:ext cx="3846720" cy="674101"/>
+          </a:xfrm>
+          <a:prstGeom prst="round2SameRect">
+            <a:avLst/>
+          </a:prstGeom>
+          <a:solidFill>
+            <a:srgbClr val="00B050"/>
+          </a:solidFill>
+          <a:ln>
+            <a:noFill/>
+          </a:ln>
+        </p:spPr>
+        <p:style>
+          <a:lnRef idx="2">
+            <a:schemeClr val="accent1">
+              <a:shade val="50000"/>
+            </a:schemeClr>
+          </a:lnRef>
+          <a:fillRef idx="1">
+            <a:schemeClr val="accent1"/>
+          </a:fillRef>
+          <a:effectRef idx="0">
+            <a:schemeClr val="accent1"/>
+          </a:effectRef>
+          <a:fontRef idx="minor">
+            <a:schemeClr val="lt1"/>
+          </a:fontRef>
+        </p:style>
+        <p:txBody>
+          <a:bodyPr rtlCol="0" anchor="ctr"/>
+          <a:lstStyle/>
+          <a:p>
+            <a:pPr algn="ctr"/>
+            <a:r>
+              <a:rPr lang="en-US" b="1" dirty="0" smtClean="0">
+                <a:solidFill>
+                  <a:schemeClr val="bg1"/>
+                </a:solidFill>
+                <a:latin typeface="Tw Cen MT" panose="020B0602020104020603" pitchFamily="34" charset="0"/>
+              </a:rPr>
+              <a:t>Findings</a:t>
+            </a:r>
+            <a:endParaRPr lang="en-US" b="1" dirty="0">
+              <a:solidFill>
+                <a:schemeClr val="bg1"/>
+              </a:solidFill>
+              <a:latin typeface="Tw Cen MT" panose="020B0602020104020603" pitchFamily="34" charset="0"/>
+            </a:endParaRPr>
+          </a:p>
+        </p:txBody>
+      </p:sp>
+      <p:sp>
+        <p:nvSpPr>
+          <p:cNvPr id="12" name="TextBox 11">
+            <a:extLst>
+              <a:ext uri="{FF2B5EF4-FFF2-40B4-BE49-F238E27FC236}">
+                <a16:creationId xmlns:a16="http://schemas.microsoft.com/office/drawing/2014/main" xmlns="" id="{58203AB3-C5AF-4A89-16B3-075ED80FB692}"/>
               </a:ext>
             </a:extLst>
           </p:cNvPr>
@@ -5152,7 +5473,1460 @@
         </p:nvSpPr>
         <p:spPr>
           <a:xfrm>
-            <a:off x="57025" y="4430540"/>
+            <a:off x="120608" y="790060"/>
+            <a:ext cx="10763250" cy="1169551"/>
+          </a:xfrm>
+          <a:prstGeom prst="rect">
+            <a:avLst/>
+          </a:prstGeom>
+          <a:noFill/>
+        </p:spPr>
+        <p:txBody>
+          <a:bodyPr wrap="square">
+            <a:spAutoFit/>
+          </a:bodyPr>
+          <a:lstStyle/>
+          <a:p>
+            <a:pPr marL="285750" indent="-285750">
+              <a:buFont typeface="Wingdings" panose="05000000000000000000" pitchFamily="2" charset="2"/>
+              <a:buChar char="Ø"/>
+            </a:pPr>
+            <a:r>
+              <a:rPr lang="en-US" sz="1400" b="1" dirty="0" smtClean="0">
+                <a:solidFill>
+                  <a:srgbClr val="00B050"/>
+                </a:solidFill>
+                <a:latin typeface="Tw Cen MT" panose="020B0602020104020603" pitchFamily="34" charset="0"/>
+              </a:rPr>
+              <a:t>Of all admissions with heart problems, 63% are male while 37% are women. </a:t>
+            </a:r>
+          </a:p>
+          <a:p>
+            <a:pPr marL="285750" indent="-285750">
+              <a:buFont typeface="Wingdings" panose="05000000000000000000" pitchFamily="2" charset="2"/>
+              <a:buChar char="Ø"/>
+            </a:pPr>
+            <a:r>
+              <a:rPr lang="en-US" sz="1400" b="1" dirty="0" smtClean="0">
+                <a:solidFill>
+                  <a:srgbClr val="00B050"/>
+                </a:solidFill>
+                <a:latin typeface="Tw Cen MT" panose="020B0602020104020603" pitchFamily="34" charset="0"/>
+              </a:rPr>
+              <a:t>77% live in urban areas while 23% are rural residents.</a:t>
+            </a:r>
+          </a:p>
+          <a:p>
+            <a:pPr marL="285750" indent="-285750">
+              <a:buFont typeface="Wingdings" panose="05000000000000000000" pitchFamily="2" charset="2"/>
+              <a:buChar char="Ø"/>
+            </a:pPr>
+            <a:r>
+              <a:rPr lang="en-US" sz="1400" b="1" dirty="0" smtClean="0">
+                <a:solidFill>
+                  <a:srgbClr val="00B050"/>
+                </a:solidFill>
+                <a:latin typeface="Tw Cen MT" panose="020B0602020104020603" pitchFamily="34" charset="0"/>
+              </a:rPr>
+              <a:t>77% are between the ages of 51-75, 19% are over 75, 3% are between 18 and 35 while less than 1% are below 18years</a:t>
+            </a:r>
+          </a:p>
+          <a:p>
+            <a:pPr marL="285750" indent="-285750">
+              <a:buFont typeface="Wingdings" panose="05000000000000000000" pitchFamily="2" charset="2"/>
+              <a:buChar char="Ø"/>
+            </a:pPr>
+            <a:r>
+              <a:rPr lang="en-US" sz="1400" b="1" dirty="0" smtClean="0">
+                <a:solidFill>
+                  <a:srgbClr val="00B050"/>
+                </a:solidFill>
+                <a:latin typeface="Tw Cen MT" panose="020B0602020104020603" pitchFamily="34" charset="0"/>
+              </a:rPr>
+              <a:t>Further</a:t>
+            </a:r>
+            <a:r>
+              <a:rPr lang="en-US" sz="1400" b="1" dirty="0">
+                <a:solidFill>
+                  <a:srgbClr val="00B050"/>
+                </a:solidFill>
+                <a:latin typeface="Tw Cen MT" panose="020B0602020104020603" pitchFamily="34" charset="0"/>
+              </a:rPr>
+              <a:t>, the algorithm can be enhanced to predict outcomes using all available parameters, including demographic and clinical </a:t>
+            </a:r>
+            <a:r>
+              <a:rPr lang="en-US" sz="1400" b="1" dirty="0" smtClean="0">
+                <a:solidFill>
+                  <a:srgbClr val="00B050"/>
+                </a:solidFill>
+                <a:latin typeface="Tw Cen MT" panose="020B0602020104020603" pitchFamily="34" charset="0"/>
+              </a:rPr>
+              <a:t>parameters.</a:t>
+            </a:r>
+          </a:p>
+          <a:p>
+            <a:pPr marL="285750" indent="-285750">
+              <a:buFont typeface="Wingdings" panose="05000000000000000000" pitchFamily="2" charset="2"/>
+              <a:buChar char="Ø"/>
+            </a:pPr>
+            <a:r>
+              <a:rPr lang="en-US" sz="1400" b="1" dirty="0">
+                <a:solidFill>
+                  <a:srgbClr val="00B050"/>
+                </a:solidFill>
+                <a:latin typeface="Tw Cen MT" panose="020B0602020104020603" pitchFamily="34" charset="0"/>
+              </a:rPr>
+              <a:t>Heart failure, AKI, ACS, and SHOCK had the highest number of deaths, with </a:t>
+            </a:r>
+            <a:r>
+              <a:rPr lang="en-US" sz="1400" b="1" dirty="0" smtClean="0">
+                <a:solidFill>
+                  <a:srgbClr val="00B050"/>
+                </a:solidFill>
+                <a:latin typeface="Tw Cen MT" panose="020B0602020104020603" pitchFamily="34" charset="0"/>
+              </a:rPr>
+              <a:t>more men </a:t>
+            </a:r>
+            <a:r>
+              <a:rPr lang="en-US" sz="1400" b="1" dirty="0">
+                <a:solidFill>
+                  <a:srgbClr val="00B050"/>
+                </a:solidFill>
+                <a:latin typeface="Tw Cen MT" panose="020B0602020104020603" pitchFamily="34" charset="0"/>
+              </a:rPr>
+              <a:t>leading across </a:t>
+            </a:r>
+            <a:r>
+              <a:rPr lang="en-US" sz="1400" b="1" dirty="0" smtClean="0">
+                <a:solidFill>
+                  <a:srgbClr val="00B050"/>
+                </a:solidFill>
+                <a:latin typeface="Tw Cen MT" panose="020B0602020104020603" pitchFamily="34" charset="0"/>
+              </a:rPr>
+              <a:t>the causes of death.</a:t>
+            </a:r>
+            <a:endParaRPr lang="en-US" sz="1400" b="1" dirty="0">
+              <a:solidFill>
+                <a:srgbClr val="00B050"/>
+              </a:solidFill>
+              <a:latin typeface="Tw Cen MT" panose="020B0602020104020603" pitchFamily="34" charset="0"/>
+            </a:endParaRPr>
+          </a:p>
+        </p:txBody>
+      </p:sp>
+      <p:sp>
+        <p:nvSpPr>
+          <p:cNvPr id="16" name="Rectangle 15"/>
+          <p:cNvSpPr/>
+          <p:nvPr/>
+        </p:nvSpPr>
+        <p:spPr>
+          <a:xfrm>
+            <a:off x="9923813" y="6576576"/>
+            <a:ext cx="2268187" cy="281424"/>
+          </a:xfrm>
+          <a:prstGeom prst="rect">
+            <a:avLst/>
+          </a:prstGeom>
+          <a:solidFill>
+            <a:schemeClr val="bg1"/>
+          </a:solidFill>
+          <a:ln>
+            <a:noFill/>
+          </a:ln>
+        </p:spPr>
+        <p:style>
+          <a:lnRef idx="2">
+            <a:schemeClr val="accent1">
+              <a:shade val="50000"/>
+            </a:schemeClr>
+          </a:lnRef>
+          <a:fillRef idx="1">
+            <a:schemeClr val="accent1"/>
+          </a:fillRef>
+          <a:effectRef idx="0">
+            <a:schemeClr val="accent1"/>
+          </a:effectRef>
+          <a:fontRef idx="minor">
+            <a:schemeClr val="lt1"/>
+          </a:fontRef>
+        </p:style>
+        <p:txBody>
+          <a:bodyPr rtlCol="0" anchor="ctr"/>
+          <a:lstStyle/>
+          <a:p>
+            <a:pPr algn="ctr"/>
+            <a:endParaRPr lang="en-US"/>
+          </a:p>
+        </p:txBody>
+      </p:sp>
+      <p:pic>
+        <p:nvPicPr>
+          <p:cNvPr id="2" name="Picture 1"/>
+          <p:cNvPicPr>
+            <a:picLocks noChangeAspect="1"/>
+          </p:cNvPicPr>
+          <p:nvPr/>
+        </p:nvPicPr>
+        <p:blipFill>
+          <a:blip r:embed="rId2">
+            <a:extLst>
+              <a:ext uri="{28A0092B-C50C-407E-A947-70E740481C1C}">
+                <a14:useLocalDpi xmlns:a14="http://schemas.microsoft.com/office/drawing/2010/main" val="0"/>
+              </a:ext>
+            </a:extLst>
+          </a:blip>
+          <a:stretch>
+            <a:fillRect/>
+          </a:stretch>
+        </p:blipFill>
+        <p:spPr>
+          <a:xfrm>
+            <a:off x="120608" y="2071426"/>
+            <a:ext cx="6451480" cy="4652880"/>
+          </a:xfrm>
+          <a:prstGeom prst="rect">
+            <a:avLst/>
+          </a:prstGeom>
+        </p:spPr>
+      </p:pic>
+    </p:spTree>
+    <p:extLst>
+      <p:ext uri="{BB962C8B-B14F-4D97-AF65-F5344CB8AC3E}">
+        <p14:creationId xmlns:p14="http://schemas.microsoft.com/office/powerpoint/2010/main" val="821684890"/>
+      </p:ext>
+    </p:extLst>
+  </p:cSld>
+  <p:clrMapOvr>
+    <a:masterClrMapping/>
+  </p:clrMapOvr>
+  <p:timing>
+    <p:tnLst>
+      <p:par>
+        <p:cTn id="1" dur="indefinite" restart="never" nodeType="tmRoot"/>
+      </p:par>
+    </p:tnLst>
+  </p:timing>
+</p:sld>
+</file>
+
+<file path=ppt/slides/slide13.xml><?xml version="1.0" encoding="utf-8"?>
+<p:sld xmlns:a="http://schemas.openxmlformats.org/drawingml/2006/main" xmlns:r="http://schemas.openxmlformats.org/officeDocument/2006/relationships" xmlns:p="http://schemas.openxmlformats.org/presentationml/2006/main">
+  <p:cSld>
+    <p:spTree>
+      <p:nvGrpSpPr>
+        <p:cNvPr id="1" name=""/>
+        <p:cNvGrpSpPr/>
+        <p:nvPr/>
+      </p:nvGrpSpPr>
+      <p:grpSpPr>
+        <a:xfrm>
+          <a:off x="0" y="0"/>
+          <a:ext cx="0" cy="0"/>
+          <a:chOff x="0" y="0"/>
+          <a:chExt cx="0" cy="0"/>
+        </a:xfrm>
+      </p:grpSpPr>
+      <p:sp>
+        <p:nvSpPr>
+          <p:cNvPr id="28" name="Rectangle: Top Corners Rounded 27">
+            <a:extLst>
+              <a:ext uri="{FF2B5EF4-FFF2-40B4-BE49-F238E27FC236}">
+                <a16:creationId xmlns="" xmlns:a16="http://schemas.microsoft.com/office/drawing/2014/main" id="{1CE2ED4F-4BB8-71A1-53D8-A231DAD03F47}"/>
+              </a:ext>
+            </a:extLst>
+          </p:cNvPr>
+          <p:cNvSpPr/>
+          <p:nvPr/>
+        </p:nvSpPr>
+        <p:spPr>
+          <a:xfrm>
+            <a:off x="2456345" y="222617"/>
+            <a:ext cx="2563408" cy="455627"/>
+          </a:xfrm>
+          <a:prstGeom prst="round2SameRect">
+            <a:avLst/>
+          </a:prstGeom>
+          <a:solidFill>
+            <a:schemeClr val="bg1">
+              <a:lumMod val="85000"/>
+            </a:schemeClr>
+          </a:solidFill>
+          <a:ln>
+            <a:noFill/>
+          </a:ln>
+        </p:spPr>
+        <p:style>
+          <a:lnRef idx="2">
+            <a:schemeClr val="accent1">
+              <a:shade val="50000"/>
+            </a:schemeClr>
+          </a:lnRef>
+          <a:fillRef idx="1">
+            <a:schemeClr val="accent1"/>
+          </a:fillRef>
+          <a:effectRef idx="0">
+            <a:schemeClr val="accent1"/>
+          </a:effectRef>
+          <a:fontRef idx="minor">
+            <a:schemeClr val="lt1"/>
+          </a:fontRef>
+        </p:style>
+        <p:txBody>
+          <a:bodyPr rtlCol="0" anchor="ctr"/>
+          <a:lstStyle/>
+          <a:p>
+            <a:pPr algn="ctr"/>
+            <a:r>
+              <a:rPr lang="en-US" dirty="0">
+                <a:solidFill>
+                  <a:schemeClr val="tx1"/>
+                </a:solidFill>
+                <a:latin typeface="Tw Cen MT" panose="020B0602020104020603" pitchFamily="34" charset="0"/>
+              </a:rPr>
+              <a:t>Problem Statement</a:t>
+            </a:r>
+          </a:p>
+        </p:txBody>
+      </p:sp>
+      <p:sp>
+        <p:nvSpPr>
+          <p:cNvPr id="29" name="Rectangle: Top Corners Rounded 28">
+            <a:extLst>
+              <a:ext uri="{FF2B5EF4-FFF2-40B4-BE49-F238E27FC236}">
+                <a16:creationId xmlns="" xmlns:a16="http://schemas.microsoft.com/office/drawing/2014/main" id="{4DE34873-AEF6-7BE4-7709-258D0B911A0A}"/>
+              </a:ext>
+            </a:extLst>
+          </p:cNvPr>
+          <p:cNvSpPr/>
+          <p:nvPr/>
+        </p:nvSpPr>
+        <p:spPr>
+          <a:xfrm>
+            <a:off x="5052411" y="218475"/>
+            <a:ext cx="1724025" cy="455627"/>
+          </a:xfrm>
+          <a:prstGeom prst="round2SameRect">
+            <a:avLst/>
+          </a:prstGeom>
+          <a:solidFill>
+            <a:schemeClr val="bg1">
+              <a:lumMod val="85000"/>
+            </a:schemeClr>
+          </a:solidFill>
+          <a:ln>
+            <a:noFill/>
+          </a:ln>
+        </p:spPr>
+        <p:style>
+          <a:lnRef idx="2">
+            <a:schemeClr val="accent1">
+              <a:shade val="50000"/>
+            </a:schemeClr>
+          </a:lnRef>
+          <a:fillRef idx="1">
+            <a:schemeClr val="accent1"/>
+          </a:fillRef>
+          <a:effectRef idx="0">
+            <a:schemeClr val="accent1"/>
+          </a:effectRef>
+          <a:fontRef idx="minor">
+            <a:schemeClr val="lt1"/>
+          </a:fontRef>
+        </p:style>
+        <p:txBody>
+          <a:bodyPr rtlCol="0" anchor="ctr"/>
+          <a:lstStyle/>
+          <a:p>
+            <a:pPr marL="0" marR="0" lvl="0" indent="0" defTabSz="914400" eaLnBrk="1" fontAlgn="auto" latinLnBrk="0" hangingPunct="1">
+              <a:lnSpc>
+                <a:spcPct val="100000"/>
+              </a:lnSpc>
+              <a:spcBef>
+                <a:spcPts val="0"/>
+              </a:spcBef>
+              <a:spcAft>
+                <a:spcPts val="600"/>
+              </a:spcAft>
+              <a:buClrTx/>
+              <a:buSzTx/>
+              <a:buFontTx/>
+              <a:buNone/>
+              <a:tabLst/>
+              <a:defRPr/>
+            </a:pPr>
+            <a:r>
+              <a:rPr lang="en-US" sz="1800" dirty="0">
+                <a:solidFill>
+                  <a:schemeClr val="tx1"/>
+                </a:solidFill>
+                <a:latin typeface="Tw Cen MT" panose="020B0602020104020603" pitchFamily="34" charset="0"/>
+                <a:cs typeface="Futura Medium" pitchFamily="34" charset="0"/>
+              </a:rPr>
+              <a:t>Business Value</a:t>
+            </a:r>
+          </a:p>
+        </p:txBody>
+      </p:sp>
+      <p:sp>
+        <p:nvSpPr>
+          <p:cNvPr id="30" name="Rectangle: Top Corners Rounded 29">
+            <a:extLst>
+              <a:ext uri="{FF2B5EF4-FFF2-40B4-BE49-F238E27FC236}">
+                <a16:creationId xmlns="" xmlns:a16="http://schemas.microsoft.com/office/drawing/2014/main" id="{EABD930E-EC4D-FC87-DE51-1755E8A451FF}"/>
+              </a:ext>
+            </a:extLst>
+          </p:cNvPr>
+          <p:cNvSpPr/>
+          <p:nvPr/>
+        </p:nvSpPr>
+        <p:spPr>
+          <a:xfrm>
+            <a:off x="6839049" y="218474"/>
+            <a:ext cx="1476276" cy="455627"/>
+          </a:xfrm>
+          <a:prstGeom prst="round2SameRect">
+            <a:avLst/>
+          </a:prstGeom>
+          <a:solidFill>
+            <a:schemeClr val="bg1">
+              <a:lumMod val="85000"/>
+            </a:schemeClr>
+          </a:solidFill>
+          <a:ln>
+            <a:noFill/>
+          </a:ln>
+        </p:spPr>
+        <p:style>
+          <a:lnRef idx="2">
+            <a:schemeClr val="accent1">
+              <a:shade val="50000"/>
+            </a:schemeClr>
+          </a:lnRef>
+          <a:fillRef idx="1">
+            <a:schemeClr val="accent1"/>
+          </a:fillRef>
+          <a:effectRef idx="0">
+            <a:schemeClr val="accent1"/>
+          </a:effectRef>
+          <a:fontRef idx="minor">
+            <a:schemeClr val="lt1"/>
+          </a:fontRef>
+        </p:style>
+        <p:txBody>
+          <a:bodyPr rtlCol="0" anchor="ctr"/>
+          <a:lstStyle/>
+          <a:p>
+            <a:pPr algn="ctr"/>
+            <a:r>
+              <a:rPr lang="en-US" dirty="0">
+                <a:solidFill>
+                  <a:schemeClr val="tx1"/>
+                </a:solidFill>
+                <a:latin typeface="Tw Cen MT" panose="020B0602020104020603" pitchFamily="34" charset="0"/>
+              </a:rPr>
+              <a:t>Methodology</a:t>
+            </a:r>
+          </a:p>
+        </p:txBody>
+      </p:sp>
+      <p:sp>
+        <p:nvSpPr>
+          <p:cNvPr id="31" name="Rectangle: Top Corners Rounded 30">
+            <a:extLst>
+              <a:ext uri="{FF2B5EF4-FFF2-40B4-BE49-F238E27FC236}">
+                <a16:creationId xmlns="" xmlns:a16="http://schemas.microsoft.com/office/drawing/2014/main" id="{251E5167-E325-521D-7B14-EDE8C2470DB4}"/>
+              </a:ext>
+            </a:extLst>
+          </p:cNvPr>
+          <p:cNvSpPr/>
+          <p:nvPr/>
+        </p:nvSpPr>
+        <p:spPr>
+          <a:xfrm>
+            <a:off x="0" y="218473"/>
+            <a:ext cx="2423687" cy="459772"/>
+          </a:xfrm>
+          <a:prstGeom prst="round2SameRect">
+            <a:avLst/>
+          </a:prstGeom>
+          <a:solidFill>
+            <a:schemeClr val="bg1">
+              <a:lumMod val="85000"/>
+            </a:schemeClr>
+          </a:solidFill>
+          <a:ln>
+            <a:noFill/>
+          </a:ln>
+        </p:spPr>
+        <p:style>
+          <a:lnRef idx="2">
+            <a:schemeClr val="accent1">
+              <a:shade val="50000"/>
+            </a:schemeClr>
+          </a:lnRef>
+          <a:fillRef idx="1">
+            <a:schemeClr val="accent1"/>
+          </a:fillRef>
+          <a:effectRef idx="0">
+            <a:schemeClr val="accent1"/>
+          </a:effectRef>
+          <a:fontRef idx="minor">
+            <a:schemeClr val="lt1"/>
+          </a:fontRef>
+        </p:style>
+        <p:txBody>
+          <a:bodyPr rtlCol="0" anchor="ctr"/>
+          <a:lstStyle/>
+          <a:p>
+            <a:pPr algn="ctr"/>
+            <a:r>
+              <a:rPr lang="en-US" dirty="0">
+                <a:solidFill>
+                  <a:schemeClr val="tx1"/>
+                </a:solidFill>
+                <a:latin typeface="Tw Cen MT" panose="020B0602020104020603" pitchFamily="34" charset="0"/>
+              </a:rPr>
+              <a:t>Agenda</a:t>
+            </a:r>
+          </a:p>
+        </p:txBody>
+      </p:sp>
+      <p:cxnSp>
+        <p:nvCxnSpPr>
+          <p:cNvPr id="33" name="Straight Connector 32">
+            <a:extLst>
+              <a:ext uri="{FF2B5EF4-FFF2-40B4-BE49-F238E27FC236}">
+                <a16:creationId xmlns="" xmlns:a16="http://schemas.microsoft.com/office/drawing/2014/main" id="{C892D952-6FFB-3691-344D-2591A3ACD780}"/>
+              </a:ext>
+            </a:extLst>
+          </p:cNvPr>
+          <p:cNvCxnSpPr/>
+          <p:nvPr/>
+        </p:nvCxnSpPr>
+        <p:spPr>
+          <a:xfrm>
+            <a:off x="0" y="674100"/>
+            <a:ext cx="12192000" cy="0"/>
+          </a:xfrm>
+          <a:prstGeom prst="line">
+            <a:avLst/>
+          </a:prstGeom>
+          <a:ln>
+            <a:solidFill>
+              <a:srgbClr val="00B050"/>
+            </a:solidFill>
+          </a:ln>
+        </p:spPr>
+        <p:style>
+          <a:lnRef idx="1">
+            <a:schemeClr val="accent1"/>
+          </a:lnRef>
+          <a:fillRef idx="0">
+            <a:schemeClr val="accent1"/>
+          </a:fillRef>
+          <a:effectRef idx="0">
+            <a:schemeClr val="accent1"/>
+          </a:effectRef>
+          <a:fontRef idx="minor">
+            <a:schemeClr val="tx1"/>
+          </a:fontRef>
+        </p:style>
+      </p:cxnSp>
+      <p:sp>
+        <p:nvSpPr>
+          <p:cNvPr id="34" name="Rectangle: Top Corners Rounded 33">
+            <a:extLst>
+              <a:ext uri="{FF2B5EF4-FFF2-40B4-BE49-F238E27FC236}">
+                <a16:creationId xmlns="" xmlns:a16="http://schemas.microsoft.com/office/drawing/2014/main" id="{F0F32C19-08B7-4E12-DAA0-93B362DC1729}"/>
+              </a:ext>
+            </a:extLst>
+          </p:cNvPr>
+          <p:cNvSpPr/>
+          <p:nvPr/>
+        </p:nvSpPr>
+        <p:spPr>
+          <a:xfrm>
+            <a:off x="8377939" y="-1"/>
+            <a:ext cx="3846720" cy="674101"/>
+          </a:xfrm>
+          <a:prstGeom prst="round2SameRect">
+            <a:avLst/>
+          </a:prstGeom>
+          <a:solidFill>
+            <a:srgbClr val="00B050"/>
+          </a:solidFill>
+          <a:ln>
+            <a:noFill/>
+          </a:ln>
+        </p:spPr>
+        <p:style>
+          <a:lnRef idx="2">
+            <a:schemeClr val="accent1">
+              <a:shade val="50000"/>
+            </a:schemeClr>
+          </a:lnRef>
+          <a:fillRef idx="1">
+            <a:schemeClr val="accent1"/>
+          </a:fillRef>
+          <a:effectRef idx="0">
+            <a:schemeClr val="accent1"/>
+          </a:effectRef>
+          <a:fontRef idx="minor">
+            <a:schemeClr val="lt1"/>
+          </a:fontRef>
+        </p:style>
+        <p:txBody>
+          <a:bodyPr rtlCol="0" anchor="ctr"/>
+          <a:lstStyle/>
+          <a:p>
+            <a:pPr algn="ctr"/>
+            <a:r>
+              <a:rPr lang="en-US" b="1" dirty="0" smtClean="0">
+                <a:solidFill>
+                  <a:schemeClr val="bg1"/>
+                </a:solidFill>
+                <a:latin typeface="Tw Cen MT" panose="020B0602020104020603" pitchFamily="34" charset="0"/>
+              </a:rPr>
+              <a:t>Recommendations</a:t>
+            </a:r>
+            <a:endParaRPr lang="en-US" b="1" dirty="0">
+              <a:solidFill>
+                <a:schemeClr val="bg1"/>
+              </a:solidFill>
+              <a:latin typeface="Tw Cen MT" panose="020B0602020104020603" pitchFamily="34" charset="0"/>
+            </a:endParaRPr>
+          </a:p>
+        </p:txBody>
+      </p:sp>
+      <p:sp>
+        <p:nvSpPr>
+          <p:cNvPr id="7" name="TextBox 6">
+            <a:extLst>
+              <a:ext uri="{FF2B5EF4-FFF2-40B4-BE49-F238E27FC236}">
+                <a16:creationId xmlns="" xmlns:a16="http://schemas.microsoft.com/office/drawing/2014/main" id="{7954481F-D7D6-CBBB-7709-19392282C331}"/>
+              </a:ext>
+            </a:extLst>
+          </p:cNvPr>
+          <p:cNvSpPr txBox="1"/>
+          <p:nvPr/>
+        </p:nvSpPr>
+        <p:spPr>
+          <a:xfrm>
+            <a:off x="0" y="792853"/>
+            <a:ext cx="12348482" cy="4031873"/>
+          </a:xfrm>
+          <a:prstGeom prst="rect">
+            <a:avLst/>
+          </a:prstGeom>
+          <a:noFill/>
+        </p:spPr>
+        <p:txBody>
+          <a:bodyPr wrap="square">
+            <a:spAutoFit/>
+          </a:bodyPr>
+          <a:lstStyle/>
+          <a:p>
+            <a:r>
+              <a:rPr lang="en-US" sz="1600" dirty="0" smtClean="0">
+                <a:latin typeface="Tw Cen MT" panose="020B0602020104020603" pitchFamily="34" charset="0"/>
+              </a:rPr>
+              <a:t>From the admissions </a:t>
+            </a:r>
+            <a:r>
+              <a:rPr lang="en-US" sz="1600" dirty="0" smtClean="0">
+                <a:latin typeface="Tw Cen MT" panose="020B0602020104020603" pitchFamily="34" charset="0"/>
+              </a:rPr>
+              <a:t>data:</a:t>
+            </a:r>
+          </a:p>
+          <a:p>
+            <a:pPr marL="342900" indent="-342900">
+              <a:buAutoNum type="arabicPeriod"/>
+            </a:pPr>
+            <a:r>
+              <a:rPr lang="en-US" sz="1600" dirty="0" smtClean="0">
+                <a:latin typeface="Tw Cen MT" panose="020B0602020104020603" pitchFamily="34" charset="0"/>
+              </a:rPr>
+              <a:t>The </a:t>
+            </a:r>
+            <a:r>
+              <a:rPr lang="en-US" sz="1600" dirty="0" smtClean="0">
+                <a:latin typeface="Tw Cen MT" panose="020B0602020104020603" pitchFamily="34" charset="0"/>
+              </a:rPr>
+              <a:t>following should be considered as a risky population when diagnosed with heart </a:t>
+            </a:r>
+            <a:r>
+              <a:rPr lang="en-US" sz="1600" dirty="0" smtClean="0">
+                <a:latin typeface="Tw Cen MT" panose="020B0602020104020603" pitchFamily="34" charset="0"/>
+              </a:rPr>
+              <a:t>conditions:</a:t>
+            </a:r>
+          </a:p>
+          <a:p>
+            <a:pPr marL="285750" indent="-285750">
+              <a:buFont typeface="Wingdings" panose="05000000000000000000" pitchFamily="2" charset="2"/>
+              <a:buChar char="Ø"/>
+            </a:pPr>
+            <a:r>
+              <a:rPr lang="en-US" sz="1600" dirty="0" smtClean="0">
+                <a:latin typeface="Tw Cen MT" panose="020B0602020104020603" pitchFamily="34" charset="0"/>
+              </a:rPr>
+              <a:t>Males </a:t>
+            </a:r>
+            <a:r>
+              <a:rPr lang="en-US" sz="1600" dirty="0" smtClean="0">
+                <a:latin typeface="Tw Cen MT" panose="020B0602020104020603" pitchFamily="34" charset="0"/>
+              </a:rPr>
+              <a:t>aged over 60 are at a higher risk of long-term admission and death. </a:t>
+            </a:r>
+          </a:p>
+          <a:p>
+            <a:pPr marL="285750" indent="-285750">
+              <a:buFont typeface="Wingdings" panose="05000000000000000000" pitchFamily="2" charset="2"/>
+              <a:buChar char="Ø"/>
+            </a:pPr>
+            <a:r>
+              <a:rPr lang="en-US" sz="1600" dirty="0">
+                <a:latin typeface="Tw Cen MT" panose="020B0602020104020603" pitchFamily="34" charset="0"/>
+              </a:rPr>
+              <a:t>Populations with heart conditions with pre-existing conditions like diabetes, chronic kidney disease are equally at a higher risk of death and long-term admission.</a:t>
+            </a:r>
+          </a:p>
+          <a:p>
+            <a:r>
+              <a:rPr lang="en-US" sz="1600" dirty="0" smtClean="0">
+                <a:latin typeface="Tw Cen MT" panose="020B0602020104020603" pitchFamily="34" charset="0"/>
+              </a:rPr>
+              <a:t>These </a:t>
+            </a:r>
+            <a:r>
+              <a:rPr lang="en-US" sz="1600" dirty="0">
+                <a:latin typeface="Tw Cen MT" panose="020B0602020104020603" pitchFamily="34" charset="0"/>
+              </a:rPr>
+              <a:t>populations should engage in regular preventive checks to reduce risk.</a:t>
+            </a:r>
+          </a:p>
+          <a:p>
+            <a:pPr marL="342900" indent="-342900">
+              <a:buAutoNum type="arabicPeriod" startAt="2"/>
+            </a:pPr>
+            <a:r>
+              <a:rPr lang="en-US" sz="1600" dirty="0" smtClean="0">
+                <a:latin typeface="Tw Cen MT" panose="020B0602020104020603" pitchFamily="34" charset="0"/>
+              </a:rPr>
+              <a:t>Early </a:t>
+            </a:r>
+            <a:r>
+              <a:rPr lang="en-US" sz="1600" dirty="0">
+                <a:latin typeface="Tw Cen MT" panose="020B0602020104020603" pitchFamily="34" charset="0"/>
+              </a:rPr>
+              <a:t>intensive care leads to lower chances of death. </a:t>
+            </a:r>
+            <a:endParaRPr lang="en-US" sz="1600" dirty="0" smtClean="0">
+              <a:latin typeface="Tw Cen MT" panose="020B0602020104020603" pitchFamily="34" charset="0"/>
+            </a:endParaRPr>
+          </a:p>
+          <a:p>
+            <a:pPr marL="285750" indent="-285750">
+              <a:buFont typeface="Wingdings" panose="05000000000000000000" pitchFamily="2" charset="2"/>
+              <a:buChar char="Ø"/>
+            </a:pPr>
+            <a:r>
+              <a:rPr lang="en-US" sz="1600" dirty="0">
+                <a:latin typeface="Tw Cen MT" panose="020B0602020104020603" pitchFamily="34" charset="0"/>
+              </a:rPr>
+              <a:t>Populations with heart conditions </a:t>
+            </a:r>
+            <a:r>
+              <a:rPr lang="en-US" sz="1600" dirty="0">
+                <a:latin typeface="Tw Cen MT" panose="020B0602020104020603" pitchFamily="34" charset="0"/>
+              </a:rPr>
+              <a:t>should seek medical help in good time. This will lead to reduced deaths from heart conditions, more so if the patient has pre-existing conditions.</a:t>
+            </a:r>
+          </a:p>
+          <a:p>
+            <a:pPr marL="342900" indent="-342900">
+              <a:buAutoNum type="arabicPeriod" startAt="3"/>
+            </a:pPr>
+            <a:r>
+              <a:rPr lang="en-US" sz="1600" dirty="0" smtClean="0">
+                <a:latin typeface="Tw Cen MT" panose="020B0602020104020603" pitchFamily="34" charset="0"/>
+              </a:rPr>
+              <a:t>There was a steady decrease in deaths from heart conditions in 2019. There was equally a similar drop in admissions in 2019 compared to the previous years showing that the cause was not related to medical services. A review should be done on what caused the downward drift and policy be aligned to it. </a:t>
+            </a:r>
+          </a:p>
+          <a:p>
+            <a:pPr marL="342900" indent="-342900">
+              <a:buAutoNum type="arabicPeriod" startAt="3"/>
+            </a:pPr>
+            <a:r>
+              <a:rPr lang="en-US" sz="1600" dirty="0" smtClean="0">
+                <a:latin typeface="Tw Cen MT" panose="020B0602020104020603" pitchFamily="34" charset="0"/>
+              </a:rPr>
+              <a:t>Medical service practitioners and hospitals should ensure that heart patients are elevated to intensive care immediately there is need. The data shows that the </a:t>
+            </a:r>
+            <a:r>
+              <a:rPr lang="en-US" sz="1600" dirty="0">
+                <a:latin typeface="Tw Cen MT" panose="020B0602020104020603" pitchFamily="34" charset="0"/>
+              </a:rPr>
+              <a:t>earlier the patient is elevated into ICU, the higher the chances of </a:t>
+            </a:r>
+            <a:r>
+              <a:rPr lang="en-US" sz="1600" dirty="0" smtClean="0">
+                <a:latin typeface="Tw Cen MT" panose="020B0602020104020603" pitchFamily="34" charset="0"/>
+              </a:rPr>
+              <a:t>discharge and the lower the chances of death. </a:t>
+            </a:r>
+          </a:p>
+          <a:p>
+            <a:pPr marL="342900" indent="-342900">
+              <a:buAutoNum type="arabicPeriod" startAt="2"/>
+            </a:pPr>
+            <a:endParaRPr lang="en-US" sz="1600" dirty="0">
+              <a:latin typeface="Tw Cen MT" panose="020B0602020104020603" pitchFamily="34" charset="0"/>
+            </a:endParaRPr>
+          </a:p>
+          <a:p>
+            <a:endParaRPr lang="en-US" sz="1600" dirty="0">
+              <a:latin typeface="Tw Cen MT" panose="020B0602020104020603" pitchFamily="34" charset="0"/>
+            </a:endParaRPr>
+          </a:p>
+        </p:txBody>
+      </p:sp>
+      <p:sp>
+        <p:nvSpPr>
+          <p:cNvPr id="9" name="Rectangle 8"/>
+          <p:cNvSpPr/>
+          <p:nvPr/>
+        </p:nvSpPr>
+        <p:spPr>
+          <a:xfrm>
+            <a:off x="9923813" y="6264233"/>
+            <a:ext cx="2268187" cy="593767"/>
+          </a:xfrm>
+          <a:prstGeom prst="rect">
+            <a:avLst/>
+          </a:prstGeom>
+          <a:solidFill>
+            <a:schemeClr val="bg1"/>
+          </a:solidFill>
+          <a:ln>
+            <a:noFill/>
+          </a:ln>
+        </p:spPr>
+        <p:style>
+          <a:lnRef idx="2">
+            <a:schemeClr val="accent1">
+              <a:shade val="50000"/>
+            </a:schemeClr>
+          </a:lnRef>
+          <a:fillRef idx="1">
+            <a:schemeClr val="accent1"/>
+          </a:fillRef>
+          <a:effectRef idx="0">
+            <a:schemeClr val="accent1"/>
+          </a:effectRef>
+          <a:fontRef idx="minor">
+            <a:schemeClr val="lt1"/>
+          </a:fontRef>
+        </p:style>
+        <p:txBody>
+          <a:bodyPr rtlCol="0" anchor="ctr"/>
+          <a:lstStyle/>
+          <a:p>
+            <a:pPr algn="ctr"/>
+            <a:endParaRPr lang="en-US"/>
+          </a:p>
+        </p:txBody>
+      </p:sp>
+    </p:spTree>
+    <p:extLst>
+      <p:ext uri="{BB962C8B-B14F-4D97-AF65-F5344CB8AC3E}">
+        <p14:creationId xmlns:p14="http://schemas.microsoft.com/office/powerpoint/2010/main" val="2536308670"/>
+      </p:ext>
+    </p:extLst>
+  </p:cSld>
+  <p:clrMapOvr>
+    <a:masterClrMapping/>
+  </p:clrMapOvr>
+</p:sld>
+</file>
+
+<file path=ppt/slides/slide14.xml><?xml version="1.0" encoding="utf-8"?>
+<p:sld xmlns:a="http://schemas.openxmlformats.org/drawingml/2006/main" xmlns:r="http://schemas.openxmlformats.org/officeDocument/2006/relationships" xmlns:p="http://schemas.openxmlformats.org/presentationml/2006/main">
+  <p:cSld>
+    <p:spTree>
+      <p:nvGrpSpPr>
+        <p:cNvPr id="1" name=""/>
+        <p:cNvGrpSpPr/>
+        <p:nvPr/>
+      </p:nvGrpSpPr>
+      <p:grpSpPr>
+        <a:xfrm>
+          <a:off x="0" y="0"/>
+          <a:ext cx="0" cy="0"/>
+          <a:chOff x="0" y="0"/>
+          <a:chExt cx="0" cy="0"/>
+        </a:xfrm>
+      </p:grpSpPr>
+      <p:sp>
+        <p:nvSpPr>
+          <p:cNvPr id="28" name="Rectangle: Top Corners Rounded 27">
+            <a:extLst>
+              <a:ext uri="{FF2B5EF4-FFF2-40B4-BE49-F238E27FC236}">
+                <a16:creationId xmlns:a16="http://schemas.microsoft.com/office/drawing/2014/main" xmlns="" id="{1CE2ED4F-4BB8-71A1-53D8-A231DAD03F47}"/>
+              </a:ext>
+            </a:extLst>
+          </p:cNvPr>
+          <p:cNvSpPr/>
+          <p:nvPr/>
+        </p:nvSpPr>
+        <p:spPr>
+          <a:xfrm>
+            <a:off x="2456345" y="222617"/>
+            <a:ext cx="2563408" cy="455627"/>
+          </a:xfrm>
+          <a:prstGeom prst="round2SameRect">
+            <a:avLst/>
+          </a:prstGeom>
+          <a:solidFill>
+            <a:schemeClr val="bg1">
+              <a:lumMod val="85000"/>
+            </a:schemeClr>
+          </a:solidFill>
+          <a:ln>
+            <a:noFill/>
+          </a:ln>
+        </p:spPr>
+        <p:style>
+          <a:lnRef idx="2">
+            <a:schemeClr val="accent1">
+              <a:shade val="50000"/>
+            </a:schemeClr>
+          </a:lnRef>
+          <a:fillRef idx="1">
+            <a:schemeClr val="accent1"/>
+          </a:fillRef>
+          <a:effectRef idx="0">
+            <a:schemeClr val="accent1"/>
+          </a:effectRef>
+          <a:fontRef idx="minor">
+            <a:schemeClr val="lt1"/>
+          </a:fontRef>
+        </p:style>
+        <p:txBody>
+          <a:bodyPr rtlCol="0" anchor="ctr"/>
+          <a:lstStyle/>
+          <a:p>
+            <a:pPr algn="ctr"/>
+            <a:r>
+              <a:rPr lang="en-US" dirty="0">
+                <a:solidFill>
+                  <a:schemeClr val="tx1"/>
+                </a:solidFill>
+                <a:latin typeface="Tw Cen MT" panose="020B0602020104020603" pitchFamily="34" charset="0"/>
+              </a:rPr>
+              <a:t>Problem Statement</a:t>
+            </a:r>
+          </a:p>
+        </p:txBody>
+      </p:sp>
+      <p:sp>
+        <p:nvSpPr>
+          <p:cNvPr id="29" name="Rectangle: Top Corners Rounded 28">
+            <a:extLst>
+              <a:ext uri="{FF2B5EF4-FFF2-40B4-BE49-F238E27FC236}">
+                <a16:creationId xmlns:a16="http://schemas.microsoft.com/office/drawing/2014/main" xmlns="" id="{4DE34873-AEF6-7BE4-7709-258D0B911A0A}"/>
+              </a:ext>
+            </a:extLst>
+          </p:cNvPr>
+          <p:cNvSpPr/>
+          <p:nvPr/>
+        </p:nvSpPr>
+        <p:spPr>
+          <a:xfrm>
+            <a:off x="5052411" y="218475"/>
+            <a:ext cx="1724025" cy="455627"/>
+          </a:xfrm>
+          <a:prstGeom prst="round2SameRect">
+            <a:avLst/>
+          </a:prstGeom>
+          <a:solidFill>
+            <a:schemeClr val="bg1">
+              <a:lumMod val="85000"/>
+            </a:schemeClr>
+          </a:solidFill>
+          <a:ln>
+            <a:noFill/>
+          </a:ln>
+        </p:spPr>
+        <p:style>
+          <a:lnRef idx="2">
+            <a:schemeClr val="accent1">
+              <a:shade val="50000"/>
+            </a:schemeClr>
+          </a:lnRef>
+          <a:fillRef idx="1">
+            <a:schemeClr val="accent1"/>
+          </a:fillRef>
+          <a:effectRef idx="0">
+            <a:schemeClr val="accent1"/>
+          </a:effectRef>
+          <a:fontRef idx="minor">
+            <a:schemeClr val="lt1"/>
+          </a:fontRef>
+        </p:style>
+        <p:txBody>
+          <a:bodyPr rtlCol="0" anchor="ctr"/>
+          <a:lstStyle/>
+          <a:p>
+            <a:pPr marL="0" marR="0" lvl="0" indent="0" defTabSz="914400" eaLnBrk="1" fontAlgn="auto" latinLnBrk="0" hangingPunct="1">
+              <a:lnSpc>
+                <a:spcPct val="100000"/>
+              </a:lnSpc>
+              <a:spcBef>
+                <a:spcPts val="0"/>
+              </a:spcBef>
+              <a:spcAft>
+                <a:spcPts val="600"/>
+              </a:spcAft>
+              <a:buClrTx/>
+              <a:buSzTx/>
+              <a:buFontTx/>
+              <a:buNone/>
+              <a:tabLst/>
+              <a:defRPr/>
+            </a:pPr>
+            <a:r>
+              <a:rPr lang="en-US" sz="1800" dirty="0">
+                <a:solidFill>
+                  <a:schemeClr val="tx1"/>
+                </a:solidFill>
+                <a:latin typeface="Tw Cen MT" panose="020B0602020104020603" pitchFamily="34" charset="0"/>
+                <a:cs typeface="Futura Medium" pitchFamily="34" charset="0"/>
+              </a:rPr>
+              <a:t>Business Value</a:t>
+            </a:r>
+          </a:p>
+        </p:txBody>
+      </p:sp>
+      <p:sp>
+        <p:nvSpPr>
+          <p:cNvPr id="30" name="Rectangle: Top Corners Rounded 29">
+            <a:extLst>
+              <a:ext uri="{FF2B5EF4-FFF2-40B4-BE49-F238E27FC236}">
+                <a16:creationId xmlns:a16="http://schemas.microsoft.com/office/drawing/2014/main" xmlns="" id="{EABD930E-EC4D-FC87-DE51-1755E8A451FF}"/>
+              </a:ext>
+            </a:extLst>
+          </p:cNvPr>
+          <p:cNvSpPr/>
+          <p:nvPr/>
+        </p:nvSpPr>
+        <p:spPr>
+          <a:xfrm>
+            <a:off x="6839049" y="218474"/>
+            <a:ext cx="1476276" cy="455627"/>
+          </a:xfrm>
+          <a:prstGeom prst="round2SameRect">
+            <a:avLst/>
+          </a:prstGeom>
+          <a:solidFill>
+            <a:schemeClr val="bg1">
+              <a:lumMod val="85000"/>
+            </a:schemeClr>
+          </a:solidFill>
+          <a:ln>
+            <a:noFill/>
+          </a:ln>
+        </p:spPr>
+        <p:style>
+          <a:lnRef idx="2">
+            <a:schemeClr val="accent1">
+              <a:shade val="50000"/>
+            </a:schemeClr>
+          </a:lnRef>
+          <a:fillRef idx="1">
+            <a:schemeClr val="accent1"/>
+          </a:fillRef>
+          <a:effectRef idx="0">
+            <a:schemeClr val="accent1"/>
+          </a:effectRef>
+          <a:fontRef idx="minor">
+            <a:schemeClr val="lt1"/>
+          </a:fontRef>
+        </p:style>
+        <p:txBody>
+          <a:bodyPr rtlCol="0" anchor="ctr"/>
+          <a:lstStyle/>
+          <a:p>
+            <a:pPr algn="ctr"/>
+            <a:r>
+              <a:rPr lang="en-US" dirty="0">
+                <a:solidFill>
+                  <a:schemeClr val="tx1"/>
+                </a:solidFill>
+                <a:latin typeface="Tw Cen MT" panose="020B0602020104020603" pitchFamily="34" charset="0"/>
+              </a:rPr>
+              <a:t>Methodology</a:t>
+            </a:r>
+          </a:p>
+        </p:txBody>
+      </p:sp>
+      <p:sp>
+        <p:nvSpPr>
+          <p:cNvPr id="31" name="Rectangle: Top Corners Rounded 30">
+            <a:extLst>
+              <a:ext uri="{FF2B5EF4-FFF2-40B4-BE49-F238E27FC236}">
+                <a16:creationId xmlns:a16="http://schemas.microsoft.com/office/drawing/2014/main" xmlns="" id="{251E5167-E325-521D-7B14-EDE8C2470DB4}"/>
+              </a:ext>
+            </a:extLst>
+          </p:cNvPr>
+          <p:cNvSpPr/>
+          <p:nvPr/>
+        </p:nvSpPr>
+        <p:spPr>
+          <a:xfrm>
+            <a:off x="0" y="218473"/>
+            <a:ext cx="2423687" cy="459772"/>
+          </a:xfrm>
+          <a:prstGeom prst="round2SameRect">
+            <a:avLst/>
+          </a:prstGeom>
+          <a:solidFill>
+            <a:schemeClr val="bg1">
+              <a:lumMod val="85000"/>
+            </a:schemeClr>
+          </a:solidFill>
+          <a:ln>
+            <a:noFill/>
+          </a:ln>
+        </p:spPr>
+        <p:style>
+          <a:lnRef idx="2">
+            <a:schemeClr val="accent1">
+              <a:shade val="50000"/>
+            </a:schemeClr>
+          </a:lnRef>
+          <a:fillRef idx="1">
+            <a:schemeClr val="accent1"/>
+          </a:fillRef>
+          <a:effectRef idx="0">
+            <a:schemeClr val="accent1"/>
+          </a:effectRef>
+          <a:fontRef idx="minor">
+            <a:schemeClr val="lt1"/>
+          </a:fontRef>
+        </p:style>
+        <p:txBody>
+          <a:bodyPr rtlCol="0" anchor="ctr"/>
+          <a:lstStyle/>
+          <a:p>
+            <a:pPr algn="ctr"/>
+            <a:r>
+              <a:rPr lang="en-US" dirty="0">
+                <a:solidFill>
+                  <a:schemeClr val="tx1"/>
+                </a:solidFill>
+                <a:latin typeface="Tw Cen MT" panose="020B0602020104020603" pitchFamily="34" charset="0"/>
+              </a:rPr>
+              <a:t>Agenda</a:t>
+            </a:r>
+          </a:p>
+        </p:txBody>
+      </p:sp>
+      <p:cxnSp>
+        <p:nvCxnSpPr>
+          <p:cNvPr id="33" name="Straight Connector 32">
+            <a:extLst>
+              <a:ext uri="{FF2B5EF4-FFF2-40B4-BE49-F238E27FC236}">
+                <a16:creationId xmlns:a16="http://schemas.microsoft.com/office/drawing/2014/main" xmlns="" id="{C892D952-6FFB-3691-344D-2591A3ACD780}"/>
+              </a:ext>
+            </a:extLst>
+          </p:cNvPr>
+          <p:cNvCxnSpPr/>
+          <p:nvPr/>
+        </p:nvCxnSpPr>
+        <p:spPr>
+          <a:xfrm>
+            <a:off x="0" y="674100"/>
+            <a:ext cx="12192000" cy="0"/>
+          </a:xfrm>
+          <a:prstGeom prst="line">
+            <a:avLst/>
+          </a:prstGeom>
+          <a:ln>
+            <a:solidFill>
+              <a:srgbClr val="00B050"/>
+            </a:solidFill>
+          </a:ln>
+        </p:spPr>
+        <p:style>
+          <a:lnRef idx="1">
+            <a:schemeClr val="accent1"/>
+          </a:lnRef>
+          <a:fillRef idx="0">
+            <a:schemeClr val="accent1"/>
+          </a:fillRef>
+          <a:effectRef idx="0">
+            <a:schemeClr val="accent1"/>
+          </a:effectRef>
+          <a:fontRef idx="minor">
+            <a:schemeClr val="tx1"/>
+          </a:fontRef>
+        </p:style>
+      </p:cxnSp>
+      <p:sp>
+        <p:nvSpPr>
+          <p:cNvPr id="34" name="Rectangle: Top Corners Rounded 33">
+            <a:extLst>
+              <a:ext uri="{FF2B5EF4-FFF2-40B4-BE49-F238E27FC236}">
+                <a16:creationId xmlns:a16="http://schemas.microsoft.com/office/drawing/2014/main" xmlns="" id="{F0F32C19-08B7-4E12-DAA0-93B362DC1729}"/>
+              </a:ext>
+            </a:extLst>
+          </p:cNvPr>
+          <p:cNvSpPr/>
+          <p:nvPr/>
+        </p:nvSpPr>
+        <p:spPr>
+          <a:xfrm>
+            <a:off x="8377939" y="-1"/>
+            <a:ext cx="3846720" cy="674101"/>
+          </a:xfrm>
+          <a:prstGeom prst="round2SameRect">
+            <a:avLst/>
+          </a:prstGeom>
+          <a:solidFill>
+            <a:srgbClr val="00B050"/>
+          </a:solidFill>
+          <a:ln>
+            <a:noFill/>
+          </a:ln>
+        </p:spPr>
+        <p:style>
+          <a:lnRef idx="2">
+            <a:schemeClr val="accent1">
+              <a:shade val="50000"/>
+            </a:schemeClr>
+          </a:lnRef>
+          <a:fillRef idx="1">
+            <a:schemeClr val="accent1"/>
+          </a:fillRef>
+          <a:effectRef idx="0">
+            <a:schemeClr val="accent1"/>
+          </a:effectRef>
+          <a:fontRef idx="minor">
+            <a:schemeClr val="lt1"/>
+          </a:fontRef>
+        </p:style>
+        <p:txBody>
+          <a:bodyPr rtlCol="0" anchor="ctr"/>
+          <a:lstStyle/>
+          <a:p>
+            <a:pPr algn="ctr"/>
+            <a:r>
+              <a:rPr lang="en-US" b="1" dirty="0" smtClean="0">
+                <a:solidFill>
+                  <a:schemeClr val="bg1"/>
+                </a:solidFill>
+                <a:latin typeface="Tw Cen MT" panose="020B0602020104020603" pitchFamily="34" charset="0"/>
+              </a:rPr>
+              <a:t>Appendix</a:t>
+            </a:r>
+            <a:endParaRPr lang="en-US" b="1" dirty="0">
+              <a:solidFill>
+                <a:schemeClr val="bg1"/>
+              </a:solidFill>
+              <a:latin typeface="Tw Cen MT" panose="020B0602020104020603" pitchFamily="34" charset="0"/>
+            </a:endParaRPr>
+          </a:p>
+        </p:txBody>
+      </p:sp>
+      <p:pic>
+        <p:nvPicPr>
+          <p:cNvPr id="5" name="Graphic 4" descr="Artificial Intelligence with solid fill">
+            <a:extLst>
+              <a:ext uri="{FF2B5EF4-FFF2-40B4-BE49-F238E27FC236}">
+                <a16:creationId xmlns:a16="http://schemas.microsoft.com/office/drawing/2014/main" xmlns="" id="{65AF0F14-1C88-EC4F-FC93-6558A40FEB2C}"/>
+              </a:ext>
+            </a:extLst>
+          </p:cNvPr>
+          <p:cNvPicPr>
+            <a:picLocks noChangeAspect="1"/>
+          </p:cNvPicPr>
+          <p:nvPr/>
+        </p:nvPicPr>
+        <p:blipFill>
+          <a:blip r:embed="rId2" cstate="print">
+            <a:extLst>
+              <a:ext uri="{28A0092B-C50C-407E-A947-70E740481C1C}">
+                <a14:useLocalDpi xmlns:a14="http://schemas.microsoft.com/office/drawing/2010/main" val="0"/>
+              </a:ext>
+              <a:ext uri="{96DAC541-7B7A-43D3-8B79-37D633B846F1}">
+                <asvg:svgBlip xmlns:asvg="http://schemas.microsoft.com/office/drawing/2016/SVG/main" xmlns="" r:embed="rId3"/>
+              </a:ext>
+            </a:extLst>
+          </a:blip>
+          <a:stretch>
+            <a:fillRect/>
+          </a:stretch>
+        </p:blipFill>
+        <p:spPr>
+          <a:xfrm>
+            <a:off x="0" y="4544088"/>
+            <a:ext cx="914400" cy="914400"/>
+          </a:xfrm>
+          <a:prstGeom prst="rect">
+            <a:avLst/>
+          </a:prstGeom>
+        </p:spPr>
+      </p:pic>
+      <p:sp>
+        <p:nvSpPr>
+          <p:cNvPr id="12" name="TextBox 11">
+            <a:extLst>
+              <a:ext uri="{FF2B5EF4-FFF2-40B4-BE49-F238E27FC236}">
+                <a16:creationId xmlns:a16="http://schemas.microsoft.com/office/drawing/2014/main" xmlns="" id="{58203AB3-C5AF-4A89-16B3-075ED80FB692}"/>
+              </a:ext>
+            </a:extLst>
+          </p:cNvPr>
+          <p:cNvSpPr txBox="1"/>
+          <p:nvPr/>
+        </p:nvSpPr>
+        <p:spPr>
+          <a:xfrm>
+            <a:off x="1211843" y="4641766"/>
+            <a:ext cx="10763250" cy="954107"/>
+          </a:xfrm>
+          <a:prstGeom prst="rect">
+            <a:avLst/>
+          </a:prstGeom>
+          <a:noFill/>
+        </p:spPr>
+        <p:txBody>
+          <a:bodyPr wrap="square">
+            <a:spAutoFit/>
+          </a:bodyPr>
+          <a:lstStyle/>
+          <a:p>
+            <a:pPr marL="285750" indent="-285750">
+              <a:buFont typeface="Wingdings" panose="05000000000000000000" pitchFamily="2" charset="2"/>
+              <a:buChar char="Ø"/>
+            </a:pPr>
+            <a:r>
+              <a:rPr lang="en-US" sz="1400" dirty="0" smtClean="0">
+                <a:latin typeface="Tw Cen MT" panose="020B0602020104020603" pitchFamily="34" charset="0"/>
+              </a:rPr>
+              <a:t>Based on the data and insights from this work, Machine Learning </a:t>
+            </a:r>
+            <a:r>
+              <a:rPr lang="en-US" sz="1400" dirty="0">
+                <a:latin typeface="Tw Cen MT" panose="020B0602020104020603" pitchFamily="34" charset="0"/>
+              </a:rPr>
+              <a:t>models can be used to predict in-hospital </a:t>
+            </a:r>
+            <a:r>
+              <a:rPr lang="en-US" sz="1400" dirty="0" smtClean="0">
+                <a:latin typeface="Tw Cen MT" panose="020B0602020104020603" pitchFamily="34" charset="0"/>
+              </a:rPr>
+              <a:t>mortality rates, </a:t>
+            </a:r>
+            <a:r>
+              <a:rPr lang="en-US" sz="1400" dirty="0">
+                <a:latin typeface="Tw Cen MT" panose="020B0602020104020603" pitchFamily="34" charset="0"/>
+              </a:rPr>
+              <a:t>heart failure, and duration of stay using data available at the time of admission to a cardiac care unit. </a:t>
+            </a:r>
+          </a:p>
+          <a:p>
+            <a:endParaRPr lang="en-US" sz="1400" dirty="0">
+              <a:latin typeface="Tw Cen MT" panose="020B0602020104020603" pitchFamily="34" charset="0"/>
+            </a:endParaRPr>
+          </a:p>
+          <a:p>
+            <a:pPr marL="285750" indent="-285750">
+              <a:buFont typeface="Wingdings" panose="05000000000000000000" pitchFamily="2" charset="2"/>
+              <a:buChar char="Ø"/>
+            </a:pPr>
+            <a:r>
+              <a:rPr lang="en-US" sz="1400" dirty="0">
+                <a:latin typeface="Tw Cen MT" panose="020B0602020104020603" pitchFamily="34" charset="0"/>
+              </a:rPr>
+              <a:t>Further, the algorithm can be enhanced to predict outcomes using all available parameters, including demographic and clinical </a:t>
+            </a:r>
+            <a:r>
+              <a:rPr lang="en-US" sz="1400" dirty="0" smtClean="0">
+                <a:latin typeface="Tw Cen MT" panose="020B0602020104020603" pitchFamily="34" charset="0"/>
+              </a:rPr>
+              <a:t>parameters.</a:t>
+            </a:r>
+            <a:endParaRPr lang="en-US" sz="1400" dirty="0">
+              <a:latin typeface="Tw Cen MT" panose="020B0602020104020603" pitchFamily="34" charset="0"/>
+            </a:endParaRPr>
+          </a:p>
+        </p:txBody>
+      </p:sp>
+      <p:sp>
+        <p:nvSpPr>
+          <p:cNvPr id="2" name="Rectangle 1"/>
+          <p:cNvSpPr/>
+          <p:nvPr/>
+        </p:nvSpPr>
+        <p:spPr>
+          <a:xfrm>
+            <a:off x="9923813" y="6264233"/>
+            <a:ext cx="2268187" cy="593767"/>
+          </a:xfrm>
+          <a:prstGeom prst="rect">
+            <a:avLst/>
+          </a:prstGeom>
+          <a:solidFill>
+            <a:schemeClr val="bg1"/>
+          </a:solidFill>
+          <a:ln>
+            <a:noFill/>
+          </a:ln>
+        </p:spPr>
+        <p:style>
+          <a:lnRef idx="2">
+            <a:schemeClr val="accent1">
+              <a:shade val="50000"/>
+            </a:schemeClr>
+          </a:lnRef>
+          <a:fillRef idx="1">
+            <a:schemeClr val="accent1"/>
+          </a:fillRef>
+          <a:effectRef idx="0">
+            <a:schemeClr val="accent1"/>
+          </a:effectRef>
+          <a:fontRef idx="minor">
+            <a:schemeClr val="lt1"/>
+          </a:fontRef>
+        </p:style>
+        <p:txBody>
+          <a:bodyPr rtlCol="0" anchor="ctr"/>
+          <a:lstStyle/>
+          <a:p>
+            <a:pPr algn="ctr"/>
+            <a:endParaRPr lang="en-US"/>
+          </a:p>
+        </p:txBody>
+      </p:sp>
+      <p:sp>
+        <p:nvSpPr>
+          <p:cNvPr id="11" name="TextBox 10">
+            <a:extLst>
+              <a:ext uri="{FF2B5EF4-FFF2-40B4-BE49-F238E27FC236}">
+                <a16:creationId xmlns:a16="http://schemas.microsoft.com/office/drawing/2014/main" xmlns="" id="{B7CC5665-E415-3CEF-827C-B818DCC1D288}"/>
+              </a:ext>
+            </a:extLst>
+          </p:cNvPr>
+          <p:cNvSpPr txBox="1"/>
+          <p:nvPr/>
+        </p:nvSpPr>
+        <p:spPr>
+          <a:xfrm>
+            <a:off x="0" y="4201390"/>
             <a:ext cx="1514599" cy="338554"/>
           </a:xfrm>
           <a:prstGeom prst="rect">
@@ -5189,7 +6963,7 @@
           <p:cNvPr id="13" name="TextBox 12">
             <a:extLst>
               <a:ext uri="{FF2B5EF4-FFF2-40B4-BE49-F238E27FC236}">
-                <a16:creationId xmlns:a16="http://schemas.microsoft.com/office/drawing/2014/main" xmlns="" id="{7954481F-D7D6-CBBB-7709-19392282C331}"/>
+                <a16:creationId xmlns="" xmlns:a16="http://schemas.microsoft.com/office/drawing/2014/main" id="{7954481F-D7D6-CBBB-7709-19392282C331}"/>
               </a:ext>
             </a:extLst>
           </p:cNvPr>
@@ -5199,7 +6973,7 @@
         <p:spPr>
           <a:xfrm>
             <a:off x="137078" y="783688"/>
-            <a:ext cx="12348482" cy="2739211"/>
+            <a:ext cx="12348482" cy="2954655"/>
           </a:xfrm>
           <a:prstGeom prst="rect">
             <a:avLst/>
@@ -5363,23 +7137,31 @@
             </a:r>
           </a:p>
           <a:p>
+            <a:pPr marL="342900" indent="-342900">
+              <a:buAutoNum type="arabicPeriod" startAt="4"/>
+            </a:pPr>
             <a:r>
               <a:rPr lang="en-US" sz="1400" b="1" dirty="0" smtClean="0">
                 <a:latin typeface="Tw Cen MT" panose="020B0602020104020603" pitchFamily="34" charset="0"/>
               </a:rPr>
-              <a:t>4.    Box </a:t>
-            </a:r>
-            <a:r>
-              <a:rPr lang="en-US" sz="1400" b="1" dirty="0">
-                <a:latin typeface="Tw Cen MT" panose="020B0602020104020603" pitchFamily="34" charset="0"/>
-              </a:rPr>
-              <a:t>Plots</a:t>
-            </a:r>
+              <a:t>Heatmaps: </a:t>
+            </a:r>
+            <a:r>
+              <a:rPr lang="en-US" sz="1400" dirty="0" smtClean="0">
+                <a:latin typeface="Tw Cen MT" panose="020B0602020104020603" pitchFamily="34" charset="0"/>
+              </a:rPr>
+              <a:t>Heatmaps were used to uncover patterns, identify trends and identify insights from complex datasets. </a:t>
+            </a:r>
+          </a:p>
+          <a:p>
+            <a:pPr marL="342900" indent="-342900">
+              <a:buAutoNum type="arabicPeriod" startAt="4"/>
+            </a:pPr>
             <a:r>
               <a:rPr lang="en-US" sz="1400" b="1" dirty="0" smtClean="0">
                 <a:latin typeface="Tw Cen MT" panose="020B0602020104020603" pitchFamily="34" charset="0"/>
               </a:rPr>
-              <a:t>:</a:t>
+              <a:t>Line graph: Line graphs were used to convey trends specifically on number of deaths in the period under review.</a:t>
             </a:r>
             <a:endParaRPr lang="en-US" sz="1400" b="1" dirty="0">
               <a:latin typeface="Tw Cen MT" panose="020B0602020104020603" pitchFamily="34" charset="0"/>
@@ -5407,6 +7189,70 @@
 </p:sld>
 </file>
 
+<file path=ppt/slides/slide15.xml><?xml version="1.0" encoding="utf-8"?>
+<p:sld xmlns:a="http://schemas.openxmlformats.org/drawingml/2006/main" xmlns:r="http://schemas.openxmlformats.org/officeDocument/2006/relationships" xmlns:p="http://schemas.openxmlformats.org/presentationml/2006/main">
+  <p:cSld>
+    <p:spTree>
+      <p:nvGrpSpPr>
+        <p:cNvPr id="1" name=""/>
+        <p:cNvGrpSpPr/>
+        <p:nvPr/>
+      </p:nvGrpSpPr>
+      <p:grpSpPr>
+        <a:xfrm>
+          <a:off x="0" y="0"/>
+          <a:ext cx="0" cy="0"/>
+          <a:chOff x="0" y="0"/>
+          <a:chExt cx="0" cy="0"/>
+        </a:xfrm>
+      </p:grpSpPr>
+      <p:sp>
+        <p:nvSpPr>
+          <p:cNvPr id="2" name="Title 1"/>
+          <p:cNvSpPr>
+            <a:spLocks noGrp="1"/>
+          </p:cNvSpPr>
+          <p:nvPr>
+            <p:ph type="ctrTitle"/>
+          </p:nvPr>
+        </p:nvSpPr>
+        <p:spPr>
+          <a:xfrm>
+            <a:off x="1524000" y="1122362"/>
+            <a:ext cx="9144000" cy="3520889"/>
+          </a:xfrm>
+          <a:noFill/>
+          <a:ln>
+            <a:solidFill>
+              <a:srgbClr val="00B050"/>
+            </a:solidFill>
+          </a:ln>
+        </p:spPr>
+        <p:txBody>
+          <a:bodyPr/>
+          <a:lstStyle/>
+          <a:p>
+            <a:r>
+              <a:rPr lang="en-US" b="1" dirty="0" smtClean="0"/>
+              <a:t>THANK YOU</a:t>
+            </a:r>
+            <a:endParaRPr lang="en-US" b="1" dirty="0"/>
+          </a:p>
+        </p:txBody>
+      </p:sp>
+    </p:spTree>
+    <p:extLst>
+      <p:ext uri="{BB962C8B-B14F-4D97-AF65-F5344CB8AC3E}">
+        <p14:creationId xmlns:p14="http://schemas.microsoft.com/office/powerpoint/2010/main" val="1579807060"/>
+      </p:ext>
+    </p:extLst>
+  </p:cSld>
+  <p:clrMapOvr>
+    <a:masterClrMapping/>
+  </p:clrMapOvr>
+</p:sld>
+</file>
+
 <file path=ppt/slides/slide2.xml><?xml version="1.0" encoding="utf-8"?>
 <p:sld xmlns:a="http://schemas.openxmlformats.org/drawingml/2006/main" xmlns:r="http://schemas.openxmlformats.org/officeDocument/2006/relationships" xmlns:p="http://schemas.openxmlformats.org/presentationml/2006/main">
   <p:cSld>
@@ -5429,7 +7275,7 @@
           <p:cNvPr id="7" name="TextBox 6">
             <a:extLst>
               <a:ext uri="{FF2B5EF4-FFF2-40B4-BE49-F238E27FC236}">
-                <a16:creationId xmlns="" xmlns:a16="http://schemas.microsoft.com/office/drawing/2014/main" id="{AFDBAAD0-A562-EB66-645C-34E2148FF206}"/>
+                <a16:creationId xmlns:a16="http://schemas.microsoft.com/office/drawing/2014/main" xmlns="" id="{AFDBAAD0-A562-EB66-645C-34E2148FF206}"/>
               </a:ext>
             </a:extLst>
           </p:cNvPr>
@@ -5497,7 +7343,7 @@
           <p:cNvPr id="12" name="TextBox 11">
             <a:extLst>
               <a:ext uri="{FF2B5EF4-FFF2-40B4-BE49-F238E27FC236}">
-                <a16:creationId xmlns="" xmlns:a16="http://schemas.microsoft.com/office/drawing/2014/main" id="{AEF011BB-0147-D301-7965-5FA0D002E293}"/>
+                <a16:creationId xmlns:a16="http://schemas.microsoft.com/office/drawing/2014/main" xmlns="" id="{AEF011BB-0147-D301-7965-5FA0D002E293}"/>
               </a:ext>
             </a:extLst>
           </p:cNvPr>
@@ -5558,7 +7404,7 @@
           <p:cNvPr id="28" name="Rectangle: Top Corners Rounded 27">
             <a:extLst>
               <a:ext uri="{FF2B5EF4-FFF2-40B4-BE49-F238E27FC236}">
-                <a16:creationId xmlns="" xmlns:a16="http://schemas.microsoft.com/office/drawing/2014/main" id="{1CE2ED4F-4BB8-71A1-53D8-A231DAD03F47}"/>
+                <a16:creationId xmlns:a16="http://schemas.microsoft.com/office/drawing/2014/main" xmlns="" id="{1CE2ED4F-4BB8-71A1-53D8-A231DAD03F47}"/>
               </a:ext>
             </a:extLst>
           </p:cNvPr>
@@ -5620,7 +7466,7 @@
           <p:cNvPr id="29" name="Rectangle: Top Corners Rounded 28">
             <a:extLst>
               <a:ext uri="{FF2B5EF4-FFF2-40B4-BE49-F238E27FC236}">
-                <a16:creationId xmlns="" xmlns:a16="http://schemas.microsoft.com/office/drawing/2014/main" id="{4DE34873-AEF6-7BE4-7709-258D0B911A0A}"/>
+                <a16:creationId xmlns:a16="http://schemas.microsoft.com/office/drawing/2014/main" xmlns="" id="{4DE34873-AEF6-7BE4-7709-258D0B911A0A}"/>
               </a:ext>
             </a:extLst>
           </p:cNvPr>
@@ -5699,7 +7545,7 @@
           <p:cNvPr id="30" name="Rectangle: Top Corners Rounded 29">
             <a:extLst>
               <a:ext uri="{FF2B5EF4-FFF2-40B4-BE49-F238E27FC236}">
-                <a16:creationId xmlns="" xmlns:a16="http://schemas.microsoft.com/office/drawing/2014/main" id="{EABD930E-EC4D-FC87-DE51-1755E8A451FF}"/>
+                <a16:creationId xmlns:a16="http://schemas.microsoft.com/office/drawing/2014/main" xmlns="" id="{EABD930E-EC4D-FC87-DE51-1755E8A451FF}"/>
               </a:ext>
             </a:extLst>
           </p:cNvPr>
@@ -5761,7 +7607,7 @@
           <p:cNvPr id="31" name="Rectangle: Top Corners Rounded 30">
             <a:extLst>
               <a:ext uri="{FF2B5EF4-FFF2-40B4-BE49-F238E27FC236}">
-                <a16:creationId xmlns="" xmlns:a16="http://schemas.microsoft.com/office/drawing/2014/main" id="{251E5167-E325-521D-7B14-EDE8C2470DB4}"/>
+                <a16:creationId xmlns:a16="http://schemas.microsoft.com/office/drawing/2014/main" xmlns="" id="{251E5167-E325-521D-7B14-EDE8C2470DB4}"/>
               </a:ext>
             </a:extLst>
           </p:cNvPr>
@@ -5818,7 +7664,7 @@
           <p:cNvPr id="33" name="Straight Connector 32">
             <a:extLst>
               <a:ext uri="{FF2B5EF4-FFF2-40B4-BE49-F238E27FC236}">
-                <a16:creationId xmlns="" xmlns:a16="http://schemas.microsoft.com/office/drawing/2014/main" id="{C892D952-6FFB-3691-344D-2591A3ACD780}"/>
+                <a16:creationId xmlns:a16="http://schemas.microsoft.com/office/drawing/2014/main" xmlns="" id="{C892D952-6FFB-3691-344D-2591A3ACD780}"/>
               </a:ext>
             </a:extLst>
           </p:cNvPr>
@@ -5859,7 +7705,7 @@
           <p:cNvPr id="34" name="Rectangle: Top Corners Rounded 33">
             <a:extLst>
               <a:ext uri="{FF2B5EF4-FFF2-40B4-BE49-F238E27FC236}">
-                <a16:creationId xmlns="" xmlns:a16="http://schemas.microsoft.com/office/drawing/2014/main" id="{F0F32C19-08B7-4E12-DAA0-93B362DC1729}"/>
+                <a16:creationId xmlns:a16="http://schemas.microsoft.com/office/drawing/2014/main" xmlns="" id="{F0F32C19-08B7-4E12-DAA0-93B362DC1729}"/>
               </a:ext>
             </a:extLst>
           </p:cNvPr>
@@ -5927,7 +7773,7 @@
           <p:cNvPr id="32" name="TextBox 31">
             <a:extLst>
               <a:ext uri="{FF2B5EF4-FFF2-40B4-BE49-F238E27FC236}">
-                <a16:creationId xmlns="" xmlns:a16="http://schemas.microsoft.com/office/drawing/2014/main" id="{EAE11449-4141-C171-2AEC-197543FE04E1}"/>
+                <a16:creationId xmlns:a16="http://schemas.microsoft.com/office/drawing/2014/main" xmlns="" id="{EAE11449-4141-C171-2AEC-197543FE04E1}"/>
               </a:ext>
             </a:extLst>
           </p:cNvPr>
@@ -5996,7 +7842,7 @@
           <p:cNvPr id="35" name="Graphic 34" descr="Radioactive outline">
             <a:extLst>
               <a:ext uri="{FF2B5EF4-FFF2-40B4-BE49-F238E27FC236}">
-                <a16:creationId xmlns="" xmlns:a16="http://schemas.microsoft.com/office/drawing/2014/main" id="{45C670B3-6994-1136-590B-46DBCD24B5C2}"/>
+                <a16:creationId xmlns:a16="http://schemas.microsoft.com/office/drawing/2014/main" xmlns="" id="{45C670B3-6994-1136-590B-46DBCD24B5C2}"/>
               </a:ext>
             </a:extLst>
           </p:cNvPr>
@@ -6012,7 +7858,7 @@
                 <a14:useLocalDpi xmlns:a14="http://schemas.microsoft.com/office/drawing/2010/main" val="0"/>
               </a:ext>
               <a:ext uri="{96DAC541-7B7A-43D3-8B79-37D633B846F1}">
-                <asvg:svgBlip xmlns="" xmlns:asvg="http://schemas.microsoft.com/office/drawing/2016/SVG/main" r:embed="rId3"/>
+                <asvg:svgBlip xmlns:asvg="http://schemas.microsoft.com/office/drawing/2016/SVG/main" xmlns="" r:embed="rId3"/>
               </a:ext>
             </a:extLst>
           </a:blip>
@@ -6035,7 +7881,7 @@
           <p:cNvPr id="41" name="Graphic 40" descr="Blog outline">
             <a:extLst>
               <a:ext uri="{FF2B5EF4-FFF2-40B4-BE49-F238E27FC236}">
-                <a16:creationId xmlns="" xmlns:a16="http://schemas.microsoft.com/office/drawing/2014/main" id="{EE8F2092-2552-79DF-AD4E-F5BE3033C538}"/>
+                <a16:creationId xmlns:a16="http://schemas.microsoft.com/office/drawing/2014/main" xmlns="" id="{EE8F2092-2552-79DF-AD4E-F5BE3033C538}"/>
               </a:ext>
             </a:extLst>
           </p:cNvPr>
@@ -6051,7 +7897,7 @@
                 <a14:useLocalDpi xmlns:a14="http://schemas.microsoft.com/office/drawing/2010/main" val="0"/>
               </a:ext>
               <a:ext uri="{96DAC541-7B7A-43D3-8B79-37D633B846F1}">
-                <asvg:svgBlip xmlns="" xmlns:asvg="http://schemas.microsoft.com/office/drawing/2016/SVG/main" r:embed="rId5"/>
+                <asvg:svgBlip xmlns:asvg="http://schemas.microsoft.com/office/drawing/2016/SVG/main" xmlns="" r:embed="rId5"/>
               </a:ext>
             </a:extLst>
           </a:blip>
@@ -6074,7 +7920,7 @@
           <p:cNvPr id="43" name="Graphic 42" descr="Hourglass 30% outline">
             <a:extLst>
               <a:ext uri="{FF2B5EF4-FFF2-40B4-BE49-F238E27FC236}">
-                <a16:creationId xmlns="" xmlns:a16="http://schemas.microsoft.com/office/drawing/2014/main" id="{81C7FB49-0D65-310D-7ECA-D273380DD378}"/>
+                <a16:creationId xmlns:a16="http://schemas.microsoft.com/office/drawing/2014/main" xmlns="" id="{81C7FB49-0D65-310D-7ECA-D273380DD378}"/>
               </a:ext>
             </a:extLst>
           </p:cNvPr>
@@ -6090,7 +7936,7 @@
                 <a14:useLocalDpi xmlns:a14="http://schemas.microsoft.com/office/drawing/2010/main" val="0"/>
               </a:ext>
               <a:ext uri="{96DAC541-7B7A-43D3-8B79-37D633B846F1}">
-                <asvg:svgBlip xmlns="" xmlns:asvg="http://schemas.microsoft.com/office/drawing/2016/SVG/main" r:embed="rId7"/>
+                <asvg:svgBlip xmlns:asvg="http://schemas.microsoft.com/office/drawing/2016/SVG/main" xmlns="" r:embed="rId7"/>
               </a:ext>
             </a:extLst>
           </a:blip>
@@ -6113,7 +7959,7 @@
           <p:cNvPr id="45" name="Graphic 44" descr="Bank outline">
             <a:extLst>
               <a:ext uri="{FF2B5EF4-FFF2-40B4-BE49-F238E27FC236}">
-                <a16:creationId xmlns="" xmlns:a16="http://schemas.microsoft.com/office/drawing/2014/main" id="{10F78B2A-FF96-C12B-D864-638166D8FCCD}"/>
+                <a16:creationId xmlns:a16="http://schemas.microsoft.com/office/drawing/2014/main" xmlns="" id="{10F78B2A-FF96-C12B-D864-638166D8FCCD}"/>
               </a:ext>
             </a:extLst>
           </p:cNvPr>
@@ -6129,7 +7975,7 @@
                 <a14:useLocalDpi xmlns:a14="http://schemas.microsoft.com/office/drawing/2010/main" val="0"/>
               </a:ext>
               <a:ext uri="{96DAC541-7B7A-43D3-8B79-37D633B846F1}">
-                <asvg:svgBlip xmlns="" xmlns:asvg="http://schemas.microsoft.com/office/drawing/2016/SVG/main" r:embed="rId9"/>
+                <asvg:svgBlip xmlns:asvg="http://schemas.microsoft.com/office/drawing/2016/SVG/main" xmlns="" r:embed="rId9"/>
               </a:ext>
             </a:extLst>
           </a:blip>
@@ -6152,7 +7998,7 @@
           <p:cNvPr id="2" name="TextBox 1">
             <a:extLst>
               <a:ext uri="{FF2B5EF4-FFF2-40B4-BE49-F238E27FC236}">
-                <a16:creationId xmlns="" xmlns:a16="http://schemas.microsoft.com/office/drawing/2014/main" id="{23E78A8C-C9C6-3BB2-218C-000877032F46}"/>
+                <a16:creationId xmlns:a16="http://schemas.microsoft.com/office/drawing/2014/main" xmlns="" id="{23E78A8C-C9C6-3BB2-218C-000877032F46}"/>
               </a:ext>
             </a:extLst>
           </p:cNvPr>
@@ -6250,7 +8096,7 @@
           <p:cNvPr id="16" name="TextBox 15">
             <a:extLst>
               <a:ext uri="{FF2B5EF4-FFF2-40B4-BE49-F238E27FC236}">
-                <a16:creationId xmlns="" xmlns:a16="http://schemas.microsoft.com/office/drawing/2014/main" id="{23E78A8C-C9C6-3BB2-218C-000877032F46}"/>
+                <a16:creationId xmlns:a16="http://schemas.microsoft.com/office/drawing/2014/main" xmlns="" id="{23E78A8C-C9C6-3BB2-218C-000877032F46}"/>
               </a:ext>
             </a:extLst>
           </p:cNvPr>
@@ -6324,7 +8170,7 @@
           <p:cNvPr id="17" name="Graphic 34" descr="Radioactive outline">
             <a:extLst>
               <a:ext uri="{FF2B5EF4-FFF2-40B4-BE49-F238E27FC236}">
-                <a16:creationId xmlns="" xmlns:a16="http://schemas.microsoft.com/office/drawing/2014/main" id="{45C670B3-6994-1136-590B-46DBCD24B5C2}"/>
+                <a16:creationId xmlns:a16="http://schemas.microsoft.com/office/drawing/2014/main" xmlns="" id="{45C670B3-6994-1136-590B-46DBCD24B5C2}"/>
               </a:ext>
             </a:extLst>
           </p:cNvPr>
@@ -6340,7 +8186,7 @@
                 <a14:useLocalDpi xmlns:a14="http://schemas.microsoft.com/office/drawing/2010/main" val="0"/>
               </a:ext>
               <a:ext uri="{96DAC541-7B7A-43D3-8B79-37D633B846F1}">
-                <asvg:svgBlip xmlns="" xmlns:asvg="http://schemas.microsoft.com/office/drawing/2016/SVG/main" r:embed="rId3"/>
+                <asvg:svgBlip xmlns:asvg="http://schemas.microsoft.com/office/drawing/2016/SVG/main" xmlns="" r:embed="rId3"/>
               </a:ext>
             </a:extLst>
           </a:blip>
@@ -6446,7 +8292,7 @@
           <p:cNvPr id="28" name="Rectangle: Top Corners Rounded 27">
             <a:extLst>
               <a:ext uri="{FF2B5EF4-FFF2-40B4-BE49-F238E27FC236}">
-                <a16:creationId xmlns="" xmlns:a16="http://schemas.microsoft.com/office/drawing/2014/main" id="{1CE2ED4F-4BB8-71A1-53D8-A231DAD03F47}"/>
+                <a16:creationId xmlns:a16="http://schemas.microsoft.com/office/drawing/2014/main" xmlns="" id="{1CE2ED4F-4BB8-71A1-53D8-A231DAD03F47}"/>
               </a:ext>
             </a:extLst>
           </p:cNvPr>
@@ -6506,7 +8352,7 @@
           <p:cNvPr id="29" name="Rectangle: Top Corners Rounded 28">
             <a:extLst>
               <a:ext uri="{FF2B5EF4-FFF2-40B4-BE49-F238E27FC236}">
-                <a16:creationId xmlns="" xmlns:a16="http://schemas.microsoft.com/office/drawing/2014/main" id="{4DE34873-AEF6-7BE4-7709-258D0B911A0A}"/>
+                <a16:creationId xmlns:a16="http://schemas.microsoft.com/office/drawing/2014/main" xmlns="" id="{4DE34873-AEF6-7BE4-7709-258D0B911A0A}"/>
               </a:ext>
             </a:extLst>
           </p:cNvPr>
@@ -6585,7 +8431,7 @@
           <p:cNvPr id="30" name="Rectangle: Top Corners Rounded 29">
             <a:extLst>
               <a:ext uri="{FF2B5EF4-FFF2-40B4-BE49-F238E27FC236}">
-                <a16:creationId xmlns="" xmlns:a16="http://schemas.microsoft.com/office/drawing/2014/main" id="{EABD930E-EC4D-FC87-DE51-1755E8A451FF}"/>
+                <a16:creationId xmlns:a16="http://schemas.microsoft.com/office/drawing/2014/main" xmlns="" id="{EABD930E-EC4D-FC87-DE51-1755E8A451FF}"/>
               </a:ext>
             </a:extLst>
           </p:cNvPr>
@@ -6647,7 +8493,7 @@
           <p:cNvPr id="31" name="Rectangle: Top Corners Rounded 30">
             <a:extLst>
               <a:ext uri="{FF2B5EF4-FFF2-40B4-BE49-F238E27FC236}">
-                <a16:creationId xmlns="" xmlns:a16="http://schemas.microsoft.com/office/drawing/2014/main" id="{251E5167-E325-521D-7B14-EDE8C2470DB4}"/>
+                <a16:creationId xmlns:a16="http://schemas.microsoft.com/office/drawing/2014/main" xmlns="" id="{251E5167-E325-521D-7B14-EDE8C2470DB4}"/>
               </a:ext>
             </a:extLst>
           </p:cNvPr>
@@ -6709,7 +8555,7 @@
           <p:cNvPr id="33" name="Straight Connector 32">
             <a:extLst>
               <a:ext uri="{FF2B5EF4-FFF2-40B4-BE49-F238E27FC236}">
-                <a16:creationId xmlns="" xmlns:a16="http://schemas.microsoft.com/office/drawing/2014/main" id="{C892D952-6FFB-3691-344D-2591A3ACD780}"/>
+                <a16:creationId xmlns:a16="http://schemas.microsoft.com/office/drawing/2014/main" xmlns="" id="{C892D952-6FFB-3691-344D-2591A3ACD780}"/>
               </a:ext>
             </a:extLst>
           </p:cNvPr>
@@ -6750,7 +8596,7 @@
           <p:cNvPr id="34" name="Rectangle: Top Corners Rounded 33">
             <a:extLst>
               <a:ext uri="{FF2B5EF4-FFF2-40B4-BE49-F238E27FC236}">
-                <a16:creationId xmlns="" xmlns:a16="http://schemas.microsoft.com/office/drawing/2014/main" id="{F0F32C19-08B7-4E12-DAA0-93B362DC1729}"/>
+                <a16:creationId xmlns:a16="http://schemas.microsoft.com/office/drawing/2014/main" xmlns="" id="{F0F32C19-08B7-4E12-DAA0-93B362DC1729}"/>
               </a:ext>
             </a:extLst>
           </p:cNvPr>
@@ -6812,7 +8658,7 @@
           <p:cNvPr id="3" name="TextBox 2">
             <a:extLst>
               <a:ext uri="{FF2B5EF4-FFF2-40B4-BE49-F238E27FC236}">
-                <a16:creationId xmlns="" xmlns:a16="http://schemas.microsoft.com/office/drawing/2014/main" id="{835D164E-E63A-0379-6193-EEBBE8C77CA7}"/>
+                <a16:creationId xmlns:a16="http://schemas.microsoft.com/office/drawing/2014/main" xmlns="" id="{835D164E-E63A-0379-6193-EEBBE8C77CA7}"/>
               </a:ext>
             </a:extLst>
           </p:cNvPr>
@@ -6821,7 +8667,7 @@
         </p:nvSpPr>
         <p:spPr>
           <a:xfrm>
-            <a:off x="-135994" y="230084"/>
+            <a:off x="-32659" y="241214"/>
             <a:ext cx="12100834" cy="1754326"/>
           </a:xfrm>
           <a:prstGeom prst="rect">
@@ -6887,7 +8733,7 @@
           <p:cNvPr id="4" name="Rectangle 3">
             <a:extLst>
               <a:ext uri="{FF2B5EF4-FFF2-40B4-BE49-F238E27FC236}">
-                <a16:creationId xmlns="" xmlns:a16="http://schemas.microsoft.com/office/drawing/2014/main" id="{8FE8D3D6-84A3-F7F2-6469-57DF43D25F9F}"/>
+                <a16:creationId xmlns:a16="http://schemas.microsoft.com/office/drawing/2014/main" xmlns="" id="{8FE8D3D6-84A3-F7F2-6469-57DF43D25F9F}"/>
               </a:ext>
             </a:extLst>
           </p:cNvPr>
@@ -6896,7 +8742,7 @@
         </p:nvSpPr>
         <p:spPr>
           <a:xfrm>
-            <a:off x="2073098" y="5211342"/>
+            <a:off x="2107091" y="5181105"/>
             <a:ext cx="9590901" cy="1170408"/>
           </a:xfrm>
           <a:prstGeom prst="rect">
@@ -6915,26 +8761,51 @@
           <a:lstStyle/>
           <a:p>
             <a:r>
-              <a:rPr lang="en-US" sz="1600" b="1" dirty="0">
+              <a:rPr lang="en-US" sz="1400" b="1" dirty="0">
+                <a:solidFill>
+                  <a:srgbClr val="00B050"/>
+                </a:solidFill>
+                <a:effectLst/>
+                <a:latin typeface="Tw Cen MT" panose="020B0602020104020603" pitchFamily="34" charset="0"/>
+              </a:rPr>
+              <a:t>Benefits:</a:t>
+            </a:r>
+          </a:p>
+          <a:p>
+            <a:r>
+              <a:rPr lang="en-US" sz="1400" b="0" i="0" dirty="0">
                 <a:solidFill>
                   <a:srgbClr val="222222"/>
                 </a:solidFill>
                 <a:effectLst/>
                 <a:latin typeface="Tw Cen MT" panose="020B0602020104020603" pitchFamily="34" charset="0"/>
               </a:rPr>
-              <a:t>Benefits:</a:t>
-            </a:r>
-          </a:p>
-          <a:p>
-            <a:r>
-              <a:rPr lang="en-US" sz="1600" b="0" i="0" dirty="0">
+              <a:t>Develop a data driven decision support system to:</a:t>
+            </a:r>
+          </a:p>
+          <a:p>
+            <a:pPr marL="342900" indent="-342900">
+              <a:buFont typeface="+mj-lt"/>
+              <a:buAutoNum type="arabicParenR"/>
+            </a:pPr>
+            <a:r>
+              <a:rPr lang="en-US" sz="1400" dirty="0">
+                <a:solidFill>
+                  <a:srgbClr val="222222"/>
+                </a:solidFill>
+                <a:latin typeface="Tw Cen MT" panose="020B0602020104020603" pitchFamily="34" charset="0"/>
+              </a:rPr>
+              <a:t>Healthcare Benefit: A</a:t>
+            </a:r>
+            <a:r>
+              <a:rPr lang="en-US" sz="1400" b="0" i="0" dirty="0">
                 <a:solidFill>
                   <a:srgbClr val="222222"/>
                 </a:solidFill>
                 <a:effectLst/>
                 <a:latin typeface="Tw Cen MT" panose="020B0602020104020603" pitchFamily="34" charset="0"/>
               </a:rPr>
-              <a:t>Develop a data driven decision support system to:</a:t>
+              <a:t>ssist clinicians in assessing patient risk. </a:t>
             </a:r>
           </a:p>
           <a:p>
@@ -6943,69 +8814,44 @@
               <a:buAutoNum type="arabicParenR"/>
             </a:pPr>
             <a:r>
-              <a:rPr lang="en-US" sz="1600" dirty="0">
+              <a:rPr lang="en-US" sz="1400" dirty="0">
                 <a:solidFill>
                   <a:srgbClr val="222222"/>
                 </a:solidFill>
                 <a:latin typeface="Tw Cen MT" panose="020B0602020104020603" pitchFamily="34" charset="0"/>
               </a:rPr>
-              <a:t>Healthcare Benefit: A</a:t>
-            </a:r>
-            <a:r>
-              <a:rPr lang="en-US" sz="1600" b="0" i="0" dirty="0">
+              <a:t>Business Benefit: P</a:t>
+            </a:r>
+            <a:r>
+              <a:rPr lang="en-US" sz="1400" b="0" i="0" dirty="0">
                 <a:solidFill>
                   <a:srgbClr val="222222"/>
                 </a:solidFill>
                 <a:effectLst/>
                 <a:latin typeface="Tw Cen MT" panose="020B0602020104020603" pitchFamily="34" charset="0"/>
               </a:rPr>
-              <a:t>ssist clinicians in assessing patient risk. </a:t>
-            </a:r>
-          </a:p>
-          <a:p>
-            <a:pPr marL="342900" indent="-342900">
-              <a:buFont typeface="+mj-lt"/>
-              <a:buAutoNum type="arabicParenR"/>
-            </a:pPr>
-            <a:r>
-              <a:rPr lang="en-US" sz="1600" dirty="0">
+              <a:t>roviding quality and timely care, </a:t>
+            </a:r>
+          </a:p>
+          <a:p>
+            <a:pPr lvl="3"/>
+            <a:r>
+              <a:rPr lang="en-US" sz="1400" dirty="0">
                 <a:solidFill>
                   <a:srgbClr val="222222"/>
                 </a:solidFill>
                 <a:latin typeface="Tw Cen MT" panose="020B0602020104020603" pitchFamily="34" charset="0"/>
               </a:rPr>
-              <a:t>Business Benefit: P</a:t>
-            </a:r>
-            <a:r>
-              <a:rPr lang="en-US" sz="1600" b="0" i="0" dirty="0">
+              <a:t>     O</a:t>
+            </a:r>
+            <a:r>
+              <a:rPr lang="en-US" sz="1400" b="0" i="0" dirty="0">
                 <a:solidFill>
                   <a:srgbClr val="222222"/>
                 </a:solidFill>
                 <a:effectLst/>
                 <a:latin typeface="Tw Cen MT" panose="020B0602020104020603" pitchFamily="34" charset="0"/>
               </a:rPr>
-              <a:t>roviding quality and timely care, </a:t>
-            </a:r>
-          </a:p>
-          <a:p>
-            <a:pPr lvl="3"/>
-            <a:r>
-              <a:rPr lang="en-US" sz="1600" dirty="0">
-                <a:solidFill>
-                  <a:srgbClr val="222222"/>
-                </a:solidFill>
-                <a:latin typeface="Tw Cen MT" panose="020B0602020104020603" pitchFamily="34" charset="0"/>
-              </a:rPr>
-              <a:t>     O</a:t>
-            </a:r>
-            <a:r>
-              <a:rPr lang="en-US" sz="1600" b="0" i="0" dirty="0">
-                <a:solidFill>
-                  <a:srgbClr val="222222"/>
-                </a:solidFill>
-                <a:effectLst/>
-                <a:latin typeface="Tw Cen MT" panose="020B0602020104020603" pitchFamily="34" charset="0"/>
-              </a:rPr>
               <a:t>ptimize resource utilization.</a:t>
             </a:r>
           </a:p>
@@ -7016,7 +8862,7 @@
           <p:cNvPr id="5" name="Oval 4">
             <a:extLst>
               <a:ext uri="{FF2B5EF4-FFF2-40B4-BE49-F238E27FC236}">
-                <a16:creationId xmlns="" xmlns:a16="http://schemas.microsoft.com/office/drawing/2014/main" id="{5B3D5C40-E8C7-4672-3783-6D748C6FD1C8}"/>
+                <a16:creationId xmlns:a16="http://schemas.microsoft.com/office/drawing/2014/main" xmlns="" id="{5B3D5C40-E8C7-4672-3783-6D748C6FD1C8}"/>
               </a:ext>
             </a:extLst>
           </p:cNvPr>
@@ -7087,7 +8933,7 @@
           <p:cNvPr id="6" name="Rectangle 5">
             <a:extLst>
               <a:ext uri="{FF2B5EF4-FFF2-40B4-BE49-F238E27FC236}">
-                <a16:creationId xmlns="" xmlns:a16="http://schemas.microsoft.com/office/drawing/2014/main" id="{F35BB2EA-B606-2169-9F6B-9B6CF6CA59E8}"/>
+                <a16:creationId xmlns:a16="http://schemas.microsoft.com/office/drawing/2014/main" xmlns="" id="{F35BB2EA-B606-2169-9F6B-9B6CF6CA59E8}"/>
               </a:ext>
             </a:extLst>
           </p:cNvPr>
@@ -7096,7 +8942,7 @@
         </p:nvSpPr>
         <p:spPr>
           <a:xfrm>
-            <a:off x="2073098" y="3586799"/>
+            <a:off x="2107092" y="3687447"/>
             <a:ext cx="9590901" cy="1265658"/>
           </a:xfrm>
           <a:prstGeom prst="rect">
@@ -7114,7 +8960,58 @@
           </a:bodyPr>
           <a:lstStyle/>
           <a:p>
-            <a:endParaRPr lang="en-US" sz="1600" b="1" i="0" dirty="0">
+            <a:r>
+              <a:rPr lang="en-US" sz="1400" b="1" i="0" dirty="0" smtClean="0">
+                <a:solidFill>
+                  <a:srgbClr val="00B050"/>
+                </a:solidFill>
+                <a:effectLst/>
+                <a:latin typeface="Tw Cen MT" panose="020B0602020104020603" pitchFamily="34" charset="0"/>
+              </a:rPr>
+              <a:t>Proposed </a:t>
+            </a:r>
+            <a:r>
+              <a:rPr lang="en-US" sz="1400" b="1" i="0" dirty="0">
+                <a:solidFill>
+                  <a:srgbClr val="00B050"/>
+                </a:solidFill>
+                <a:effectLst/>
+                <a:latin typeface="Tw Cen MT" panose="020B0602020104020603" pitchFamily="34" charset="0"/>
+              </a:rPr>
+              <a:t>Solution: </a:t>
+            </a:r>
+          </a:p>
+          <a:p>
+            <a:r>
+              <a:rPr lang="en-US" sz="1400" i="0" dirty="0">
+                <a:solidFill>
+                  <a:srgbClr val="222222"/>
+                </a:solidFill>
+                <a:effectLst/>
+                <a:latin typeface="Tw Cen MT" panose="020B0602020104020603" pitchFamily="34" charset="0"/>
+              </a:rPr>
+              <a:t>In this project, we </a:t>
+            </a:r>
+            <a:r>
+              <a:rPr lang="en-US" sz="1400" i="0" dirty="0" smtClean="0">
+                <a:solidFill>
+                  <a:srgbClr val="222222"/>
+                </a:solidFill>
+                <a:effectLst/>
+                <a:latin typeface="Tw Cen MT" panose="020B0602020104020603" pitchFamily="34" charset="0"/>
+              </a:rPr>
+              <a:t>used the data collected from the heart patients to build insights. This was done through analysis and </a:t>
+            </a:r>
+            <a:r>
+              <a:rPr lang="en-US" sz="1400" dirty="0" smtClean="0">
+                <a:solidFill>
+                  <a:srgbClr val="222222"/>
+                </a:solidFill>
+                <a:latin typeface="Tw Cen MT" panose="020B0602020104020603" pitchFamily="34" charset="0"/>
+              </a:rPr>
+              <a:t>correlating data collected from the triage (risk factors such as tobacco and alcohol use, blood pressure, gender) and labs (platelets, hemoglobin, creatinine), pre-existing conditions such as diabetes and other factors such as the patient’s residence (rural/urban). The study also sought trends and patterns in the data collected.</a:t>
+            </a:r>
+            <a:endParaRPr lang="en-US" sz="1400" i="0" dirty="0">
               <a:solidFill>
                 <a:srgbClr val="222222"/>
               </a:solidFill>
@@ -7122,103 +9019,6 @@
               <a:latin typeface="Tw Cen MT" panose="020B0602020104020603" pitchFamily="34" charset="0"/>
             </a:endParaRPr>
           </a:p>
-          <a:p>
-            <a:r>
-              <a:rPr lang="en-US" sz="1600" b="1" i="0" dirty="0">
-                <a:solidFill>
-                  <a:srgbClr val="222222"/>
-                </a:solidFill>
-                <a:effectLst/>
-                <a:latin typeface="Tw Cen MT" panose="020B0602020104020603" pitchFamily="34" charset="0"/>
-              </a:rPr>
-              <a:t>Proposed Solution: </a:t>
-            </a:r>
-          </a:p>
-          <a:p>
-            <a:r>
-              <a:rPr lang="en-US" sz="1600" i="0" dirty="0">
-                <a:solidFill>
-                  <a:srgbClr val="222222"/>
-                </a:solidFill>
-                <a:effectLst/>
-                <a:latin typeface="Tw Cen MT" panose="020B0602020104020603" pitchFamily="34" charset="0"/>
-              </a:rPr>
-              <a:t>In this project, we aim at building insights on this population (heart patients) by </a:t>
-            </a:r>
-            <a:r>
-              <a:rPr lang="en-US" sz="1600" i="0" dirty="0" smtClean="0">
-                <a:solidFill>
-                  <a:srgbClr val="222222"/>
-                </a:solidFill>
-                <a:effectLst/>
-                <a:latin typeface="Tw Cen MT" panose="020B0602020104020603" pitchFamily="34" charset="0"/>
-              </a:rPr>
-              <a:t>analyzing and </a:t>
-            </a:r>
-            <a:r>
-              <a:rPr lang="en-US" sz="1600" dirty="0" smtClean="0">
-                <a:solidFill>
-                  <a:srgbClr val="222222"/>
-                </a:solidFill>
-                <a:latin typeface="Tw Cen MT" panose="020B0602020104020603" pitchFamily="34" charset="0"/>
-              </a:rPr>
-              <a:t>correlating data collected from the triage and labs (blood pressure, hemoglobin, creatinine), pre-existing conditions such as diabetes and other factors such as residential areas (rural/urban) with </a:t>
-            </a:r>
-            <a:r>
-              <a:rPr lang="en-US" sz="1600" i="0" dirty="0" smtClean="0">
-                <a:solidFill>
-                  <a:srgbClr val="222222"/>
-                </a:solidFill>
-                <a:effectLst/>
-                <a:latin typeface="Tw Cen MT" panose="020B0602020104020603" pitchFamily="34" charset="0"/>
-              </a:rPr>
-              <a:t>multiple </a:t>
-            </a:r>
-            <a:r>
-              <a:rPr lang="en-US" sz="1600" i="0" dirty="0">
-                <a:solidFill>
-                  <a:srgbClr val="222222"/>
-                </a:solidFill>
-                <a:effectLst/>
-                <a:latin typeface="Tw Cen MT" panose="020B0602020104020603" pitchFamily="34" charset="0"/>
-              </a:rPr>
-              <a:t>clinical outcomes </a:t>
-            </a:r>
-            <a:r>
-              <a:rPr lang="en-US" sz="1600" dirty="0" smtClean="0">
-                <a:solidFill>
-                  <a:srgbClr val="222222"/>
-                </a:solidFill>
-                <a:latin typeface="Tw Cen MT" panose="020B0602020104020603" pitchFamily="34" charset="0"/>
-              </a:rPr>
-              <a:t>such as duration of admission, deaths etc.</a:t>
-            </a:r>
-            <a:r>
-              <a:rPr lang="en-US" sz="1600" i="0" dirty="0" smtClean="0">
-                <a:solidFill>
-                  <a:srgbClr val="222222"/>
-                </a:solidFill>
-                <a:effectLst/>
-                <a:latin typeface="Tw Cen MT" panose="020B0602020104020603" pitchFamily="34" charset="0"/>
-              </a:rPr>
-              <a:t> </a:t>
-            </a:r>
-            <a:endParaRPr lang="en-US" sz="1600" i="0" dirty="0">
-              <a:solidFill>
-                <a:srgbClr val="222222"/>
-              </a:solidFill>
-              <a:effectLst/>
-              <a:latin typeface="Tw Cen MT" panose="020B0602020104020603" pitchFamily="34" charset="0"/>
-            </a:endParaRPr>
-          </a:p>
-          <a:p>
-            <a:endParaRPr lang="en-US" sz="1100" dirty="0">
-              <a:solidFill>
-                <a:srgbClr val="222222"/>
-              </a:solidFill>
-              <a:latin typeface="Arial" panose="020B0604020202020204" pitchFamily="34" charset="0"/>
-            </a:endParaRPr>
-          </a:p>
         </p:txBody>
       </p:sp>
       <p:sp>
@@ -7226,7 +9026,7 @@
           <p:cNvPr id="7" name="Oval 6">
             <a:extLst>
               <a:ext uri="{FF2B5EF4-FFF2-40B4-BE49-F238E27FC236}">
-                <a16:creationId xmlns="" xmlns:a16="http://schemas.microsoft.com/office/drawing/2014/main" id="{882E4A56-0AB9-6BC8-C744-E08050F87C48}"/>
+                <a16:creationId xmlns:a16="http://schemas.microsoft.com/office/drawing/2014/main" xmlns="" id="{882E4A56-0AB9-6BC8-C744-E08050F87C48}"/>
               </a:ext>
             </a:extLst>
           </p:cNvPr>
@@ -7297,7 +9097,7 @@
           <p:cNvPr id="8" name="Rectangle 7">
             <a:extLst>
               <a:ext uri="{FF2B5EF4-FFF2-40B4-BE49-F238E27FC236}">
-                <a16:creationId xmlns="" xmlns:a16="http://schemas.microsoft.com/office/drawing/2014/main" id="{287DD434-5647-B342-9BDB-6BCABD2EC853}"/>
+                <a16:creationId xmlns:a16="http://schemas.microsoft.com/office/drawing/2014/main" xmlns="" id="{287DD434-5647-B342-9BDB-6BCABD2EC853}"/>
               </a:ext>
             </a:extLst>
           </p:cNvPr>
@@ -7306,8 +9106,8 @@
         </p:nvSpPr>
         <p:spPr>
           <a:xfrm>
-            <a:off x="2073098" y="1875264"/>
-            <a:ext cx="9590901" cy="1415626"/>
+            <a:off x="2107092" y="1707547"/>
+            <a:ext cx="9891742" cy="1676833"/>
           </a:xfrm>
           <a:prstGeom prst="rect">
             <a:avLst/>
@@ -7325,46 +9125,86 @@
           <a:lstStyle/>
           <a:p>
             <a:r>
-              <a:rPr lang="en-US" sz="1600" b="1" dirty="0">
+              <a:rPr lang="en-US" sz="1400" b="1" dirty="0">
                 <a:solidFill>
-                  <a:srgbClr val="222222"/>
+                  <a:srgbClr val="00B050"/>
                 </a:solidFill>
                 <a:latin typeface="Tw Cen MT" panose="020B0602020104020603" pitchFamily="34" charset="0"/>
               </a:rPr>
               <a:t>Objective</a:t>
             </a:r>
             <a:r>
-              <a:rPr lang="en-US" sz="1600" b="1" i="0" dirty="0">
+              <a:rPr lang="en-US" sz="1400" b="1" i="0" dirty="0">
+                <a:solidFill>
+                  <a:srgbClr val="00B050"/>
+                </a:solidFill>
+                <a:effectLst/>
+                <a:latin typeface="Tw Cen MT" panose="020B0602020104020603" pitchFamily="34" charset="0"/>
+              </a:rPr>
+              <a:t>: </a:t>
+            </a:r>
+          </a:p>
+          <a:p>
+            <a:r>
+              <a:rPr lang="en-US" sz="1400" b="0" i="0" dirty="0">
                 <a:solidFill>
                   <a:srgbClr val="222222"/>
                 </a:solidFill>
                 <a:effectLst/>
                 <a:latin typeface="Tw Cen MT" panose="020B0602020104020603" pitchFamily="34" charset="0"/>
               </a:rPr>
-              <a:t>: </a:t>
-            </a:r>
-          </a:p>
-          <a:p>
-            <a:r>
-              <a:rPr lang="en-US" sz="1600" b="0" i="0" dirty="0">
+              <a:t>Patients with diverse cardiovascular diseases are usually admitted through </a:t>
+            </a:r>
+            <a:r>
+              <a:rPr lang="en-US" sz="1400" b="0" i="0" dirty="0" smtClean="0">
                 <a:solidFill>
                   <a:srgbClr val="222222"/>
                 </a:solidFill>
                 <a:effectLst/>
                 <a:latin typeface="Tw Cen MT" panose="020B0602020104020603" pitchFamily="34" charset="0"/>
               </a:rPr>
-              <a:t>Patients with diverse cardiovascular diseases are usually admitted through the emergency departments, into wards, or to the cardiac care units depending on whether they are acutely sick or being admitted for further evaluation. In general, at each stage, patients are triaged by clinical professionals to provide timely care. At the same time, a large set of demographic and clinical parameters are being recorded for each patient</a:t>
-            </a:r>
-            <a:r>
-              <a:rPr lang="en-US" sz="1600" dirty="0">
+              <a:t>emergency </a:t>
+            </a:r>
+            <a:r>
+              <a:rPr lang="en-US" sz="1400" b="0" i="0" dirty="0">
                 <a:solidFill>
                   <a:srgbClr val="222222"/>
                 </a:solidFill>
+                <a:effectLst/>
+                <a:latin typeface="Tw Cen MT" panose="020B0602020104020603" pitchFamily="34" charset="0"/>
+              </a:rPr>
+              <a:t>departments, into wards, or to the cardiac care units depending on whether they are acutely sick or being admitted for further evaluation. In general, at each stage, patients are triaged by clinical professionals to provide timely care. At the same time, a large set of demographic and clinical parameters are </a:t>
+            </a:r>
+            <a:r>
+              <a:rPr lang="en-US" sz="1400" b="0" i="0" dirty="0" smtClean="0">
+                <a:solidFill>
+                  <a:srgbClr val="222222"/>
+                </a:solidFill>
+                <a:effectLst/>
+                <a:latin typeface="Tw Cen MT" panose="020B0602020104020603" pitchFamily="34" charset="0"/>
+              </a:rPr>
+              <a:t>recorded </a:t>
+            </a:r>
+            <a:r>
+              <a:rPr lang="en-US" sz="1400" b="0" i="0" dirty="0">
+                <a:solidFill>
+                  <a:srgbClr val="222222"/>
+                </a:solidFill>
+                <a:effectLst/>
+                <a:latin typeface="Tw Cen MT" panose="020B0602020104020603" pitchFamily="34" charset="0"/>
+              </a:rPr>
+              <a:t>for each patient</a:t>
+            </a:r>
+            <a:r>
+              <a:rPr lang="en-US" sz="1400" dirty="0">
+                <a:solidFill>
+                  <a:srgbClr val="222222"/>
+                </a:solidFill>
                 <a:latin typeface="Tw Cen MT" panose="020B0602020104020603" pitchFamily="34" charset="0"/>
               </a:rPr>
               <a:t>. </a:t>
             </a:r>
-            <a:endParaRPr lang="en-US" sz="1600" b="0" i="0" dirty="0">
+            <a:endParaRPr lang="en-US" sz="1400" b="0" i="0" dirty="0">
               <a:solidFill>
                 <a:srgbClr val="222222"/>
               </a:solidFill>
@@ -7374,16 +9214,27 @@
           </a:p>
           <a:p>
             <a:r>
-              <a:rPr lang="en-US" sz="1600" b="1" dirty="0">
+              <a:rPr lang="en-US" sz="1400" b="1" dirty="0">
+                <a:solidFill>
+                  <a:srgbClr val="00B050"/>
+                </a:solidFill>
+                <a:latin typeface="Tw Cen MT" panose="020B0602020104020603" pitchFamily="34" charset="0"/>
+              </a:rPr>
+              <a:t>Problem</a:t>
+            </a:r>
+            <a:r>
+              <a:rPr lang="en-US" sz="1400" b="1" dirty="0" smtClean="0">
                 <a:solidFill>
                   <a:srgbClr val="222222"/>
                 </a:solidFill>
                 <a:latin typeface="Tw Cen MT" panose="020B0602020104020603" pitchFamily="34" charset="0"/>
               </a:rPr>
-              <a:t>Problem: </a:t>
-            </a:r>
-            <a:r>
-              <a:rPr lang="en-US" sz="1600" dirty="0">
+              <a:t>:</a:t>
+            </a:r>
+          </a:p>
+          <a:p>
+            <a:r>
+              <a:rPr lang="en-US" sz="1400" dirty="0" smtClean="0">
                 <a:solidFill>
                   <a:srgbClr val="222222"/>
                 </a:solidFill>
@@ -7392,15 +9243,42 @@
               <a:t>M</a:t>
             </a:r>
             <a:r>
-              <a:rPr lang="en-US" sz="1600" b="0" i="0" dirty="0">
+              <a:rPr lang="en-US" sz="1400" b="0" i="0" dirty="0" smtClean="0">
                 <a:solidFill>
                   <a:srgbClr val="222222"/>
                 </a:solidFill>
                 <a:effectLst/>
                 <a:latin typeface="Tw Cen MT" panose="020B0602020104020603" pitchFamily="34" charset="0"/>
               </a:rPr>
-              <a:t>anually analyzing and synthesizing information from all these variables proves to be challenging. </a:t>
-            </a:r>
+              <a:t>anually </a:t>
+            </a:r>
+            <a:r>
+              <a:rPr lang="en-US" sz="1400" b="0" i="0" dirty="0">
+                <a:solidFill>
+                  <a:srgbClr val="222222"/>
+                </a:solidFill>
+                <a:effectLst/>
+                <a:latin typeface="Tw Cen MT" panose="020B0602020104020603" pitchFamily="34" charset="0"/>
+              </a:rPr>
+              <a:t>analyzing and synthesizing information from all these variables proves to be challenging. </a:t>
+            </a:r>
+            <a:r>
+              <a:rPr lang="en-US" sz="1400" b="0" i="0" dirty="0" smtClean="0">
+                <a:solidFill>
+                  <a:srgbClr val="222222"/>
+                </a:solidFill>
+                <a:effectLst/>
+                <a:latin typeface="Tw Cen MT" panose="020B0602020104020603" pitchFamily="34" charset="0"/>
+              </a:rPr>
+              <a:t>This has led to minimal utilization of the huge amount of data collected from the triage as well as labs.</a:t>
+            </a:r>
+            <a:endParaRPr lang="en-US" sz="1400" b="0" i="0" dirty="0">
+              <a:solidFill>
+                <a:srgbClr val="222222"/>
+              </a:solidFill>
+              <a:effectLst/>
+              <a:latin typeface="Tw Cen MT" panose="020B0602020104020603" pitchFamily="34" charset="0"/>
+            </a:endParaRPr>
           </a:p>
         </p:txBody>
       </p:sp>
@@ -7409,7 +9287,7 @@
           <p:cNvPr id="9" name="Oval 8">
             <a:extLst>
               <a:ext uri="{FF2B5EF4-FFF2-40B4-BE49-F238E27FC236}">
-                <a16:creationId xmlns="" xmlns:a16="http://schemas.microsoft.com/office/drawing/2014/main" id="{5F72257E-D8FF-9AED-7D40-72DFA01F0788}"/>
+                <a16:creationId xmlns:a16="http://schemas.microsoft.com/office/drawing/2014/main" xmlns="" id="{5F72257E-D8FF-9AED-7D40-72DFA01F0788}"/>
               </a:ext>
             </a:extLst>
           </p:cNvPr>
@@ -7480,7 +9358,7 @@
           <p:cNvPr id="10" name="Group 360">
             <a:extLst>
               <a:ext uri="{FF2B5EF4-FFF2-40B4-BE49-F238E27FC236}">
-                <a16:creationId xmlns="" xmlns:a16="http://schemas.microsoft.com/office/drawing/2014/main" id="{3F4F6DB1-7407-8AA1-65A4-7F56F4585ADC}"/>
+                <a16:creationId xmlns:a16="http://schemas.microsoft.com/office/drawing/2014/main" xmlns="" id="{3F4F6DB1-7407-8AA1-65A4-7F56F4585ADC}"/>
               </a:ext>
             </a:extLst>
           </p:cNvPr>
@@ -7505,7 +9383,7 @@
             <p:cNvPr id="11" name="Freeform 361">
               <a:extLst>
                 <a:ext uri="{FF2B5EF4-FFF2-40B4-BE49-F238E27FC236}">
-                  <a16:creationId xmlns="" xmlns:a16="http://schemas.microsoft.com/office/drawing/2014/main" id="{DCD30FFC-79FF-E02A-8C8B-2F26DD4A9EE7}"/>
+                  <a16:creationId xmlns:a16="http://schemas.microsoft.com/office/drawing/2014/main" xmlns="" id="{DCD30FFC-79FF-E02A-8C8B-2F26DD4A9EE7}"/>
                 </a:ext>
               </a:extLst>
             </p:cNvPr>
@@ -7931,7 +9809,7 @@
             </a:ln>
             <a:extLst>
               <a:ext uri="{91240B29-F687-4f45-9708-019B960494DF}">
-                <a14:hiddenLine xmlns="" xmlns:a14="http://schemas.microsoft.com/office/drawing/2010/main" w="9525">
+                <a14:hiddenLine xmlns:a14="http://schemas.microsoft.com/office/drawing/2010/main" xmlns="" w="9525">
                   <a:solidFill>
                     <a:srgbClr val="000000"/>
                   </a:solidFill>
@@ -7989,7 +9867,7 @@
             <p:cNvPr id="12" name="Freeform 362">
               <a:extLst>
                 <a:ext uri="{FF2B5EF4-FFF2-40B4-BE49-F238E27FC236}">
-                  <a16:creationId xmlns="" xmlns:a16="http://schemas.microsoft.com/office/drawing/2014/main" id="{466C358C-FCD5-534F-B922-24B0059DAF62}"/>
+                  <a16:creationId xmlns:a16="http://schemas.microsoft.com/office/drawing/2014/main" xmlns="" id="{466C358C-FCD5-534F-B922-24B0059DAF62}"/>
                 </a:ext>
               </a:extLst>
             </p:cNvPr>
@@ -8124,7 +10002,7 @@
             </a:ln>
             <a:extLst>
               <a:ext uri="{91240B29-F687-4f45-9708-019B960494DF}">
-                <a14:hiddenLine xmlns="" xmlns:a14="http://schemas.microsoft.com/office/drawing/2010/main" w="9525">
+                <a14:hiddenLine xmlns:a14="http://schemas.microsoft.com/office/drawing/2010/main" xmlns="" w="9525">
                   <a:solidFill>
                     <a:srgbClr val="000000"/>
                   </a:solidFill>
@@ -8183,7 +10061,7 @@
           <p:cNvPr id="13" name="Rectangle 12">
             <a:extLst>
               <a:ext uri="{FF2B5EF4-FFF2-40B4-BE49-F238E27FC236}">
-                <a16:creationId xmlns="" xmlns:a16="http://schemas.microsoft.com/office/drawing/2014/main" id="{EE99485D-3B2F-57EE-C05C-3134DF85D72F}"/>
+                <a16:creationId xmlns:a16="http://schemas.microsoft.com/office/drawing/2014/main" xmlns="" id="{EE99485D-3B2F-57EE-C05C-3134DF85D72F}"/>
               </a:ext>
             </a:extLst>
           </p:cNvPr>
@@ -8192,7 +10070,7 @@
         </p:nvSpPr>
         <p:spPr>
           <a:xfrm>
-            <a:off x="1562778" y="1383772"/>
+            <a:off x="1562778" y="1048177"/>
             <a:ext cx="5748535" cy="289438"/>
           </a:xfrm>
           <a:prstGeom prst="rect">
@@ -8226,7 +10104,7 @@
           <p:cNvPr id="14" name="Straight Connector 13">
             <a:extLst>
               <a:ext uri="{FF2B5EF4-FFF2-40B4-BE49-F238E27FC236}">
-                <a16:creationId xmlns="" xmlns:a16="http://schemas.microsoft.com/office/drawing/2014/main" id="{A90F149A-F75D-D270-CE27-6CDD9C24DD09}"/>
+                <a16:creationId xmlns:a16="http://schemas.microsoft.com/office/drawing/2014/main" xmlns="" id="{A90F149A-F75D-D270-CE27-6CDD9C24DD09}"/>
               </a:ext>
             </a:extLst>
           </p:cNvPr>
@@ -8269,7 +10147,7 @@
           <p:cNvPr id="15" name="Straight Connector 14">
             <a:extLst>
               <a:ext uri="{FF2B5EF4-FFF2-40B4-BE49-F238E27FC236}">
-                <a16:creationId xmlns="" xmlns:a16="http://schemas.microsoft.com/office/drawing/2014/main" id="{DAA78666-3196-B033-9CBA-6587E79D1520}"/>
+                <a16:creationId xmlns:a16="http://schemas.microsoft.com/office/drawing/2014/main" xmlns="" id="{DAA78666-3196-B033-9CBA-6587E79D1520}"/>
               </a:ext>
             </a:extLst>
           </p:cNvPr>
@@ -8310,7 +10188,7 @@
           <p:cNvPr id="16" name="Straight Connector 15">
             <a:extLst>
               <a:ext uri="{FF2B5EF4-FFF2-40B4-BE49-F238E27FC236}">
-                <a16:creationId xmlns="" xmlns:a16="http://schemas.microsoft.com/office/drawing/2014/main" id="{E5F4E05E-6EC5-E26E-2005-CD2D67F0DD92}"/>
+                <a16:creationId xmlns:a16="http://schemas.microsoft.com/office/drawing/2014/main" xmlns="" id="{E5F4E05E-6EC5-E26E-2005-CD2D67F0DD92}"/>
               </a:ext>
             </a:extLst>
           </p:cNvPr>
@@ -8351,7 +10229,7 @@
           <p:cNvPr id="17" name="Straight Connector 16">
             <a:extLst>
               <a:ext uri="{FF2B5EF4-FFF2-40B4-BE49-F238E27FC236}">
-                <a16:creationId xmlns="" xmlns:a16="http://schemas.microsoft.com/office/drawing/2014/main" id="{38A88E02-B5BF-FF44-07C7-6118D2AB722B}"/>
+                <a16:creationId xmlns:a16="http://schemas.microsoft.com/office/drawing/2014/main" xmlns="" id="{38A88E02-B5BF-FF44-07C7-6118D2AB722B}"/>
               </a:ext>
             </a:extLst>
           </p:cNvPr>
@@ -8475,7 +10353,7 @@
           <p:cNvPr id="28" name="Rectangle: Top Corners Rounded 27">
             <a:extLst>
               <a:ext uri="{FF2B5EF4-FFF2-40B4-BE49-F238E27FC236}">
-                <a16:creationId xmlns="" xmlns:a16="http://schemas.microsoft.com/office/drawing/2014/main" id="{1CE2ED4F-4BB8-71A1-53D8-A231DAD03F47}"/>
+                <a16:creationId xmlns:a16="http://schemas.microsoft.com/office/drawing/2014/main" xmlns="" id="{1CE2ED4F-4BB8-71A1-53D8-A231DAD03F47}"/>
               </a:ext>
             </a:extLst>
           </p:cNvPr>
@@ -8537,7 +10415,7 @@
           <p:cNvPr id="29" name="Rectangle: Top Corners Rounded 28">
             <a:extLst>
               <a:ext uri="{FF2B5EF4-FFF2-40B4-BE49-F238E27FC236}">
-                <a16:creationId xmlns="" xmlns:a16="http://schemas.microsoft.com/office/drawing/2014/main" id="{4DE34873-AEF6-7BE4-7709-258D0B911A0A}"/>
+                <a16:creationId xmlns:a16="http://schemas.microsoft.com/office/drawing/2014/main" xmlns="" id="{4DE34873-AEF6-7BE4-7709-258D0B911A0A}"/>
               </a:ext>
             </a:extLst>
           </p:cNvPr>
@@ -8614,7 +10492,7 @@
           <p:cNvPr id="30" name="Rectangle: Top Corners Rounded 29">
             <a:extLst>
               <a:ext uri="{FF2B5EF4-FFF2-40B4-BE49-F238E27FC236}">
-                <a16:creationId xmlns="" xmlns:a16="http://schemas.microsoft.com/office/drawing/2014/main" id="{EABD930E-EC4D-FC87-DE51-1755E8A451FF}"/>
+                <a16:creationId xmlns:a16="http://schemas.microsoft.com/office/drawing/2014/main" xmlns="" id="{EABD930E-EC4D-FC87-DE51-1755E8A451FF}"/>
               </a:ext>
             </a:extLst>
           </p:cNvPr>
@@ -8676,7 +10554,7 @@
           <p:cNvPr id="31" name="Rectangle: Top Corners Rounded 30">
             <a:extLst>
               <a:ext uri="{FF2B5EF4-FFF2-40B4-BE49-F238E27FC236}">
-                <a16:creationId xmlns="" xmlns:a16="http://schemas.microsoft.com/office/drawing/2014/main" id="{251E5167-E325-521D-7B14-EDE8C2470DB4}"/>
+                <a16:creationId xmlns:a16="http://schemas.microsoft.com/office/drawing/2014/main" xmlns="" id="{251E5167-E325-521D-7B14-EDE8C2470DB4}"/>
               </a:ext>
             </a:extLst>
           </p:cNvPr>
@@ -8738,7 +10616,7 @@
           <p:cNvPr id="33" name="Straight Connector 32">
             <a:extLst>
               <a:ext uri="{FF2B5EF4-FFF2-40B4-BE49-F238E27FC236}">
-                <a16:creationId xmlns="" xmlns:a16="http://schemas.microsoft.com/office/drawing/2014/main" id="{C892D952-6FFB-3691-344D-2591A3ACD780}"/>
+                <a16:creationId xmlns:a16="http://schemas.microsoft.com/office/drawing/2014/main" xmlns="" id="{C892D952-6FFB-3691-344D-2591A3ACD780}"/>
               </a:ext>
             </a:extLst>
           </p:cNvPr>
@@ -8779,7 +10657,7 @@
           <p:cNvPr id="34" name="Rectangle: Top Corners Rounded 33">
             <a:extLst>
               <a:ext uri="{FF2B5EF4-FFF2-40B4-BE49-F238E27FC236}">
-                <a16:creationId xmlns="" xmlns:a16="http://schemas.microsoft.com/office/drawing/2014/main" id="{F0F32C19-08B7-4E12-DAA0-93B362DC1729}"/>
+                <a16:creationId xmlns:a16="http://schemas.microsoft.com/office/drawing/2014/main" xmlns="" id="{F0F32C19-08B7-4E12-DAA0-93B362DC1729}"/>
               </a:ext>
             </a:extLst>
           </p:cNvPr>
@@ -8841,7 +10719,7 @@
           <p:cNvPr id="4" name="Group 3">
             <a:extLst>
               <a:ext uri="{FF2B5EF4-FFF2-40B4-BE49-F238E27FC236}">
-                <a16:creationId xmlns="" xmlns:a16="http://schemas.microsoft.com/office/drawing/2014/main" id="{D12753D0-858C-3B04-64A9-5A3E6E5D350F}"/>
+                <a16:creationId xmlns:a16="http://schemas.microsoft.com/office/drawing/2014/main" xmlns="" id="{D12753D0-858C-3B04-64A9-5A3E6E5D350F}"/>
               </a:ext>
             </a:extLst>
           </p:cNvPr>
@@ -8850,7 +10728,7 @@
         </p:nvGrpSpPr>
         <p:grpSpPr>
           <a:xfrm>
-            <a:off x="578999" y="1764000"/>
+            <a:off x="578281" y="1133870"/>
             <a:ext cx="10468563" cy="4442400"/>
             <a:chOff x="579000" y="1764000"/>
             <a:chExt cx="8748600" cy="3712523"/>
@@ -8861,7 +10739,7 @@
             <p:cNvPr id="5" name="グループ化 34">
               <a:extLst>
                 <a:ext uri="{FF2B5EF4-FFF2-40B4-BE49-F238E27FC236}">
-                  <a16:creationId xmlns="" xmlns:a16="http://schemas.microsoft.com/office/drawing/2014/main" id="{667244B1-78FD-8129-3638-93C3A3BB552B}"/>
+                  <a16:creationId xmlns:a16="http://schemas.microsoft.com/office/drawing/2014/main" xmlns="" id="{667244B1-78FD-8129-3638-93C3A3BB552B}"/>
                 </a:ext>
               </a:extLst>
             </p:cNvPr>
@@ -8881,7 +10759,7 @@
               <p:cNvPr id="12" name="フリーフォーム 17">
                 <a:extLst>
                   <a:ext uri="{FF2B5EF4-FFF2-40B4-BE49-F238E27FC236}">
-                    <a16:creationId xmlns="" xmlns:a16="http://schemas.microsoft.com/office/drawing/2014/main" id="{EF1240B6-1680-3035-CB4D-E2F18EE60819}"/>
+                    <a16:creationId xmlns:a16="http://schemas.microsoft.com/office/drawing/2014/main" xmlns="" id="{EF1240B6-1680-3035-CB4D-E2F18EE60819}"/>
                   </a:ext>
                 </a:extLst>
               </p:cNvPr>
@@ -9072,7 +10950,7 @@
               <p:cNvPr id="13" name="Group 897">
                 <a:extLst>
                   <a:ext uri="{FF2B5EF4-FFF2-40B4-BE49-F238E27FC236}">
-                    <a16:creationId xmlns="" xmlns:a16="http://schemas.microsoft.com/office/drawing/2014/main" id="{D8C3FA20-E0BD-B3EB-FEE7-690385EC6626}"/>
+                    <a16:creationId xmlns:a16="http://schemas.microsoft.com/office/drawing/2014/main" xmlns="" id="{D8C3FA20-E0BD-B3EB-FEE7-690385EC6626}"/>
                   </a:ext>
                 </a:extLst>
               </p:cNvPr>
@@ -9097,7 +10975,7 @@
                 <p:cNvPr id="15" name="Freeform 898">
                   <a:extLst>
                     <a:ext uri="{FF2B5EF4-FFF2-40B4-BE49-F238E27FC236}">
-                      <a16:creationId xmlns="" xmlns:a16="http://schemas.microsoft.com/office/drawing/2014/main" id="{2848FDA1-67C7-DE99-D6E0-41024F2723DA}"/>
+                      <a16:creationId xmlns:a16="http://schemas.microsoft.com/office/drawing/2014/main" xmlns="" id="{2848FDA1-67C7-DE99-D6E0-41024F2723DA}"/>
                     </a:ext>
                   </a:extLst>
                 </p:cNvPr>
@@ -9288,7 +11166,7 @@
                 </a:ln>
                 <a:extLst>
                   <a:ext uri="{91240B29-F687-4f45-9708-019B960494DF}">
-                    <a14:hiddenLine xmlns:a14="http://schemas.microsoft.com/office/drawing/2010/main" xmlns="" w="9525">
+                    <a14:hiddenLine xmlns="" xmlns:a14="http://schemas.microsoft.com/office/drawing/2010/main" w="9525">
                       <a:solidFill>
                         <a:srgbClr val="000000"/>
                       </a:solidFill>
@@ -9343,7 +11221,7 @@
                 <p:cNvPr id="16" name="Oval 899">
                   <a:extLst>
                     <a:ext uri="{FF2B5EF4-FFF2-40B4-BE49-F238E27FC236}">
-                      <a16:creationId xmlns="" xmlns:a16="http://schemas.microsoft.com/office/drawing/2014/main" id="{B50BF0BB-8B67-9F6A-A516-8AE8FA9F35EA}"/>
+                      <a16:creationId xmlns:a16="http://schemas.microsoft.com/office/drawing/2014/main" xmlns="" id="{B50BF0BB-8B67-9F6A-A516-8AE8FA9F35EA}"/>
                     </a:ext>
                   </a:extLst>
                 </p:cNvPr>
@@ -9366,7 +11244,7 @@
                 </a:ln>
                 <a:extLst>
                   <a:ext uri="{91240B29-F687-4f45-9708-019B960494DF}">
-                    <a14:hiddenLine xmlns:a14="http://schemas.microsoft.com/office/drawing/2010/main" xmlns="" w="9525">
+                    <a14:hiddenLine xmlns="" xmlns:a14="http://schemas.microsoft.com/office/drawing/2010/main" w="9525">
                       <a:solidFill>
                         <a:srgbClr val="000000"/>
                       </a:solidFill>
@@ -9422,7 +11300,7 @@
               <p:cNvPr id="14" name="正方形/長方形 23">
                 <a:extLst>
                   <a:ext uri="{FF2B5EF4-FFF2-40B4-BE49-F238E27FC236}">
-                    <a16:creationId xmlns="" xmlns:a16="http://schemas.microsoft.com/office/drawing/2014/main" id="{29B592FE-EB08-10D6-4896-64351CED1E5C}"/>
+                    <a16:creationId xmlns:a16="http://schemas.microsoft.com/office/drawing/2014/main" xmlns="" id="{29B592FE-EB08-10D6-4896-64351CED1E5C}"/>
                   </a:ext>
                 </a:extLst>
               </p:cNvPr>
@@ -9472,7 +11350,7 @@
                   <a:defRPr/>
                 </a:pPr>
                 <a:r>
-                  <a:rPr kumimoji="1" lang="en-US" altLang="ja-JP" sz="1600" kern="0" dirty="0">
+                  <a:rPr kumimoji="1" lang="en-US" altLang="ja-JP" sz="1400" kern="0" dirty="0">
                     <a:solidFill>
                       <a:prstClr val="black"/>
                     </a:solidFill>
@@ -9480,7 +11358,7 @@
                   </a:rPr>
                   <a:t>Prediction of mortality</a:t>
                 </a:r>
-                <a:endParaRPr kumimoji="1" lang="en-US" altLang="ja-JP" sz="1600" b="0" i="0" u="none" strike="noStrike" kern="0" cap="none" spc="0" normalizeH="0" baseline="0" noProof="0" dirty="0">
+                <a:endParaRPr kumimoji="1" lang="en-US" altLang="ja-JP" sz="1400" b="0" i="0" u="none" strike="noStrike" kern="0" cap="none" spc="0" normalizeH="0" baseline="0" noProof="0" dirty="0">
                   <a:ln>
                     <a:noFill/>
                   </a:ln>
@@ -9512,7 +11390,7 @@
                   <a:defRPr/>
                 </a:pPr>
                 <a:r>
-                  <a:rPr kumimoji="1" lang="en-US" altLang="ja-JP" sz="1600" b="0" i="0" u="none" strike="noStrike" kern="0" cap="none" spc="0" normalizeH="0" baseline="0" noProof="0" dirty="0">
+                  <a:rPr kumimoji="1" lang="en-US" altLang="ja-JP" sz="1400" b="0" i="0" u="none" strike="noStrike" kern="0" cap="none" spc="0" normalizeH="0" baseline="0" noProof="0" dirty="0">
                     <a:ln>
                       <a:noFill/>
                     </a:ln>
@@ -9524,8 +11402,35 @@
                     <a:uFillTx/>
                     <a:latin typeface="Tw Cen MT" panose="020B0602020104020603" pitchFamily="34" charset="0"/>
                   </a:rPr>
-                  <a:t>Duration of stay</a:t>
+                  <a:t>Duration of </a:t>
                 </a:r>
+                <a:r>
+                  <a:rPr kumimoji="1" lang="en-US" altLang="ja-JP" sz="1400" b="0" i="0" u="none" strike="noStrike" kern="0" cap="none" spc="0" normalizeH="0" baseline="0" noProof="0" dirty="0" smtClean="0">
+                    <a:ln>
+                      <a:noFill/>
+                    </a:ln>
+                    <a:solidFill>
+                      <a:prstClr val="black"/>
+                    </a:solidFill>
+                    <a:effectLst/>
+                    <a:uLnTx/>
+                    <a:uFillTx/>
+                    <a:latin typeface="Tw Cen MT" panose="020B0602020104020603" pitchFamily="34" charset="0"/>
+                  </a:rPr>
+                  <a:t>stay to aid in resource allocation</a:t>
+                </a:r>
+                <a:endParaRPr kumimoji="1" lang="en-US" altLang="ja-JP" sz="1400" b="0" i="0" u="none" strike="noStrike" kern="0" cap="none" spc="0" normalizeH="0" baseline="0" noProof="0" dirty="0">
+                  <a:ln>
+                    <a:noFill/>
+                  </a:ln>
+                  <a:solidFill>
+                    <a:prstClr val="black"/>
+                  </a:solidFill>
+                  <a:effectLst/>
+                  <a:uLnTx/>
+                  <a:uFillTx/>
+                  <a:latin typeface="Tw Cen MT" panose="020B0602020104020603" pitchFamily="34" charset="0"/>
+                </a:endParaRPr>
               </a:p>
               <a:p>
                 <a:pPr marL="171450" marR="0" lvl="0" indent="-171450" defTabSz="914400" eaLnBrk="1" fontAlgn="auto" latinLnBrk="0" hangingPunct="1">
@@ -9546,7 +11451,7 @@
                   <a:defRPr/>
                 </a:pPr>
                 <a:r>
-                  <a:rPr kumimoji="1" lang="en-US" altLang="ja-JP" sz="1600" kern="0" dirty="0">
+                  <a:rPr kumimoji="1" lang="en-US" altLang="ja-JP" sz="1400" kern="0" dirty="0">
                     <a:solidFill>
                       <a:prstClr val="black"/>
                     </a:solidFill>
@@ -9555,7 +11460,7 @@
                   <a:t>Frequency of occurrence of heart </a:t>
                 </a:r>
                 <a:r>
-                  <a:rPr kumimoji="1" lang="en-US" altLang="ja-JP" sz="1600" kern="0" dirty="0" smtClean="0">
+                  <a:rPr kumimoji="1" lang="en-US" altLang="ja-JP" sz="1400" kern="0" dirty="0" smtClean="0">
                     <a:solidFill>
                       <a:prstClr val="black"/>
                     </a:solidFill>
@@ -9583,6 +11488,21 @@
                   <a:defRPr/>
                 </a:pPr>
                 <a:r>
+                  <a:rPr kumimoji="1" lang="en-US" altLang="ja-JP" sz="1400" b="0" i="0" u="none" strike="noStrike" kern="0" cap="none" spc="0" normalizeH="0" baseline="0" noProof="0" dirty="0" smtClean="0">
+                    <a:ln>
+                      <a:noFill/>
+                    </a:ln>
+                    <a:solidFill>
+                      <a:prstClr val="black"/>
+                    </a:solidFill>
+                    <a:effectLst/>
+                    <a:uLnTx/>
+                    <a:uFillTx/>
+                    <a:latin typeface="Tw Cen MT" panose="020B0602020104020603" pitchFamily="34" charset="0"/>
+                  </a:rPr>
+                  <a:t>Identification of risk factors such as age</a:t>
+                </a:r>
+                <a:r>
                   <a:rPr kumimoji="1" lang="en-US" altLang="ja-JP" sz="1600" b="0" i="0" u="none" strike="noStrike" kern="0" cap="none" spc="0" normalizeH="0" baseline="0" noProof="0" dirty="0" smtClean="0">
                     <a:ln>
                       <a:noFill/>
@@ -9595,7 +11515,7 @@
                     <a:uFillTx/>
                     <a:latin typeface="Tw Cen MT" panose="020B0602020104020603" pitchFamily="34" charset="0"/>
                   </a:rPr>
-                  <a:t>Identification of risk factors such as age.</a:t>
+                  <a:t>.</a:t>
                 </a:r>
                 <a:endParaRPr kumimoji="1" lang="ja-JP" altLang="en-US" sz="1600" b="0" i="0" u="none" strike="noStrike" kern="0" cap="none" spc="0" normalizeH="0" baseline="0" noProof="0" dirty="0">
                   <a:ln>
@@ -9618,7 +11538,7 @@
             <p:cNvPr id="6" name="グループ化 28">
               <a:extLst>
                 <a:ext uri="{FF2B5EF4-FFF2-40B4-BE49-F238E27FC236}">
-                  <a16:creationId xmlns="" xmlns:a16="http://schemas.microsoft.com/office/drawing/2014/main" id="{828D3717-5A35-CBD7-DBC7-B7F251C960A0}"/>
+                  <a16:creationId xmlns:a16="http://schemas.microsoft.com/office/drawing/2014/main" xmlns="" id="{828D3717-5A35-CBD7-DBC7-B7F251C960A0}"/>
                 </a:ext>
               </a:extLst>
             </p:cNvPr>
@@ -9638,7 +11558,7 @@
               <p:cNvPr id="10" name="フリーフォーム 15">
                 <a:extLst>
                   <a:ext uri="{FF2B5EF4-FFF2-40B4-BE49-F238E27FC236}">
-                    <a16:creationId xmlns="" xmlns:a16="http://schemas.microsoft.com/office/drawing/2014/main" id="{34E4D08A-608C-2E4F-4909-8A627531C5AB}"/>
+                    <a16:creationId xmlns:a16="http://schemas.microsoft.com/office/drawing/2014/main" xmlns="" id="{34E4D08A-608C-2E4F-4909-8A627531C5AB}"/>
                   </a:ext>
                 </a:extLst>
               </p:cNvPr>
@@ -9829,7 +11749,7 @@
               <p:cNvPr id="11" name="Freeform 242">
                 <a:extLst>
                   <a:ext uri="{FF2B5EF4-FFF2-40B4-BE49-F238E27FC236}">
-                    <a16:creationId xmlns="" xmlns:a16="http://schemas.microsoft.com/office/drawing/2014/main" id="{269151FD-DCF9-D096-0DFF-753AB34E1636}"/>
+                    <a16:creationId xmlns:a16="http://schemas.microsoft.com/office/drawing/2014/main" xmlns="" id="{269151FD-DCF9-D096-0DFF-753AB34E1636}"/>
                   </a:ext>
                 </a:extLst>
               </p:cNvPr>
@@ -10468,7 +12388,7 @@
             <p:cNvPr id="7" name="グループ化 27">
               <a:extLst>
                 <a:ext uri="{FF2B5EF4-FFF2-40B4-BE49-F238E27FC236}">
-                  <a16:creationId xmlns="" xmlns:a16="http://schemas.microsoft.com/office/drawing/2014/main" id="{F51FE0D3-B4FF-B898-0217-275A57EC6401}"/>
+                  <a16:creationId xmlns:a16="http://schemas.microsoft.com/office/drawing/2014/main" xmlns="" id="{F51FE0D3-B4FF-B898-0217-275A57EC6401}"/>
                 </a:ext>
               </a:extLst>
             </p:cNvPr>
@@ -10488,7 +12408,7 @@
               <p:cNvPr id="8" name="フリーフォーム 16">
                 <a:extLst>
                   <a:ext uri="{FF2B5EF4-FFF2-40B4-BE49-F238E27FC236}">
-                    <a16:creationId xmlns="" xmlns:a16="http://schemas.microsoft.com/office/drawing/2014/main" id="{438C3F69-DA95-8922-4137-BB850BC50C2B}"/>
+                    <a16:creationId xmlns:a16="http://schemas.microsoft.com/office/drawing/2014/main" xmlns="" id="{438C3F69-DA95-8922-4137-BB850BC50C2B}"/>
                   </a:ext>
                 </a:extLst>
               </p:cNvPr>
@@ -10679,7 +12599,7 @@
               <p:cNvPr id="9" name="Freeform 59">
                 <a:extLst>
                   <a:ext uri="{FF2B5EF4-FFF2-40B4-BE49-F238E27FC236}">
-                    <a16:creationId xmlns="" xmlns:a16="http://schemas.microsoft.com/office/drawing/2014/main" id="{6C356736-F31E-FD81-C2EE-BC0B4554E2E7}"/>
+                    <a16:creationId xmlns:a16="http://schemas.microsoft.com/office/drawing/2014/main" xmlns="" id="{6C356736-F31E-FD81-C2EE-BC0B4554E2E7}"/>
                   </a:ext>
                 </a:extLst>
               </p:cNvPr>
@@ -11221,7 +13141,7 @@
           <p:cNvPr id="17" name="正方形/長方形 23">
             <a:extLst>
               <a:ext uri="{FF2B5EF4-FFF2-40B4-BE49-F238E27FC236}">
-                <a16:creationId xmlns="" xmlns:a16="http://schemas.microsoft.com/office/drawing/2014/main" id="{098CE33C-6A3A-8715-0556-D8689B1177DA}"/>
+                <a16:creationId xmlns:a16="http://schemas.microsoft.com/office/drawing/2014/main" xmlns="" id="{098CE33C-6A3A-8715-0556-D8689B1177DA}"/>
               </a:ext>
             </a:extLst>
           </p:cNvPr>
@@ -11230,7 +13150,7 @@
         </p:nvSpPr>
         <p:spPr bwMode="gray">
           <a:xfrm>
-            <a:off x="2000558" y="4048468"/>
+            <a:off x="2011620" y="3362087"/>
             <a:ext cx="9046286" cy="689241"/>
           </a:xfrm>
           <a:prstGeom prst="rect">
@@ -11271,7 +13191,7 @@
               <a:defRPr/>
             </a:pPr>
             <a:r>
-              <a:rPr kumimoji="1" lang="en-US" altLang="ja-JP" sz="1600" kern="0" dirty="0">
+              <a:rPr kumimoji="1" lang="en-US" altLang="ja-JP" sz="1400" kern="0" dirty="0">
                 <a:solidFill>
                   <a:prstClr val="black"/>
                 </a:solidFill>
@@ -11279,7 +13199,7 @@
               </a:rPr>
               <a:t>A risk factor assigned to a patient will ensure the right care is provided in good time.</a:t>
             </a:r>
-            <a:endParaRPr kumimoji="1" lang="en-US" altLang="ja-JP" sz="1600" b="0" i="0" u="none" strike="noStrike" kern="0" cap="none" spc="0" normalizeH="0" baseline="0" noProof="0" dirty="0">
+            <a:endParaRPr kumimoji="1" lang="en-US" altLang="ja-JP" sz="1400" b="0" i="0" u="none" strike="noStrike" kern="0" cap="none" spc="0" normalizeH="0" baseline="0" noProof="0" dirty="0">
               <a:ln>
                 <a:noFill/>
               </a:ln>
@@ -11311,7 +13231,7 @@
               <a:defRPr/>
             </a:pPr>
             <a:r>
-              <a:rPr kumimoji="1" lang="en-US" altLang="ja-JP" sz="1600" b="0" i="0" u="none" strike="noStrike" kern="0" cap="none" spc="0" normalizeH="0" baseline="0" noProof="0" dirty="0">
+              <a:rPr kumimoji="1" lang="en-US" altLang="ja-JP" sz="1400" b="0" i="0" u="none" strike="noStrike" kern="0" cap="none" spc="0" normalizeH="0" baseline="0" noProof="0" dirty="0">
                 <a:ln>
                   <a:noFill/>
                 </a:ln>
@@ -11345,7 +13265,7 @@
               <a:defRPr/>
             </a:pPr>
             <a:r>
-              <a:rPr kumimoji="1" lang="en-US" altLang="ja-JP" sz="1600" kern="0" dirty="0">
+              <a:rPr kumimoji="1" lang="en-US" altLang="ja-JP" sz="1400" kern="0" dirty="0">
                 <a:solidFill>
                   <a:prstClr val="black"/>
                 </a:solidFill>
@@ -11353,7 +13273,7 @@
               </a:rPr>
               <a:t>Policy guidance for health management e.g. trends or rural vs urban living on cardiovascular health</a:t>
             </a:r>
-            <a:endParaRPr kumimoji="1" lang="ja-JP" altLang="en-US" sz="1600" b="0" i="0" u="none" strike="noStrike" kern="0" cap="none" spc="0" normalizeH="0" baseline="0" noProof="0" dirty="0">
+            <a:endParaRPr kumimoji="1" lang="ja-JP" altLang="en-US" sz="1400" b="0" i="0" u="none" strike="noStrike" kern="0" cap="none" spc="0" normalizeH="0" baseline="0" noProof="0" dirty="0">
               <a:ln>
                 <a:noFill/>
               </a:ln>
@@ -11373,7 +13293,7 @@
           <p:cNvPr id="18" name="正方形/長方形 23">
             <a:extLst>
               <a:ext uri="{FF2B5EF4-FFF2-40B4-BE49-F238E27FC236}">
-                <a16:creationId xmlns="" xmlns:a16="http://schemas.microsoft.com/office/drawing/2014/main" id="{67233E87-D343-DE71-3588-1F75561BD9C1}"/>
+                <a16:creationId xmlns:a16="http://schemas.microsoft.com/office/drawing/2014/main" xmlns="" id="{67233E87-D343-DE71-3588-1F75561BD9C1}"/>
               </a:ext>
             </a:extLst>
           </p:cNvPr>
@@ -11382,7 +13302,7 @@
         </p:nvSpPr>
         <p:spPr bwMode="gray">
           <a:xfrm>
-            <a:off x="2000558" y="5481819"/>
+            <a:off x="1999840" y="4886390"/>
             <a:ext cx="9046286" cy="689241"/>
           </a:xfrm>
           <a:prstGeom prst="rect">
@@ -11423,7 +13343,7 @@
               <a:defRPr/>
             </a:pPr>
             <a:r>
-              <a:rPr kumimoji="1" lang="en-US" altLang="ja-JP" sz="1600" b="0" i="0" u="none" strike="noStrike" kern="0" cap="none" spc="0" normalizeH="0" baseline="0" noProof="0" dirty="0">
+              <a:rPr kumimoji="1" lang="en-US" altLang="ja-JP" sz="1400" b="0" i="0" u="none" strike="noStrike" kern="0" cap="none" spc="0" normalizeH="0" baseline="0" noProof="0" dirty="0">
                 <a:ln>
                   <a:noFill/>
                 </a:ln>
@@ -11457,7 +13377,7 @@
               <a:defRPr/>
             </a:pPr>
             <a:r>
-              <a:rPr kumimoji="1" lang="en-US" altLang="ja-JP" sz="1600" kern="0" dirty="0">
+              <a:rPr kumimoji="1" lang="en-US" altLang="ja-JP" sz="1400" kern="0" dirty="0">
                 <a:solidFill>
                   <a:prstClr val="black"/>
                 </a:solidFill>
@@ -11465,7 +13385,7 @@
               </a:rPr>
               <a:t>Prediction of patients’ duration of stay can help in managing and allocating resources</a:t>
             </a:r>
-            <a:endParaRPr kumimoji="1" lang="ja-JP" altLang="en-US" sz="1600" b="0" i="0" u="none" strike="noStrike" kern="0" cap="none" spc="0" normalizeH="0" baseline="0" noProof="0" dirty="0">
+            <a:endParaRPr kumimoji="1" lang="ja-JP" altLang="en-US" sz="1400" b="0" i="0" u="none" strike="noStrike" kern="0" cap="none" spc="0" normalizeH="0" baseline="0" noProof="0" dirty="0">
               <a:ln>
                 <a:noFill/>
               </a:ln>
@@ -11568,7 +13488,7 @@
           <p:cNvPr id="28" name="Rectangle: Top Corners Rounded 27">
             <a:extLst>
               <a:ext uri="{FF2B5EF4-FFF2-40B4-BE49-F238E27FC236}">
-                <a16:creationId xmlns="" xmlns:a16="http://schemas.microsoft.com/office/drawing/2014/main" id="{1CE2ED4F-4BB8-71A1-53D8-A231DAD03F47}"/>
+                <a16:creationId xmlns:a16="http://schemas.microsoft.com/office/drawing/2014/main" xmlns="" id="{1CE2ED4F-4BB8-71A1-53D8-A231DAD03F47}"/>
               </a:ext>
             </a:extLst>
           </p:cNvPr>
@@ -11630,7 +13550,7 @@
           <p:cNvPr id="29" name="Rectangle: Top Corners Rounded 28">
             <a:extLst>
               <a:ext uri="{FF2B5EF4-FFF2-40B4-BE49-F238E27FC236}">
-                <a16:creationId xmlns="" xmlns:a16="http://schemas.microsoft.com/office/drawing/2014/main" id="{4DE34873-AEF6-7BE4-7709-258D0B911A0A}"/>
+                <a16:creationId xmlns:a16="http://schemas.microsoft.com/office/drawing/2014/main" xmlns="" id="{4DE34873-AEF6-7BE4-7709-258D0B911A0A}"/>
               </a:ext>
             </a:extLst>
           </p:cNvPr>
@@ -11709,7 +13629,7 @@
           <p:cNvPr id="30" name="Rectangle: Top Corners Rounded 29">
             <a:extLst>
               <a:ext uri="{FF2B5EF4-FFF2-40B4-BE49-F238E27FC236}">
-                <a16:creationId xmlns="" xmlns:a16="http://schemas.microsoft.com/office/drawing/2014/main" id="{EABD930E-EC4D-FC87-DE51-1755E8A451FF}"/>
+                <a16:creationId xmlns:a16="http://schemas.microsoft.com/office/drawing/2014/main" xmlns="" id="{EABD930E-EC4D-FC87-DE51-1755E8A451FF}"/>
               </a:ext>
             </a:extLst>
           </p:cNvPr>
@@ -11769,7 +13689,7 @@
           <p:cNvPr id="31" name="Rectangle: Top Corners Rounded 30">
             <a:extLst>
               <a:ext uri="{FF2B5EF4-FFF2-40B4-BE49-F238E27FC236}">
-                <a16:creationId xmlns="" xmlns:a16="http://schemas.microsoft.com/office/drawing/2014/main" id="{251E5167-E325-521D-7B14-EDE8C2470DB4}"/>
+                <a16:creationId xmlns:a16="http://schemas.microsoft.com/office/drawing/2014/main" xmlns="" id="{251E5167-E325-521D-7B14-EDE8C2470DB4}"/>
               </a:ext>
             </a:extLst>
           </p:cNvPr>
@@ -11831,7 +13751,7 @@
           <p:cNvPr id="33" name="Straight Connector 32">
             <a:extLst>
               <a:ext uri="{FF2B5EF4-FFF2-40B4-BE49-F238E27FC236}">
-                <a16:creationId xmlns="" xmlns:a16="http://schemas.microsoft.com/office/drawing/2014/main" id="{C892D952-6FFB-3691-344D-2591A3ACD780}"/>
+                <a16:creationId xmlns:a16="http://schemas.microsoft.com/office/drawing/2014/main" xmlns="" id="{C892D952-6FFB-3691-344D-2591A3ACD780}"/>
               </a:ext>
             </a:extLst>
           </p:cNvPr>
@@ -11872,7 +13792,7 @@
           <p:cNvPr id="34" name="Rectangle: Top Corners Rounded 33">
             <a:extLst>
               <a:ext uri="{FF2B5EF4-FFF2-40B4-BE49-F238E27FC236}">
-                <a16:creationId xmlns="" xmlns:a16="http://schemas.microsoft.com/office/drawing/2014/main" id="{F0F32C19-08B7-4E12-DAA0-93B362DC1729}"/>
+                <a16:creationId xmlns:a16="http://schemas.microsoft.com/office/drawing/2014/main" xmlns="" id="{F0F32C19-08B7-4E12-DAA0-93B362DC1729}"/>
               </a:ext>
             </a:extLst>
           </p:cNvPr>
@@ -11934,7 +13854,7 @@
           <p:cNvPr id="3" name="TextBox 2">
             <a:extLst>
               <a:ext uri="{FF2B5EF4-FFF2-40B4-BE49-F238E27FC236}">
-                <a16:creationId xmlns="" xmlns:a16="http://schemas.microsoft.com/office/drawing/2014/main" id="{B7CC5665-E415-3CEF-827C-B818DCC1D288}"/>
+                <a16:creationId xmlns:a16="http://schemas.microsoft.com/office/drawing/2014/main" xmlns="" id="{B7CC5665-E415-3CEF-827C-B818DCC1D288}"/>
               </a:ext>
             </a:extLst>
           </p:cNvPr>
@@ -11943,7 +13863,7 @@
         </p:nvSpPr>
         <p:spPr>
           <a:xfrm>
-            <a:off x="1181100" y="4194328"/>
+            <a:off x="914400" y="5802888"/>
             <a:ext cx="10973991" cy="830997"/>
           </a:xfrm>
           <a:prstGeom prst="rect">
@@ -11972,7 +13892,19 @@
               <a:rPr lang="en-US" sz="1600" dirty="0">
                 <a:latin typeface="Tw Cen MT" panose="020B0602020104020603" pitchFamily="34" charset="0"/>
               </a:rPr>
-              <a:t>Only two years of data from a single center; therefore, the generalizability of resulting models across multiple centers and multiple years must be investigated.</a:t>
+              <a:t>Only </a:t>
+            </a:r>
+            <a:r>
+              <a:rPr lang="en-US" sz="1600" dirty="0" smtClean="0">
+                <a:latin typeface="Tw Cen MT" panose="020B0602020104020603" pitchFamily="34" charset="0"/>
+              </a:rPr>
+              <a:t>three </a:t>
+            </a:r>
+            <a:r>
+              <a:rPr lang="en-US" sz="1600" dirty="0">
+                <a:latin typeface="Tw Cen MT" panose="020B0602020104020603" pitchFamily="34" charset="0"/>
+              </a:rPr>
+              <a:t>years of data from a single center; therefore, the generalizability of resulting models across multiple centers and multiple years must be investigated.</a:t>
             </a:r>
           </a:p>
         </p:txBody>
@@ -11982,7 +13914,7 @@
           <p:cNvPr id="5" name="Graphic 4" descr="Sad face outline with solid fill">
             <a:extLst>
               <a:ext uri="{FF2B5EF4-FFF2-40B4-BE49-F238E27FC236}">
-                <a16:creationId xmlns="" xmlns:a16="http://schemas.microsoft.com/office/drawing/2014/main" id="{7B7FA595-594E-0717-7A16-5BA753329EB8}"/>
+                <a16:creationId xmlns:a16="http://schemas.microsoft.com/office/drawing/2014/main" xmlns="" id="{7B7FA595-594E-0717-7A16-5BA753329EB8}"/>
               </a:ext>
             </a:extLst>
           </p:cNvPr>
@@ -11998,7 +13930,7 @@
                 <a14:useLocalDpi xmlns:a14="http://schemas.microsoft.com/office/drawing/2010/main" val="0"/>
               </a:ext>
               <a:ext uri="{96DAC541-7B7A-43D3-8B79-37D633B846F1}">
-                <asvg:svgBlip xmlns="" xmlns:asvg="http://schemas.microsoft.com/office/drawing/2016/SVG/main" r:embed="rId3"/>
+                <asvg:svgBlip xmlns:asvg="http://schemas.microsoft.com/office/drawing/2016/SVG/main" xmlns="" r:embed="rId3"/>
               </a:ext>
             </a:extLst>
           </a:blip>
@@ -12008,7 +13940,7 @@
         </p:blipFill>
         <p:spPr>
           <a:xfrm>
-            <a:off x="266700" y="4077362"/>
+            <a:off x="0" y="5807033"/>
             <a:ext cx="914400" cy="914400"/>
           </a:xfrm>
           <a:prstGeom prst="rect">
@@ -12021,7 +13953,7 @@
           <p:cNvPr id="12" name="Graphic 11" descr="Bar chart with solid fill">
             <a:extLst>
               <a:ext uri="{FF2B5EF4-FFF2-40B4-BE49-F238E27FC236}">
-                <a16:creationId xmlns="" xmlns:a16="http://schemas.microsoft.com/office/drawing/2014/main" id="{B4AFA87A-8538-C401-1A8D-44E1AF6F375B}"/>
+                <a16:creationId xmlns:a16="http://schemas.microsoft.com/office/drawing/2014/main" xmlns="" id="{B4AFA87A-8538-C401-1A8D-44E1AF6F375B}"/>
               </a:ext>
             </a:extLst>
           </p:cNvPr>
@@ -12037,7 +13969,7 @@
                 <a14:useLocalDpi xmlns:a14="http://schemas.microsoft.com/office/drawing/2010/main" val="0"/>
               </a:ext>
               <a:ext uri="{96DAC541-7B7A-43D3-8B79-37D633B846F1}">
-                <asvg:svgBlip xmlns="" xmlns:asvg="http://schemas.microsoft.com/office/drawing/2016/SVG/main" r:embed="rId5"/>
+                <asvg:svgBlip xmlns:asvg="http://schemas.microsoft.com/office/drawing/2016/SVG/main" xmlns="" r:embed="rId5"/>
               </a:ext>
             </a:extLst>
           </a:blip>
@@ -12047,7 +13979,7 @@
         </p:blipFill>
         <p:spPr>
           <a:xfrm>
-            <a:off x="133350" y="678244"/>
+            <a:off x="262481" y="891001"/>
             <a:ext cx="914400" cy="914400"/>
           </a:xfrm>
           <a:prstGeom prst="rect">
@@ -12060,7 +13992,7 @@
           <p:cNvPr id="14" name="TextBox 13">
             <a:extLst>
               <a:ext uri="{FF2B5EF4-FFF2-40B4-BE49-F238E27FC236}">
-                <a16:creationId xmlns="" xmlns:a16="http://schemas.microsoft.com/office/drawing/2014/main" id="{DB8E0FAF-B5C7-9597-B62F-7944A223F6CB}"/>
+                <a16:creationId xmlns:a16="http://schemas.microsoft.com/office/drawing/2014/main" xmlns="" id="{DB8E0FAF-B5C7-9597-B62F-7944A223F6CB}"/>
               </a:ext>
             </a:extLst>
           </p:cNvPr>
@@ -12069,7 +14001,7 @@
         </p:nvSpPr>
         <p:spPr>
           <a:xfrm>
-            <a:off x="1181100" y="1035903"/>
+            <a:off x="1129940" y="1067465"/>
             <a:ext cx="11430000" cy="2800767"/>
           </a:xfrm>
           <a:prstGeom prst="rect">
@@ -12106,26 +14038,22 @@
             </a:r>
           </a:p>
           <a:p>
-            <a:endParaRPr lang="en-US" sz="1600" dirty="0">
-              <a:latin typeface="Tw Cen MT" panose="020B0602020104020603" pitchFamily="34" charset="0"/>
-            </a:endParaRPr>
-          </a:p>
-          <a:p>
             <a:pPr marL="285750" indent="-285750">
               <a:buFont typeface="Arial" panose="020B0604020202020204" pitchFamily="34" charset="0"/>
               <a:buChar char="•"/>
             </a:pPr>
             <a:r>
+              <a:rPr lang="en-US" sz="1600" dirty="0" smtClean="0">
+                <a:latin typeface="Tw Cen MT" panose="020B0602020104020603" pitchFamily="34" charset="0"/>
+              </a:rPr>
+              <a:t>During </a:t>
+            </a:r>
+            <a:r>
               <a:rPr lang="en-US" sz="1600" dirty="0">
                 <a:latin typeface="Tw Cen MT" panose="020B0602020104020603" pitchFamily="34" charset="0"/>
               </a:rPr>
-              <a:t>During the data collection period, the cardiology unit had 14,845 admissions corresponding to 12,258 patients. For 1921 patients who had multiple admissions, the analysis only considered the data from their last admission for accuracy.</a:t>
-            </a:r>
-          </a:p>
-          <a:p>
-            <a:endParaRPr lang="en-US" sz="1600" dirty="0">
-              <a:latin typeface="Tw Cen MT" panose="020B0602020104020603" pitchFamily="34" charset="0"/>
-            </a:endParaRPr>
+              <a:t>the data collection period, the cardiology unit had 14,845 admissions corresponding to 12,258 patients. For 1921 patients who had multiple admissions, the analysis only considered the data from their last admission for accuracy.</a:t>
+            </a:r>
           </a:p>
           <a:p>
             <a:pPr marL="285750" indent="-285750">
@@ -12133,16 +14061,17 @@
               <a:buChar char="•"/>
             </a:pPr>
             <a:r>
+              <a:rPr lang="en-US" sz="1600" dirty="0" smtClean="0">
+                <a:latin typeface="Tw Cen MT" panose="020B0602020104020603" pitchFamily="34" charset="0"/>
+              </a:rPr>
+              <a:t>I760 </a:t>
+            </a:r>
+            <a:r>
               <a:rPr lang="en-US" sz="1600" dirty="0">
                 <a:latin typeface="Tw Cen MT" panose="020B0602020104020603" pitchFamily="34" charset="0"/>
               </a:rPr>
-              <a:t>I760 patients who got discharged against medical advice (DAMA) were also excluded from the analysis. </a:t>
-            </a:r>
-          </a:p>
-          <a:p>
-            <a:endParaRPr lang="en-US" sz="1600" dirty="0">
-              <a:latin typeface="Tw Cen MT" panose="020B0602020104020603" pitchFamily="34" charset="0"/>
-            </a:endParaRPr>
+              <a:t>patients who got discharged against medical advice (DAMA) were also excluded from the analysis. </a:t>
+            </a:r>
           </a:p>
           <a:p>
             <a:pPr marL="285750" indent="-285750">
@@ -12150,10 +14079,64 @@
               <a:buChar char="•"/>
             </a:pPr>
             <a:r>
+              <a:rPr lang="en-US" sz="1600" dirty="0" smtClean="0">
+                <a:latin typeface="Tw Cen MT" panose="020B0602020104020603" pitchFamily="34" charset="0"/>
+              </a:rPr>
+              <a:t>Records </a:t>
+            </a:r>
+            <a:r>
               <a:rPr lang="en-US" sz="1600" dirty="0">
                 <a:latin typeface="Tw Cen MT" panose="020B0602020104020603" pitchFamily="34" charset="0"/>
               </a:rPr>
-              <a:t>Records from the remaining 11,498 patients were used to obtain features and outcomes. We used the admission records to obtain parameters related to demographics, admission details, lab measurements, and comorbidities.</a:t>
+              <a:t>from the remaining 11,498 patients were used to obtain features and outcomes. We used the admission records to obtain parameters related to demographics, admission details, lab measurements, and comorbidities</a:t>
+            </a:r>
+            <a:r>
+              <a:rPr lang="en-US" sz="1600" dirty="0" smtClean="0">
+                <a:latin typeface="Tw Cen MT" panose="020B0602020104020603" pitchFamily="34" charset="0"/>
+              </a:rPr>
+              <a:t>.</a:t>
+            </a:r>
+          </a:p>
+          <a:p>
+            <a:endParaRPr lang="en-US" sz="1600" b="1" dirty="0" smtClean="0">
+              <a:solidFill>
+                <a:srgbClr val="00B050"/>
+              </a:solidFill>
+              <a:latin typeface="Tw Cen MT" panose="020B0602020104020603" pitchFamily="34" charset="0"/>
+            </a:endParaRPr>
+          </a:p>
+          <a:p>
+            <a:r>
+              <a:rPr lang="en-US" sz="1600" b="1" dirty="0" smtClean="0">
+                <a:solidFill>
+                  <a:srgbClr val="00B050"/>
+                </a:solidFill>
+                <a:latin typeface="Tw Cen MT" panose="020B0602020104020603" pitchFamily="34" charset="0"/>
+              </a:rPr>
+              <a:t>Data </a:t>
+            </a:r>
+            <a:r>
+              <a:rPr lang="en-US" sz="1600" b="1" dirty="0">
+                <a:solidFill>
+                  <a:srgbClr val="00B050"/>
+                </a:solidFill>
+                <a:latin typeface="Tw Cen MT" panose="020B0602020104020603" pitchFamily="34" charset="0"/>
+              </a:rPr>
+              <a:t>Cleaning</a:t>
+            </a:r>
+          </a:p>
+          <a:p>
+            <a:r>
+              <a:rPr lang="en-US" sz="1600" dirty="0">
+                <a:latin typeface="Tw Cen MT" panose="020B0602020104020603" pitchFamily="34" charset="0"/>
+              </a:rPr>
+              <a:t>Data cleaning was </a:t>
+            </a:r>
+            <a:r>
+              <a:rPr lang="en-US" sz="1600" dirty="0" smtClean="0">
+                <a:latin typeface="Tw Cen MT" panose="020B0602020104020603" pitchFamily="34" charset="0"/>
+              </a:rPr>
+              <a:t>done on columns with missing values as well as non-numeric values.</a:t>
             </a:r>
           </a:p>
         </p:txBody>
@@ -12246,7 +14229,7 @@
           <p:cNvPr id="28" name="Rectangle: Top Corners Rounded 27">
             <a:extLst>
               <a:ext uri="{FF2B5EF4-FFF2-40B4-BE49-F238E27FC236}">
-                <a16:creationId xmlns="" xmlns:a16="http://schemas.microsoft.com/office/drawing/2014/main" id="{1CE2ED4F-4BB8-71A1-53D8-A231DAD03F47}"/>
+                <a16:creationId xmlns:a16="http://schemas.microsoft.com/office/drawing/2014/main" xmlns="" id="{1CE2ED4F-4BB8-71A1-53D8-A231DAD03F47}"/>
               </a:ext>
             </a:extLst>
           </p:cNvPr>
@@ -12308,7 +14291,7 @@
           <p:cNvPr id="29" name="Rectangle: Top Corners Rounded 28">
             <a:extLst>
               <a:ext uri="{FF2B5EF4-FFF2-40B4-BE49-F238E27FC236}">
-                <a16:creationId xmlns="" xmlns:a16="http://schemas.microsoft.com/office/drawing/2014/main" id="{4DE34873-AEF6-7BE4-7709-258D0B911A0A}"/>
+                <a16:creationId xmlns:a16="http://schemas.microsoft.com/office/drawing/2014/main" xmlns="" id="{4DE34873-AEF6-7BE4-7709-258D0B911A0A}"/>
               </a:ext>
             </a:extLst>
           </p:cNvPr>
@@ -12387,7 +14370,7 @@
           <p:cNvPr id="30" name="Rectangle: Top Corners Rounded 29">
             <a:extLst>
               <a:ext uri="{FF2B5EF4-FFF2-40B4-BE49-F238E27FC236}">
-                <a16:creationId xmlns="" xmlns:a16="http://schemas.microsoft.com/office/drawing/2014/main" id="{EABD930E-EC4D-FC87-DE51-1755E8A451FF}"/>
+                <a16:creationId xmlns:a16="http://schemas.microsoft.com/office/drawing/2014/main" xmlns="" id="{EABD930E-EC4D-FC87-DE51-1755E8A451FF}"/>
               </a:ext>
             </a:extLst>
           </p:cNvPr>
@@ -12449,7 +14432,7 @@
           <p:cNvPr id="31" name="Rectangle: Top Corners Rounded 30">
             <a:extLst>
               <a:ext uri="{FF2B5EF4-FFF2-40B4-BE49-F238E27FC236}">
-                <a16:creationId xmlns="" xmlns:a16="http://schemas.microsoft.com/office/drawing/2014/main" id="{251E5167-E325-521D-7B14-EDE8C2470DB4}"/>
+                <a16:creationId xmlns:a16="http://schemas.microsoft.com/office/drawing/2014/main" xmlns="" id="{251E5167-E325-521D-7B14-EDE8C2470DB4}"/>
               </a:ext>
             </a:extLst>
           </p:cNvPr>
@@ -12511,7 +14494,7 @@
           <p:cNvPr id="33" name="Straight Connector 32">
             <a:extLst>
               <a:ext uri="{FF2B5EF4-FFF2-40B4-BE49-F238E27FC236}">
-                <a16:creationId xmlns="" xmlns:a16="http://schemas.microsoft.com/office/drawing/2014/main" id="{C892D952-6FFB-3691-344D-2591A3ACD780}"/>
+                <a16:creationId xmlns:a16="http://schemas.microsoft.com/office/drawing/2014/main" xmlns="" id="{C892D952-6FFB-3691-344D-2591A3ACD780}"/>
               </a:ext>
             </a:extLst>
           </p:cNvPr>
@@ -12552,7 +14535,7 @@
           <p:cNvPr id="34" name="Rectangle: Top Corners Rounded 33">
             <a:extLst>
               <a:ext uri="{FF2B5EF4-FFF2-40B4-BE49-F238E27FC236}">
-                <a16:creationId xmlns="" xmlns:a16="http://schemas.microsoft.com/office/drawing/2014/main" id="{F0F32C19-08B7-4E12-DAA0-93B362DC1729}"/>
+                <a16:creationId xmlns:a16="http://schemas.microsoft.com/office/drawing/2014/main" xmlns="" id="{F0F32C19-08B7-4E12-DAA0-93B362DC1729}"/>
               </a:ext>
             </a:extLst>
           </p:cNvPr>
@@ -12602,7 +14585,7 @@
                 </a:solidFill>
                 <a:latin typeface="Tw Cen MT" panose="020B0602020104020603" pitchFamily="34" charset="0"/>
               </a:rPr>
-              <a:t>Findings and Recommendations</a:t>
+              <a:t>Findings</a:t>
             </a:r>
             <a:endParaRPr lang="en-US" b="1" dirty="0">
               <a:solidFill>
@@ -12618,7 +14601,7 @@
           <p:cNvPr id="11" name="TextBox 10">
             <a:extLst>
               <a:ext uri="{FF2B5EF4-FFF2-40B4-BE49-F238E27FC236}">
-                <a16:creationId xmlns="" xmlns:a16="http://schemas.microsoft.com/office/drawing/2014/main" id="{DB8E0FAF-B5C7-9597-B62F-7944A223F6CB}"/>
+                <a16:creationId xmlns:a16="http://schemas.microsoft.com/office/drawing/2014/main" xmlns="" id="{DB8E0FAF-B5C7-9597-B62F-7944A223F6CB}"/>
               </a:ext>
             </a:extLst>
           </p:cNvPr>
@@ -12627,7 +14610,7 @@
         </p:nvSpPr>
         <p:spPr>
           <a:xfrm>
-            <a:off x="199423" y="853800"/>
+            <a:off x="0" y="738299"/>
             <a:ext cx="11430000" cy="1077218"/>
           </a:xfrm>
           <a:prstGeom prst="rect">
@@ -12652,38 +14635,53 @@
                 </a:solidFill>
                 <a:latin typeface="Tw Cen MT" panose="020B0602020104020603" pitchFamily="34" charset="0"/>
               </a:rPr>
-              <a:t>Coronary artery disease and Hypertension are the leading causes of admission for heart patients.</a:t>
-            </a:r>
+              <a:t>Coronary artery disease and Hypertension are the leading causes of admission for heart patients</a:t>
+            </a:r>
+            <a:r>
+              <a:rPr lang="en-US" sz="1600" b="1" dirty="0">
+                <a:solidFill>
+                  <a:srgbClr val="00B050"/>
+                </a:solidFill>
+                <a:latin typeface="Tw Cen MT" panose="020B0602020104020603" pitchFamily="34" charset="0"/>
+              </a:rPr>
+              <a:t>. </a:t>
+            </a:r>
+            <a:r>
+              <a:rPr lang="en-US" sz="1600" b="1" dirty="0" smtClean="0">
+                <a:solidFill>
+                  <a:srgbClr val="00B050"/>
+                </a:solidFill>
+                <a:latin typeface="Tw Cen MT" panose="020B0602020104020603" pitchFamily="34" charset="0"/>
+              </a:rPr>
+              <a:t>On average, patients admitted with heart conditions fall between the ages of 40 and </a:t>
+            </a:r>
+            <a:r>
+              <a:rPr lang="en-US" sz="1600" b="1" dirty="0" smtClean="0">
+                <a:solidFill>
+                  <a:srgbClr val="00B050"/>
+                </a:solidFill>
+                <a:latin typeface="Tw Cen MT" panose="020B0602020104020603" pitchFamily="34" charset="0"/>
+              </a:rPr>
+              <a:t>90, with the highest number being between 60 and 70. </a:t>
+            </a:r>
+            <a:endParaRPr lang="en-US" sz="1600" b="1" dirty="0" smtClean="0">
+              <a:solidFill>
+                <a:srgbClr val="00B050"/>
+              </a:solidFill>
+              <a:latin typeface="Tw Cen MT" panose="020B0602020104020603" pitchFamily="34" charset="0"/>
+            </a:endParaRPr>
           </a:p>
           <a:p>
             <a:pPr marL="285750" indent="-285750">
               <a:buFont typeface="Wingdings" panose="05000000000000000000" pitchFamily="2" charset="2"/>
               <a:buChar char="v"/>
             </a:pPr>
-            <a:r>
-              <a:rPr lang="en-US" sz="1600" b="1" dirty="0" smtClean="0">
-                <a:solidFill>
-                  <a:srgbClr val="00B050"/>
-                </a:solidFill>
-                <a:latin typeface="Tw Cen MT" panose="020B0602020104020603" pitchFamily="34" charset="0"/>
-              </a:rPr>
-              <a:t>On average, patients admitted with heart conditions fall between the ages of 40 and 90. </a:t>
-            </a:r>
-          </a:p>
-          <a:p>
-            <a:pPr marL="285750" indent="-285750">
-              <a:buFont typeface="Wingdings" panose="05000000000000000000" pitchFamily="2" charset="2"/>
-              <a:buChar char="v"/>
-            </a:pPr>
-            <a:r>
-              <a:rPr lang="en-US" sz="1600" b="1" dirty="0" smtClean="0">
-                <a:solidFill>
-                  <a:srgbClr val="00B050"/>
-                </a:solidFill>
-                <a:latin typeface="Tw Cen MT" panose="020B0602020104020603" pitchFamily="34" charset="0"/>
-              </a:rPr>
-              <a:t>The median age is however between 60 and 70.</a:t>
-            </a:r>
+            <a:endParaRPr lang="en-US" sz="1600" b="1" dirty="0" smtClean="0">
+              <a:solidFill>
+                <a:srgbClr val="00B050"/>
+              </a:solidFill>
+              <a:latin typeface="Tw Cen MT" panose="020B0602020104020603" pitchFamily="34" charset="0"/>
+            </a:endParaRPr>
           </a:p>
           <a:p>
             <a:r>
@@ -12720,7 +14718,7 @@
         </p:blipFill>
         <p:spPr>
           <a:xfrm>
-            <a:off x="0" y="1816924"/>
+            <a:off x="0" y="2062442"/>
             <a:ext cx="5385827" cy="4702629"/>
           </a:xfrm>
           <a:prstGeom prst="rect">
@@ -12750,7 +14748,7 @@
         </p:blipFill>
         <p:spPr>
           <a:xfrm>
-            <a:off x="6168634" y="1523131"/>
+            <a:off x="6096000" y="1692354"/>
             <a:ext cx="6056025" cy="4996422"/>
           </a:xfrm>
           <a:prstGeom prst="rect">
@@ -12846,7 +14844,7 @@
           <p:cNvPr id="28" name="Rectangle: Top Corners Rounded 27">
             <a:extLst>
               <a:ext uri="{FF2B5EF4-FFF2-40B4-BE49-F238E27FC236}">
-                <a16:creationId xmlns="" xmlns:a16="http://schemas.microsoft.com/office/drawing/2014/main" id="{1CE2ED4F-4BB8-71A1-53D8-A231DAD03F47}"/>
+                <a16:creationId xmlns:a16="http://schemas.microsoft.com/office/drawing/2014/main" xmlns="" id="{1CE2ED4F-4BB8-71A1-53D8-A231DAD03F47}"/>
               </a:ext>
             </a:extLst>
           </p:cNvPr>
@@ -12908,7 +14906,7 @@
           <p:cNvPr id="29" name="Rectangle: Top Corners Rounded 28">
             <a:extLst>
               <a:ext uri="{FF2B5EF4-FFF2-40B4-BE49-F238E27FC236}">
-                <a16:creationId xmlns="" xmlns:a16="http://schemas.microsoft.com/office/drawing/2014/main" id="{4DE34873-AEF6-7BE4-7709-258D0B911A0A}"/>
+                <a16:creationId xmlns:a16="http://schemas.microsoft.com/office/drawing/2014/main" xmlns="" id="{4DE34873-AEF6-7BE4-7709-258D0B911A0A}"/>
               </a:ext>
             </a:extLst>
           </p:cNvPr>
@@ -12987,7 +14985,7 @@
           <p:cNvPr id="30" name="Rectangle: Top Corners Rounded 29">
             <a:extLst>
               <a:ext uri="{FF2B5EF4-FFF2-40B4-BE49-F238E27FC236}">
-                <a16:creationId xmlns="" xmlns:a16="http://schemas.microsoft.com/office/drawing/2014/main" id="{EABD930E-EC4D-FC87-DE51-1755E8A451FF}"/>
+                <a16:creationId xmlns:a16="http://schemas.microsoft.com/office/drawing/2014/main" xmlns="" id="{EABD930E-EC4D-FC87-DE51-1755E8A451FF}"/>
               </a:ext>
             </a:extLst>
           </p:cNvPr>
@@ -13049,7 +15047,7 @@
           <p:cNvPr id="31" name="Rectangle: Top Corners Rounded 30">
             <a:extLst>
               <a:ext uri="{FF2B5EF4-FFF2-40B4-BE49-F238E27FC236}">
-                <a16:creationId xmlns="" xmlns:a16="http://schemas.microsoft.com/office/drawing/2014/main" id="{251E5167-E325-521D-7B14-EDE8C2470DB4}"/>
+                <a16:creationId xmlns:a16="http://schemas.microsoft.com/office/drawing/2014/main" xmlns="" id="{251E5167-E325-521D-7B14-EDE8C2470DB4}"/>
               </a:ext>
             </a:extLst>
           </p:cNvPr>
@@ -13111,7 +15109,7 @@
           <p:cNvPr id="33" name="Straight Connector 32">
             <a:extLst>
               <a:ext uri="{FF2B5EF4-FFF2-40B4-BE49-F238E27FC236}">
-                <a16:creationId xmlns="" xmlns:a16="http://schemas.microsoft.com/office/drawing/2014/main" id="{C892D952-6FFB-3691-344D-2591A3ACD780}"/>
+                <a16:creationId xmlns:a16="http://schemas.microsoft.com/office/drawing/2014/main" xmlns="" id="{C892D952-6FFB-3691-344D-2591A3ACD780}"/>
               </a:ext>
             </a:extLst>
           </p:cNvPr>
@@ -13152,7 +15150,7 @@
           <p:cNvPr id="34" name="Rectangle: Top Corners Rounded 33">
             <a:extLst>
               <a:ext uri="{FF2B5EF4-FFF2-40B4-BE49-F238E27FC236}">
-                <a16:creationId xmlns="" xmlns:a16="http://schemas.microsoft.com/office/drawing/2014/main" id="{F0F32C19-08B7-4E12-DAA0-93B362DC1729}"/>
+                <a16:creationId xmlns:a16="http://schemas.microsoft.com/office/drawing/2014/main" xmlns="" id="{F0F32C19-08B7-4E12-DAA0-93B362DC1729}"/>
               </a:ext>
             </a:extLst>
           </p:cNvPr>
@@ -13202,7 +15200,7 @@
                 </a:solidFill>
                 <a:latin typeface="Tw Cen MT" panose="020B0602020104020603" pitchFamily="34" charset="0"/>
               </a:rPr>
-              <a:t>Findings and Recommendations</a:t>
+              <a:t>Findings</a:t>
             </a:r>
             <a:endParaRPr lang="en-US" b="1" dirty="0">
               <a:solidFill>
@@ -13375,7 +15373,7 @@
           <p:cNvPr id="28" name="Rectangle: Top Corners Rounded 27">
             <a:extLst>
               <a:ext uri="{FF2B5EF4-FFF2-40B4-BE49-F238E27FC236}">
-                <a16:creationId xmlns="" xmlns:a16="http://schemas.microsoft.com/office/drawing/2014/main" id="{1CE2ED4F-4BB8-71A1-53D8-A231DAD03F47}"/>
+                <a16:creationId xmlns:a16="http://schemas.microsoft.com/office/drawing/2014/main" xmlns="" id="{1CE2ED4F-4BB8-71A1-53D8-A231DAD03F47}"/>
               </a:ext>
             </a:extLst>
           </p:cNvPr>
@@ -13437,7 +15435,7 @@
           <p:cNvPr id="29" name="Rectangle: Top Corners Rounded 28">
             <a:extLst>
               <a:ext uri="{FF2B5EF4-FFF2-40B4-BE49-F238E27FC236}">
-                <a16:creationId xmlns="" xmlns:a16="http://schemas.microsoft.com/office/drawing/2014/main" id="{4DE34873-AEF6-7BE4-7709-258D0B911A0A}"/>
+                <a16:creationId xmlns:a16="http://schemas.microsoft.com/office/drawing/2014/main" xmlns="" id="{4DE34873-AEF6-7BE4-7709-258D0B911A0A}"/>
               </a:ext>
             </a:extLst>
           </p:cNvPr>
@@ -13516,7 +15514,7 @@
           <p:cNvPr id="30" name="Rectangle: Top Corners Rounded 29">
             <a:extLst>
               <a:ext uri="{FF2B5EF4-FFF2-40B4-BE49-F238E27FC236}">
-                <a16:creationId xmlns="" xmlns:a16="http://schemas.microsoft.com/office/drawing/2014/main" id="{EABD930E-EC4D-FC87-DE51-1755E8A451FF}"/>
+                <a16:creationId xmlns:a16="http://schemas.microsoft.com/office/drawing/2014/main" xmlns="" id="{EABD930E-EC4D-FC87-DE51-1755E8A451FF}"/>
               </a:ext>
             </a:extLst>
           </p:cNvPr>
@@ -13578,7 +15576,7 @@
           <p:cNvPr id="31" name="Rectangle: Top Corners Rounded 30">
             <a:extLst>
               <a:ext uri="{FF2B5EF4-FFF2-40B4-BE49-F238E27FC236}">
-                <a16:creationId xmlns="" xmlns:a16="http://schemas.microsoft.com/office/drawing/2014/main" id="{251E5167-E325-521D-7B14-EDE8C2470DB4}"/>
+                <a16:creationId xmlns:a16="http://schemas.microsoft.com/office/drawing/2014/main" xmlns="" id="{251E5167-E325-521D-7B14-EDE8C2470DB4}"/>
               </a:ext>
             </a:extLst>
           </p:cNvPr>
@@ -13640,7 +15638,7 @@
           <p:cNvPr id="33" name="Straight Connector 32">
             <a:extLst>
               <a:ext uri="{FF2B5EF4-FFF2-40B4-BE49-F238E27FC236}">
-                <a16:creationId xmlns="" xmlns:a16="http://schemas.microsoft.com/office/drawing/2014/main" id="{C892D952-6FFB-3691-344D-2591A3ACD780}"/>
+                <a16:creationId xmlns:a16="http://schemas.microsoft.com/office/drawing/2014/main" xmlns="" id="{C892D952-6FFB-3691-344D-2591A3ACD780}"/>
               </a:ext>
             </a:extLst>
           </p:cNvPr>
@@ -13681,7 +15679,7 @@
           <p:cNvPr id="34" name="Rectangle: Top Corners Rounded 33">
             <a:extLst>
               <a:ext uri="{FF2B5EF4-FFF2-40B4-BE49-F238E27FC236}">
-                <a16:creationId xmlns="" xmlns:a16="http://schemas.microsoft.com/office/drawing/2014/main" id="{F0F32C19-08B7-4E12-DAA0-93B362DC1729}"/>
+                <a16:creationId xmlns:a16="http://schemas.microsoft.com/office/drawing/2014/main" xmlns="" id="{F0F32C19-08B7-4E12-DAA0-93B362DC1729}"/>
               </a:ext>
             </a:extLst>
           </p:cNvPr>
@@ -13725,14 +15723,20 @@
           <a:p>
             <a:pPr algn="ctr"/>
             <a:r>
-              <a:rPr lang="en-US" b="1" dirty="0">
+              <a:rPr lang="en-US" b="1" dirty="0" smtClean="0">
                 <a:solidFill>
                   <a:schemeClr val="bg1"/>
                 </a:solidFill>
                 <a:latin typeface="Tw Cen MT" panose="020B0602020104020603" pitchFamily="34" charset="0"/>
               </a:rPr>
-              <a:t>Findings and Recommendations</a:t>
-            </a:r>
+              <a:t>Findings</a:t>
+            </a:r>
+            <a:endParaRPr lang="en-US" b="1" dirty="0">
+              <a:solidFill>
+                <a:schemeClr val="bg1"/>
+              </a:solidFill>
+              <a:latin typeface="Tw Cen MT" panose="020B0602020104020603" pitchFamily="34" charset="0"/>
+            </a:endParaRPr>
           </a:p>
         </p:txBody>
       </p:sp>
@@ -13741,7 +15745,7 @@
           <p:cNvPr id="16" name="TextBox 15">
             <a:extLst>
               <a:ext uri="{FF2B5EF4-FFF2-40B4-BE49-F238E27FC236}">
-                <a16:creationId xmlns="" xmlns:a16="http://schemas.microsoft.com/office/drawing/2014/main" id="{DB8E0FAF-B5C7-9597-B62F-7944A223F6CB}"/>
+                <a16:creationId xmlns:a16="http://schemas.microsoft.com/office/drawing/2014/main" xmlns="" id="{DB8E0FAF-B5C7-9597-B62F-7944A223F6CB}"/>
               </a:ext>
             </a:extLst>
           </p:cNvPr>
@@ -13950,7 +15954,7 @@
           <p:cNvPr id="28" name="Rectangle: Top Corners Rounded 27">
             <a:extLst>
               <a:ext uri="{FF2B5EF4-FFF2-40B4-BE49-F238E27FC236}">
-                <a16:creationId xmlns="" xmlns:a16="http://schemas.microsoft.com/office/drawing/2014/main" id="{1CE2ED4F-4BB8-71A1-53D8-A231DAD03F47}"/>
+                <a16:creationId xmlns:a16="http://schemas.microsoft.com/office/drawing/2014/main" xmlns="" id="{1CE2ED4F-4BB8-71A1-53D8-A231DAD03F47}"/>
               </a:ext>
             </a:extLst>
           </p:cNvPr>
@@ -14012,7 +16016,7 @@
           <p:cNvPr id="29" name="Rectangle: Top Corners Rounded 28">
             <a:extLst>
               <a:ext uri="{FF2B5EF4-FFF2-40B4-BE49-F238E27FC236}">
-                <a16:creationId xmlns="" xmlns:a16="http://schemas.microsoft.com/office/drawing/2014/main" id="{4DE34873-AEF6-7BE4-7709-258D0B911A0A}"/>
+                <a16:creationId xmlns:a16="http://schemas.microsoft.com/office/drawing/2014/main" xmlns="" id="{4DE34873-AEF6-7BE4-7709-258D0B911A0A}"/>
               </a:ext>
             </a:extLst>
           </p:cNvPr>
@@ -14091,7 +16095,7 @@
           <p:cNvPr id="30" name="Rectangle: Top Corners Rounded 29">
             <a:extLst>
               <a:ext uri="{FF2B5EF4-FFF2-40B4-BE49-F238E27FC236}">
-                <a16:creationId xmlns="" xmlns:a16="http://schemas.microsoft.com/office/drawing/2014/main" id="{EABD930E-EC4D-FC87-DE51-1755E8A451FF}"/>
+                <a16:creationId xmlns:a16="http://schemas.microsoft.com/office/drawing/2014/main" xmlns="" id="{EABD930E-EC4D-FC87-DE51-1755E8A451FF}"/>
               </a:ext>
             </a:extLst>
           </p:cNvPr>
@@ -14153,7 +16157,7 @@
           <p:cNvPr id="31" name="Rectangle: Top Corners Rounded 30">
             <a:extLst>
               <a:ext uri="{FF2B5EF4-FFF2-40B4-BE49-F238E27FC236}">
-                <a16:creationId xmlns="" xmlns:a16="http://schemas.microsoft.com/office/drawing/2014/main" id="{251E5167-E325-521D-7B14-EDE8C2470DB4}"/>
+                <a16:creationId xmlns:a16="http://schemas.microsoft.com/office/drawing/2014/main" xmlns="" id="{251E5167-E325-521D-7B14-EDE8C2470DB4}"/>
               </a:ext>
             </a:extLst>
           </p:cNvPr>
@@ -14215,7 +16219,7 @@
           <p:cNvPr id="33" name="Straight Connector 32">
             <a:extLst>
               <a:ext uri="{FF2B5EF4-FFF2-40B4-BE49-F238E27FC236}">
-                <a16:creationId xmlns="" xmlns:a16="http://schemas.microsoft.com/office/drawing/2014/main" id="{C892D952-6FFB-3691-344D-2591A3ACD780}"/>
+                <a16:creationId xmlns:a16="http://schemas.microsoft.com/office/drawing/2014/main" xmlns="" id="{C892D952-6FFB-3691-344D-2591A3ACD780}"/>
               </a:ext>
             </a:extLst>
           </p:cNvPr>
@@ -14256,7 +16260,7 @@
           <p:cNvPr id="34" name="Rectangle: Top Corners Rounded 33">
             <a:extLst>
               <a:ext uri="{FF2B5EF4-FFF2-40B4-BE49-F238E27FC236}">
-                <a16:creationId xmlns="" xmlns:a16="http://schemas.microsoft.com/office/drawing/2014/main" id="{F0F32C19-08B7-4E12-DAA0-93B362DC1729}"/>
+                <a16:creationId xmlns:a16="http://schemas.microsoft.com/office/drawing/2014/main" xmlns="" id="{F0F32C19-08B7-4E12-DAA0-93B362DC1729}"/>
               </a:ext>
             </a:extLst>
           </p:cNvPr>
@@ -14300,151 +16304,47 @@
           <a:p>
             <a:pPr algn="ctr"/>
             <a:r>
-              <a:rPr lang="en-US" b="1" dirty="0">
+              <a:rPr lang="en-US" b="1" dirty="0" smtClean="0">
                 <a:solidFill>
                   <a:schemeClr val="bg1"/>
                 </a:solidFill>
                 <a:latin typeface="Tw Cen MT" panose="020B0602020104020603" pitchFamily="34" charset="0"/>
               </a:rPr>
-              <a:t>Recommendations and Future work</a:t>
-            </a:r>
-          </a:p>
-        </p:txBody>
-      </p:sp>
-      <p:sp>
-        <p:nvSpPr>
-          <p:cNvPr id="12" name="TextBox 11">
-            <a:extLst>
-              <a:ext uri="{FF2B5EF4-FFF2-40B4-BE49-F238E27FC236}">
-                <a16:creationId xmlns="" xmlns:a16="http://schemas.microsoft.com/office/drawing/2014/main" id="{58203AB3-C5AF-4A89-16B3-075ED80FB692}"/>
-              </a:ext>
-            </a:extLst>
-          </p:cNvPr>
-          <p:cNvSpPr txBox="1"/>
-          <p:nvPr/>
-        </p:nvSpPr>
-        <p:spPr>
-          <a:xfrm>
-            <a:off x="120608" y="790060"/>
-            <a:ext cx="10763250" cy="1569660"/>
-          </a:xfrm>
-          <a:prstGeom prst="rect">
-            <a:avLst/>
-          </a:prstGeom>
-          <a:noFill/>
-        </p:spPr>
-        <p:txBody>
-          <a:bodyPr wrap="square">
-            <a:spAutoFit/>
-          </a:bodyPr>
-          <a:lstStyle/>
-          <a:p>
-            <a:pPr marL="285750" indent="-285750">
-              <a:buFont typeface="Wingdings" panose="05000000000000000000" pitchFamily="2" charset="2"/>
-              <a:buChar char="Ø"/>
-            </a:pPr>
-            <a:r>
-              <a:rPr lang="en-US" sz="1600" b="1" dirty="0" smtClean="0">
-                <a:solidFill>
-                  <a:srgbClr val="00B050"/>
-                </a:solidFill>
-                <a:latin typeface="Tw Cen MT" panose="020B0602020104020603" pitchFamily="34" charset="0"/>
-              </a:rPr>
-              <a:t>Of all admissions with </a:t>
-            </a:r>
-            <a:r>
-              <a:rPr lang="en-US" sz="1600" b="1" dirty="0" smtClean="0">
-                <a:solidFill>
-                  <a:srgbClr val="00B050"/>
-                </a:solidFill>
-                <a:latin typeface="Tw Cen MT" panose="020B0602020104020603" pitchFamily="34" charset="0"/>
-              </a:rPr>
-              <a:t>heart </a:t>
-            </a:r>
-            <a:r>
-              <a:rPr lang="en-US" sz="1600" b="1" dirty="0" smtClean="0">
-                <a:solidFill>
-                  <a:srgbClr val="00B050"/>
-                </a:solidFill>
-                <a:latin typeface="Tw Cen MT" panose="020B0602020104020603" pitchFamily="34" charset="0"/>
-              </a:rPr>
-              <a:t>problems, 63% are male while 37% are women. </a:t>
-            </a:r>
-          </a:p>
-          <a:p>
-            <a:pPr marL="285750" indent="-285750">
-              <a:buFont typeface="Wingdings" panose="05000000000000000000" pitchFamily="2" charset="2"/>
-              <a:buChar char="Ø"/>
-            </a:pPr>
-            <a:r>
-              <a:rPr lang="en-US" sz="1600" b="1" dirty="0" smtClean="0">
-                <a:solidFill>
-                  <a:srgbClr val="00B050"/>
-                </a:solidFill>
-                <a:latin typeface="Tw Cen MT" panose="020B0602020104020603" pitchFamily="34" charset="0"/>
-              </a:rPr>
-              <a:t>77% live in urban areas while 23% are rural residents.</a:t>
-            </a:r>
-          </a:p>
-          <a:p>
-            <a:pPr marL="285750" indent="-285750">
-              <a:buFont typeface="Wingdings" panose="05000000000000000000" pitchFamily="2" charset="2"/>
-              <a:buChar char="Ø"/>
-            </a:pPr>
-            <a:r>
-              <a:rPr lang="en-US" sz="1600" b="1" dirty="0" smtClean="0">
-                <a:solidFill>
-                  <a:srgbClr val="00B050"/>
-                </a:solidFill>
-                <a:latin typeface="Tw Cen MT" panose="020B0602020104020603" pitchFamily="34" charset="0"/>
-              </a:rPr>
-              <a:t>77% are between the ages of 51-75, 19% are over 75, 3% are between 18 and 35 while less than 1% are below 18years</a:t>
-            </a:r>
-          </a:p>
-          <a:p>
-            <a:pPr marL="285750" indent="-285750">
-              <a:buFont typeface="Wingdings" panose="05000000000000000000" pitchFamily="2" charset="2"/>
-              <a:buChar char="Ø"/>
-            </a:pPr>
-            <a:r>
-              <a:rPr lang="en-US" sz="1600" b="1" dirty="0" smtClean="0">
-                <a:solidFill>
-                  <a:srgbClr val="00B050"/>
-                </a:solidFill>
-                <a:latin typeface="Tw Cen MT" panose="020B0602020104020603" pitchFamily="34" charset="0"/>
-              </a:rPr>
-              <a:t>Further</a:t>
-            </a:r>
-            <a:r>
-              <a:rPr lang="en-US" sz="1600" b="1" dirty="0">
-                <a:solidFill>
-                  <a:srgbClr val="00B050"/>
-                </a:solidFill>
-                <a:latin typeface="Tw Cen MT" panose="020B0602020104020603" pitchFamily="34" charset="0"/>
-              </a:rPr>
-              <a:t>, the algorithm can be enhanced to predict outcomes using all available parameters, including demographic and clinical parameters</a:t>
-            </a:r>
+              <a:t>Findings</a:t>
+            </a:r>
+            <a:endParaRPr lang="en-US" b="1" dirty="0">
+              <a:solidFill>
+                <a:schemeClr val="bg1"/>
+              </a:solidFill>
+              <a:latin typeface="Tw Cen MT" panose="020B0602020104020603" pitchFamily="34" charset="0"/>
+            </a:endParaRPr>
           </a:p>
         </p:txBody>
       </p:sp>
       <p:pic>
         <p:nvPicPr>
-          <p:cNvPr id="4" name="Picture 3"/>
+          <p:cNvPr id="2" name="Picture 1"/>
           <p:cNvPicPr>
             <a:picLocks noChangeAspect="1"/>
           </p:cNvPicPr>
           <p:nvPr/>
         </p:nvPicPr>
         <p:blipFill>
-          <a:blip r:embed="rId2"/>
+          <a:blip r:embed="rId2">
+            <a:extLst>
+              <a:ext uri="{28A0092B-C50C-407E-A947-70E740481C1C}">
+                <a14:useLocalDpi xmlns:a14="http://schemas.microsoft.com/office/drawing/2010/main" val="0"/>
+              </a:ext>
+            </a:extLst>
+          </a:blip>
           <a:stretch>
             <a:fillRect/>
           </a:stretch>
         </p:blipFill>
         <p:spPr>
           <a:xfrm>
-            <a:off x="177590" y="2471535"/>
-            <a:ext cx="5736833" cy="3987130"/>
+            <a:off x="8689" y="631809"/>
+            <a:ext cx="9056142" cy="3346426"/>
           </a:xfrm>
           <a:prstGeom prst="rect">
             <a:avLst/>
@@ -14453,22 +16353,28 @@
       </p:pic>
       <p:pic>
         <p:nvPicPr>
-          <p:cNvPr id="6" name="Picture 5"/>
+          <p:cNvPr id="13" name="Picture 12"/>
           <p:cNvPicPr>
             <a:picLocks noChangeAspect="1"/>
           </p:cNvPicPr>
           <p:nvPr/>
         </p:nvPicPr>
         <p:blipFill>
-          <a:blip r:embed="rId3"/>
+          <a:blip r:embed="rId3">
+            <a:extLst>
+              <a:ext uri="{28A0092B-C50C-407E-A947-70E740481C1C}">
+                <a14:useLocalDpi xmlns:a14="http://schemas.microsoft.com/office/drawing/2010/main" val="0"/>
+              </a:ext>
+            </a:extLst>
+          </a:blip>
           <a:stretch>
             <a:fillRect/>
           </a:stretch>
         </p:blipFill>
         <p:spPr>
           <a:xfrm>
-            <a:off x="6008914" y="2471535"/>
-            <a:ext cx="5438899" cy="3993226"/>
+            <a:off x="24262" y="3978235"/>
+            <a:ext cx="9189738" cy="2604445"/>
           </a:xfrm>
           <a:prstGeom prst="rect">
             <a:avLst/>
@@ -14477,14 +16383,193 @@
       </p:pic>
       <p:sp>
         <p:nvSpPr>
-          <p:cNvPr id="16" name="Rectangle 15"/>
+          <p:cNvPr id="4" name="Rectangle 3"/>
           <p:cNvSpPr/>
           <p:nvPr/>
         </p:nvSpPr>
         <p:spPr>
           <a:xfrm>
-            <a:off x="9923813" y="6576576"/>
-            <a:ext cx="2268187" cy="281424"/>
+            <a:off x="9138838" y="1038823"/>
+            <a:ext cx="3175873" cy="2062103"/>
+          </a:xfrm>
+          <a:prstGeom prst="rect">
+            <a:avLst/>
+          </a:prstGeom>
+        </p:spPr>
+        <p:txBody>
+          <a:bodyPr wrap="square">
+            <a:spAutoFit/>
+          </a:bodyPr>
+          <a:lstStyle/>
+          <a:p>
+            <a:pPr marL="285750" indent="-285750">
+              <a:buFont typeface="Wingdings" panose="05000000000000000000" pitchFamily="2" charset="2"/>
+              <a:buChar char="§"/>
+            </a:pPr>
+            <a:r>
+              <a:rPr lang="en-US" sz="1600" b="1" dirty="0" smtClean="0">
+                <a:solidFill>
+                  <a:srgbClr val="00B050"/>
+                </a:solidFill>
+                <a:latin typeface="Tw Cen MT" panose="020B0602020104020603" pitchFamily="34" charset="0"/>
+              </a:rPr>
+              <a:t>Steady rise </a:t>
+            </a:r>
+            <a:r>
+              <a:rPr lang="en-US" sz="1600" b="1" dirty="0">
+                <a:solidFill>
+                  <a:srgbClr val="00B050"/>
+                </a:solidFill>
+                <a:latin typeface="Tw Cen MT" panose="020B0602020104020603" pitchFamily="34" charset="0"/>
+              </a:rPr>
+              <a:t>in deaths from 2017 to 2018 and a subsequent decrease in 2019.</a:t>
+            </a:r>
+          </a:p>
+          <a:p>
+            <a:pPr marL="285750" indent="-285750">
+              <a:buFont typeface="Wingdings" panose="05000000000000000000" pitchFamily="2" charset="2"/>
+              <a:buChar char="§"/>
+            </a:pPr>
+            <a:r>
+              <a:rPr lang="en-US" sz="1600" b="1" dirty="0" smtClean="0">
+                <a:solidFill>
+                  <a:srgbClr val="00B050"/>
+                </a:solidFill>
+                <a:latin typeface="Tw Cen MT" panose="020B0602020104020603" pitchFamily="34" charset="0"/>
+              </a:rPr>
+              <a:t>Fluctuations </a:t>
+            </a:r>
+            <a:r>
+              <a:rPr lang="en-US" sz="1600" b="1" dirty="0">
+                <a:solidFill>
+                  <a:srgbClr val="00B050"/>
+                </a:solidFill>
+                <a:latin typeface="Tw Cen MT" panose="020B0602020104020603" pitchFamily="34" charset="0"/>
+              </a:rPr>
+              <a:t>in monthly admissions in </a:t>
+            </a:r>
+            <a:r>
+              <a:rPr lang="en-US" sz="1600" b="1" dirty="0" smtClean="0">
+                <a:solidFill>
+                  <a:srgbClr val="00B050"/>
+                </a:solidFill>
+                <a:latin typeface="Tw Cen MT" panose="020B0602020104020603" pitchFamily="34" charset="0"/>
+              </a:rPr>
+              <a:t>2019.</a:t>
+            </a:r>
+          </a:p>
+          <a:p>
+            <a:pPr marL="285750" indent="-285750">
+              <a:buFont typeface="Wingdings" panose="05000000000000000000" pitchFamily="2" charset="2"/>
+              <a:buChar char="§"/>
+            </a:pPr>
+            <a:r>
+              <a:rPr lang="en-US" sz="1600" b="1" dirty="0" smtClean="0">
+                <a:solidFill>
+                  <a:srgbClr val="00B050"/>
+                </a:solidFill>
+                <a:latin typeface="Tw Cen MT" panose="020B0602020104020603" pitchFamily="34" charset="0"/>
+              </a:rPr>
+              <a:t>Sudden </a:t>
+            </a:r>
+            <a:r>
+              <a:rPr lang="en-US" sz="1600" b="1" dirty="0">
+                <a:solidFill>
+                  <a:srgbClr val="00B050"/>
+                </a:solidFill>
+                <a:latin typeface="Tw Cen MT" panose="020B0602020104020603" pitchFamily="34" charset="0"/>
+              </a:rPr>
+              <a:t>rise in number of admissions from March to April 2017</a:t>
+            </a:r>
+            <a:r>
+              <a:rPr lang="en-US" sz="1600" b="1" dirty="0" smtClean="0">
+                <a:solidFill>
+                  <a:srgbClr val="00B050"/>
+                </a:solidFill>
+                <a:latin typeface="Tw Cen MT" panose="020B0602020104020603" pitchFamily="34" charset="0"/>
+              </a:rPr>
+              <a:t>.</a:t>
+            </a:r>
+          </a:p>
+        </p:txBody>
+      </p:sp>
+      <p:sp>
+        <p:nvSpPr>
+          <p:cNvPr id="5" name="Rectangle 4"/>
+          <p:cNvSpPr/>
+          <p:nvPr/>
+        </p:nvSpPr>
+        <p:spPr>
+          <a:xfrm>
+            <a:off x="9138838" y="4108864"/>
+            <a:ext cx="3127169" cy="2062103"/>
+          </a:xfrm>
+          <a:prstGeom prst="rect">
+            <a:avLst/>
+          </a:prstGeom>
+        </p:spPr>
+        <p:txBody>
+          <a:bodyPr wrap="square">
+            <a:spAutoFit/>
+          </a:bodyPr>
+          <a:lstStyle/>
+          <a:p>
+            <a:pPr marL="285750" indent="-285750">
+              <a:buFont typeface="Wingdings" panose="05000000000000000000" pitchFamily="2" charset="2"/>
+              <a:buChar char="§"/>
+            </a:pPr>
+            <a:r>
+              <a:rPr lang="en-US" sz="1600" b="1" dirty="0">
+                <a:solidFill>
+                  <a:srgbClr val="00B050"/>
+                </a:solidFill>
+                <a:latin typeface="Tw Cen MT" panose="020B0602020104020603" pitchFamily="34" charset="0"/>
+              </a:rPr>
+              <a:t>January had the highest number of admissions in 2019.</a:t>
+            </a:r>
+          </a:p>
+          <a:p>
+            <a:pPr marL="285750" indent="-285750">
+              <a:buFont typeface="Wingdings" panose="05000000000000000000" pitchFamily="2" charset="2"/>
+              <a:buChar char="§"/>
+            </a:pPr>
+            <a:r>
+              <a:rPr lang="en-US" sz="1600" b="1" dirty="0">
+                <a:solidFill>
+                  <a:srgbClr val="00B050"/>
+                </a:solidFill>
+                <a:latin typeface="Tw Cen MT" panose="020B0602020104020603" pitchFamily="34" charset="0"/>
+              </a:rPr>
+              <a:t>Admissions from April to December 2019 were roughly constant.</a:t>
+            </a:r>
+          </a:p>
+          <a:p>
+            <a:pPr marL="285750" indent="-285750">
+              <a:buFont typeface="Wingdings" panose="05000000000000000000" pitchFamily="2" charset="2"/>
+              <a:buChar char="§"/>
+            </a:pPr>
+            <a:r>
+              <a:rPr lang="en-US" sz="1600" b="1" dirty="0">
+                <a:solidFill>
+                  <a:srgbClr val="00B050"/>
+                </a:solidFill>
+                <a:latin typeface="Tw Cen MT" panose="020B0602020104020603" pitchFamily="34" charset="0"/>
+              </a:rPr>
+              <a:t>Highest number of admissions over the years from July to November 2018</a:t>
+            </a:r>
+          </a:p>
+        </p:txBody>
+      </p:sp>
+      <p:sp>
+        <p:nvSpPr>
+          <p:cNvPr id="12" name="Rectangle 11"/>
+          <p:cNvSpPr/>
+          <p:nvPr/>
+        </p:nvSpPr>
+        <p:spPr>
+          <a:xfrm>
+            <a:off x="9923813" y="6264233"/>
+            <a:ext cx="2268187" cy="593767"/>
           </a:xfrm>
           <a:prstGeom prst="rect">
             <a:avLst/>
@@ -14524,7 +16609,7 @@
     </p:spTree>
     <p:extLst>
       <p:ext uri="{BB962C8B-B14F-4D97-AF65-F5344CB8AC3E}">
-        <p14:creationId xmlns:p14="http://schemas.microsoft.com/office/powerpoint/2010/main" val="821684890"/>
+        <p14:creationId xmlns:p14="http://schemas.microsoft.com/office/powerpoint/2010/main" val="796440127"/>
       </p:ext>
     </p:extLst>
   </p:cSld>
